--- a/assets/img/autodrive/concept/vehicle_axis/vehicle_axis.pptx
+++ b/assets/img/autodrive/concept/vehicle_axis/vehicle_axis.pptx
@@ -7,6 +7,8 @@
   <p:sldIdLst>
     <p:sldId id="256" r:id="rId2"/>
     <p:sldId id="257" r:id="rId3"/>
+    <p:sldId id="258" r:id="rId4"/>
+    <p:sldId id="259" r:id="rId5"/>
   </p:sldIdLst>
   <p:sldSz cx="9906000" cy="6858000" type="A4"/>
   <p:notesSz cx="6858000" cy="9144000"/>
@@ -105,6 +107,11 @@
       </a:defRPr>
     </a:lvl9pPr>
   </p:defaultTextStyle>
+  <p:extLst>
+    <p:ext uri="{EFAFB233-063F-42B5-8137-9DF3F51BA10A}">
+      <p15:sldGuideLst xmlns:p15="http://schemas.microsoft.com/office/powerpoint/2012/main"/>
+    </p:ext>
+  </p:extLst>
 </p:presentation>
 </file>
 
@@ -3706,12 +3713,1701 @@
           <a:chExt cx="0" cy="0"/>
         </a:xfrm>
       </p:grpSpPr>
+      <p:grpSp>
+        <p:nvGrpSpPr>
+          <p:cNvPr id="2" name="그룹 1">
+            <a:extLst>
+              <a:ext uri="{FF2B5EF4-FFF2-40B4-BE49-F238E27FC236}">
+                <a16:creationId xmlns:a16="http://schemas.microsoft.com/office/drawing/2014/main" id="{8F294FBE-B4A1-4A63-AB54-F5C9694E4F20}"/>
+              </a:ext>
+            </a:extLst>
+          </p:cNvPr>
+          <p:cNvGrpSpPr/>
+          <p:nvPr/>
+        </p:nvGrpSpPr>
+        <p:grpSpPr>
+          <a:xfrm>
+            <a:off x="214221" y="-80133"/>
+            <a:ext cx="3957375" cy="2615636"/>
+            <a:chOff x="328521" y="323727"/>
+            <a:chExt cx="3957375" cy="2615636"/>
+          </a:xfrm>
+        </p:grpSpPr>
+        <p:pic>
+          <p:nvPicPr>
+            <p:cNvPr id="6" name="그림 5">
+              <a:extLst>
+                <a:ext uri="{FF2B5EF4-FFF2-40B4-BE49-F238E27FC236}">
+                  <a16:creationId xmlns:a16="http://schemas.microsoft.com/office/drawing/2014/main" id="{2FCDA581-25DC-4284-A431-441713DC1ECF}"/>
+                </a:ext>
+              </a:extLst>
+            </p:cNvPr>
+            <p:cNvPicPr>
+              <a:picLocks noChangeAspect="1"/>
+            </p:cNvPicPr>
+            <p:nvPr/>
+          </p:nvPicPr>
+          <p:blipFill>
+            <a:blip r:embed="rId2">
+              <a:extLst>
+                <a:ext uri="{BEBA8EAE-BF5A-486C-A8C5-ECC9F3942E4B}">
+                  <a14:imgProps xmlns:a14="http://schemas.microsoft.com/office/drawing/2010/main">
+                    <a14:imgLayer r:embed="rId3">
+                      <a14:imgEffect>
+                        <a14:backgroundRemoval t="8934" b="93084" l="9905" r="89905">
+                          <a14:foregroundMark x1="13905" y1="77233" x2="17649" y2="84230"/>
+                          <a14:foregroundMark x1="24337" y1="81556" x2="26095" y2="78098"/>
+                          <a14:foregroundMark x1="23751" y1="82709" x2="24189" y2="81847"/>
+                          <a14:foregroundMark x1="22291" y1="85581" x2="23751" y2="82709"/>
+                          <a14:foregroundMark x1="26667" y1="82997" x2="26667" y2="83285"/>
+                          <a14:foregroundMark x1="27161" y1="82879" x2="27295" y2="82900"/>
+                          <a14:foregroundMark x1="26094" y1="82709" x2="27057" y2="82862"/>
+                          <a14:foregroundMark x1="24284" y1="82421" x2="26094" y2="82709"/>
+                          <a14:foregroundMark x1="38476" y1="73199" x2="38476" y2="73199"/>
+                          <a14:foregroundMark x1="75619" y1="81844" x2="75619" y2="81844"/>
+                          <a14:foregroundMark x1="78667" y1="82421" x2="78667" y2="82421"/>
+                          <a14:foregroundMark x1="79048" y1="82421" x2="79429" y2="82133"/>
+                          <a14:foregroundMark x1="80952" y1="81268" x2="81143" y2="81268"/>
+                          <a14:foregroundMark x1="81524" y1="80980" x2="81524" y2="80980"/>
+                          <a14:foregroundMark x1="72952" y1="83862" x2="72952" y2="84150"/>
+                          <a14:foregroundMark x1="72571" y1="84150" x2="72571" y2="84150"/>
+                          <a14:foregroundMark x1="72000" y1="82421" x2="72000" y2="82421"/>
+                          <a14:foregroundMark x1="71619" y1="81556" x2="71619" y2="81556"/>
+                          <a14:foregroundMark x1="71429" y1="80980" x2="71429" y2="80980"/>
+                          <a14:foregroundMark x1="26286" y1="83285" x2="26286" y2="83285"/>
+                          <a14:foregroundMark x1="26667" y1="82997" x2="26667" y2="82997"/>
+                          <a14:foregroundMark x1="27048" y1="81556" x2="27048" y2="81844"/>
+                          <a14:foregroundMark x1="26857" y1="82997" x2="26857" y2="82997"/>
+                          <a14:foregroundMark x1="26476" y1="83573" x2="26476" y2="83573"/>
+                          <a14:foregroundMark x1="26667" y1="83573" x2="26667" y2="83573"/>
+                          <a14:foregroundMark x1="26667" y1="82997" x2="26667" y2="82997"/>
+                          <a14:foregroundMark x1="26667" y1="83862" x2="26667" y2="83862"/>
+                          <a14:foregroundMark x1="49905" y1="8934" x2="49905" y2="8934"/>
+                          <a14:foregroundMark x1="49714" y1="41499" x2="49714" y2="41499"/>
+                          <a14:backgroundMark x1="13714" y1="87608" x2="23619" y2="90490"/>
+                          <a14:backgroundMark x1="23619" y1="90490" x2="52571" y2="85303"/>
+                          <a14:backgroundMark x1="52571" y1="85303" x2="62095" y2="87032"/>
+                          <a14:backgroundMark x1="62095" y1="87032" x2="71810" y2="85591"/>
+                          <a14:backgroundMark x1="71810" y1="85591" x2="81524" y2="88184"/>
+                          <a14:backgroundMark x1="81524" y1="88184" x2="72952" y2="96542"/>
+                          <a14:backgroundMark x1="72952" y1="96542" x2="20762" y2="99424"/>
+                          <a14:backgroundMark x1="20762" y1="99424" x2="13143" y2="90778"/>
+                          <a14:backgroundMark x1="13143" y1="90778" x2="13524" y2="88473"/>
+                          <a14:backgroundMark x1="27429" y1="81844" x2="27429" y2="82709"/>
+                          <a14:backgroundMark x1="28190" y1="84150" x2="28190" y2="84150"/>
+                          <a14:backgroundMark x1="31048" y1="85014" x2="31048" y2="85014"/>
+                          <a14:backgroundMark x1="30476" y1="85303" x2="30476" y2="85303"/>
+                          <a14:backgroundMark x1="30476" y1="85303" x2="30667" y2="85879"/>
+                          <a14:backgroundMark x1="30857" y1="85879" x2="31048" y2="85591"/>
+                          <a14:backgroundMark x1="31048" y1="85591" x2="30476" y2="85014"/>
+                          <a14:backgroundMark x1="30286" y1="85014" x2="30095" y2="85014"/>
+                          <a14:backgroundMark x1="30095" y1="85014" x2="30095" y2="85014"/>
+                          <a14:backgroundMark x1="30667" y1="84438" x2="30857" y2="84150"/>
+                          <a14:backgroundMark x1="30191" y1="83862" x2="29905" y2="83573"/>
+                          <a14:backgroundMark x1="30476" y1="84150" x2="30191" y2="83862"/>
+                          <a14:backgroundMark x1="29714" y1="83285" x2="29524" y2="83285"/>
+                          <a14:backgroundMark x1="29333" y1="82997" x2="29333" y2="82997"/>
+                          <a14:backgroundMark x1="29333" y1="82997" x2="28952" y2="83285"/>
+                          <a14:backgroundMark x1="28762" y1="83285" x2="28381" y2="83285"/>
+                          <a14:backgroundMark x1="28381" y1="83285" x2="28381" y2="83573"/>
+                          <a14:backgroundMark x1="28285" y1="83862" x2="28190" y2="84150"/>
+                          <a14:backgroundMark x1="28381" y1="83573" x2="28285" y2="83862"/>
+                          <a14:backgroundMark x1="27810" y1="84726" x2="27429" y2="85303"/>
+                          <a14:backgroundMark x1="27238" y1="85591" x2="27048" y2="86455"/>
+                          <a14:backgroundMark x1="27048" y1="86455" x2="26667" y2="86744"/>
+                          <a14:backgroundMark x1="26667" y1="87032" x2="26667" y2="87032"/>
+                          <a14:backgroundMark x1="27048" y1="86167" x2="27238" y2="85591"/>
+                          <a14:backgroundMark x1="27238" y1="85303" x2="27429" y2="84726"/>
+                          <a14:backgroundMark x1="27619" y1="84438" x2="27619" y2="84150"/>
+                          <a14:backgroundMark x1="27619" y1="83862" x2="27619" y2="83862"/>
+                          <a14:backgroundMark x1="27619" y1="83862" x2="27619" y2="83573"/>
+                          <a14:backgroundMark x1="27619" y1="83573" x2="27619" y2="83573"/>
+                          <a14:backgroundMark x1="27429" y1="83862" x2="27429" y2="84150"/>
+                          <a14:backgroundMark x1="27429" y1="83573" x2="27429" y2="83862"/>
+                          <a14:backgroundMark x1="27238" y1="84438" x2="27048" y2="85014"/>
+                          <a14:backgroundMark x1="26857" y1="85303" x2="26857" y2="85591"/>
+                          <a14:backgroundMark x1="26857" y1="85591" x2="26857" y2="85591"/>
+                          <a14:backgroundMark x1="27238" y1="84726" x2="27429" y2="83862"/>
+                          <a14:backgroundMark x1="27429" y1="83573" x2="27429" y2="83573"/>
+                          <a14:backgroundMark x1="27429" y1="83573" x2="27429" y2="83573"/>
+                          <a14:backgroundMark x1="27429" y1="83285" x2="27429" y2="83285"/>
+                          <a14:backgroundMark x1="27429" y1="83285" x2="27429" y2="83285"/>
+                          <a14:backgroundMark x1="27429" y1="82997" x2="27810" y2="82997"/>
+                          <a14:backgroundMark x1="28381" y1="82709" x2="28381" y2="82709"/>
+                          <a14:backgroundMark x1="28571" y1="82997" x2="28762" y2="83285"/>
+                          <a14:backgroundMark x1="28190" y1="83862" x2="28190" y2="83862"/>
+                          <a14:backgroundMark x1="28190" y1="83862" x2="28190" y2="83862"/>
+                          <a14:backgroundMark x1="28381" y1="83862" x2="28381" y2="83862"/>
+                          <a14:backgroundMark x1="28190" y1="83573" x2="28190" y2="83573"/>
+                          <a14:backgroundMark x1="28190" y1="83573" x2="27810" y2="83285"/>
+                          <a14:backgroundMark x1="27810" y1="83285" x2="27810" y2="83285"/>
+                          <a14:backgroundMark x1="27810" y1="83285" x2="27810" y2="83285"/>
+                          <a14:backgroundMark x1="28190" y1="83285" x2="29143" y2="83573"/>
+                          <a14:backgroundMark x1="27429" y1="82997" x2="27429" y2="82997"/>
+                          <a14:backgroundMark x1="27048" y1="83285" x2="27048" y2="83285"/>
+                          <a14:backgroundMark x1="27238" y1="82709" x2="27238" y2="82709"/>
+                          <a14:backgroundMark x1="27048" y1="83862" x2="27048" y2="84150"/>
+                          <a14:backgroundMark x1="26857" y1="84438" x2="26857" y2="84438"/>
+                          <a14:backgroundMark x1="26667" y1="84726" x2="26667" y2="84726"/>
+                          <a14:backgroundMark x1="26857" y1="83573" x2="27048" y2="83285"/>
+                          <a14:backgroundMark x1="27048" y1="82709" x2="27048" y2="82709"/>
+                        </a14:backgroundRemoval>
+                      </a14:imgEffect>
+                    </a14:imgLayer>
+                  </a14:imgProps>
+                </a:ext>
+              </a:extLst>
+            </a:blip>
+            <a:stretch>
+              <a:fillRect/>
+            </a:stretch>
+          </p:blipFill>
+          <p:spPr>
+            <a:xfrm>
+              <a:off x="328521" y="323727"/>
+              <a:ext cx="3957375" cy="2615636"/>
+            </a:xfrm>
+            <a:prstGeom prst="rect">
+              <a:avLst/>
+            </a:prstGeom>
+          </p:spPr>
+        </p:pic>
+        <p:pic>
+          <p:nvPicPr>
+            <p:cNvPr id="11" name="그림 10">
+              <a:extLst>
+                <a:ext uri="{FF2B5EF4-FFF2-40B4-BE49-F238E27FC236}">
+                  <a16:creationId xmlns:a16="http://schemas.microsoft.com/office/drawing/2014/main" id="{1B1EE547-A5F5-4254-BC6B-08588EB0041A}"/>
+                </a:ext>
+              </a:extLst>
+            </p:cNvPr>
+            <p:cNvPicPr>
+              <a:picLocks noChangeAspect="1"/>
+            </p:cNvPicPr>
+            <p:nvPr/>
+          </p:nvPicPr>
+          <p:blipFill>
+            <a:blip r:embed="rId2">
+              <a:extLst>
+                <a:ext uri="{BEBA8EAE-BF5A-486C-A8C5-ECC9F3942E4B}">
+                  <a14:imgProps xmlns:a14="http://schemas.microsoft.com/office/drawing/2010/main">
+                    <a14:imgLayer r:embed="rId3">
+                      <a14:imgEffect>
+                        <a14:backgroundRemoval t="8934" b="93084" l="9905" r="89905">
+                          <a14:foregroundMark x1="13905" y1="77233" x2="17649" y2="84230"/>
+                          <a14:foregroundMark x1="24337" y1="81556" x2="26095" y2="78098"/>
+                          <a14:foregroundMark x1="23751" y1="82709" x2="24189" y2="81847"/>
+                          <a14:foregroundMark x1="22291" y1="85581" x2="23751" y2="82709"/>
+                          <a14:foregroundMark x1="26667" y1="82997" x2="26667" y2="83285"/>
+                          <a14:foregroundMark x1="27161" y1="82879" x2="27295" y2="82900"/>
+                          <a14:foregroundMark x1="26094" y1="82709" x2="27057" y2="82862"/>
+                          <a14:foregroundMark x1="24284" y1="82421" x2="26094" y2="82709"/>
+                          <a14:foregroundMark x1="38476" y1="73199" x2="38476" y2="73199"/>
+                          <a14:foregroundMark x1="75619" y1="81844" x2="75619" y2="81844"/>
+                          <a14:foregroundMark x1="78667" y1="82421" x2="78667" y2="82421"/>
+                          <a14:foregroundMark x1="79048" y1="82421" x2="79429" y2="82133"/>
+                          <a14:foregroundMark x1="80952" y1="81268" x2="81143" y2="81268"/>
+                          <a14:foregroundMark x1="81524" y1="80980" x2="81524" y2="80980"/>
+                          <a14:foregroundMark x1="72952" y1="83862" x2="72952" y2="84150"/>
+                          <a14:foregroundMark x1="72571" y1="84150" x2="72571" y2="84150"/>
+                          <a14:foregroundMark x1="72000" y1="82421" x2="72000" y2="82421"/>
+                          <a14:foregroundMark x1="71619" y1="81556" x2="71619" y2="81556"/>
+                          <a14:foregroundMark x1="71429" y1="80980" x2="71429" y2="80980"/>
+                          <a14:foregroundMark x1="26286" y1="83285" x2="26286" y2="83285"/>
+                          <a14:foregroundMark x1="26667" y1="82997" x2="26667" y2="82997"/>
+                          <a14:foregroundMark x1="27048" y1="81556" x2="27048" y2="81844"/>
+                          <a14:foregroundMark x1="26857" y1="82997" x2="26857" y2="82997"/>
+                          <a14:foregroundMark x1="26476" y1="83573" x2="26476" y2="83573"/>
+                          <a14:foregroundMark x1="26667" y1="83573" x2="26667" y2="83573"/>
+                          <a14:foregroundMark x1="26667" y1="82997" x2="26667" y2="82997"/>
+                          <a14:foregroundMark x1="26667" y1="83862" x2="26667" y2="83862"/>
+                          <a14:foregroundMark x1="49905" y1="8934" x2="49905" y2="8934"/>
+                          <a14:foregroundMark x1="49714" y1="41499" x2="49714" y2="41499"/>
+                          <a14:backgroundMark x1="13714" y1="87608" x2="23619" y2="90490"/>
+                          <a14:backgroundMark x1="23619" y1="90490" x2="52571" y2="85303"/>
+                          <a14:backgroundMark x1="52571" y1="85303" x2="62095" y2="87032"/>
+                          <a14:backgroundMark x1="62095" y1="87032" x2="71810" y2="85591"/>
+                          <a14:backgroundMark x1="71810" y1="85591" x2="81524" y2="88184"/>
+                          <a14:backgroundMark x1="81524" y1="88184" x2="72952" y2="96542"/>
+                          <a14:backgroundMark x1="72952" y1="96542" x2="20762" y2="99424"/>
+                          <a14:backgroundMark x1="20762" y1="99424" x2="13143" y2="90778"/>
+                          <a14:backgroundMark x1="13143" y1="90778" x2="13524" y2="88473"/>
+                          <a14:backgroundMark x1="27429" y1="81844" x2="27429" y2="82709"/>
+                          <a14:backgroundMark x1="28190" y1="84150" x2="28190" y2="84150"/>
+                          <a14:backgroundMark x1="31048" y1="85014" x2="31048" y2="85014"/>
+                          <a14:backgroundMark x1="30476" y1="85303" x2="30476" y2="85303"/>
+                          <a14:backgroundMark x1="30476" y1="85303" x2="30667" y2="85879"/>
+                          <a14:backgroundMark x1="30857" y1="85879" x2="31048" y2="85591"/>
+                          <a14:backgroundMark x1="31048" y1="85591" x2="30476" y2="85014"/>
+                          <a14:backgroundMark x1="30286" y1="85014" x2="30095" y2="85014"/>
+                          <a14:backgroundMark x1="30095" y1="85014" x2="30095" y2="85014"/>
+                          <a14:backgroundMark x1="30667" y1="84438" x2="30857" y2="84150"/>
+                          <a14:backgroundMark x1="30191" y1="83862" x2="29905" y2="83573"/>
+                          <a14:backgroundMark x1="30476" y1="84150" x2="30191" y2="83862"/>
+                          <a14:backgroundMark x1="29714" y1="83285" x2="29524" y2="83285"/>
+                          <a14:backgroundMark x1="29333" y1="82997" x2="29333" y2="82997"/>
+                          <a14:backgroundMark x1="29333" y1="82997" x2="28952" y2="83285"/>
+                          <a14:backgroundMark x1="28762" y1="83285" x2="28381" y2="83285"/>
+                          <a14:backgroundMark x1="28381" y1="83285" x2="28381" y2="83573"/>
+                          <a14:backgroundMark x1="28285" y1="83862" x2="28190" y2="84150"/>
+                          <a14:backgroundMark x1="28381" y1="83573" x2="28285" y2="83862"/>
+                          <a14:backgroundMark x1="27810" y1="84726" x2="27429" y2="85303"/>
+                          <a14:backgroundMark x1="27238" y1="85591" x2="27048" y2="86455"/>
+                          <a14:backgroundMark x1="27048" y1="86455" x2="26667" y2="86744"/>
+                          <a14:backgroundMark x1="26667" y1="87032" x2="26667" y2="87032"/>
+                          <a14:backgroundMark x1="27048" y1="86167" x2="27238" y2="85591"/>
+                          <a14:backgroundMark x1="27238" y1="85303" x2="27429" y2="84726"/>
+                          <a14:backgroundMark x1="27619" y1="84438" x2="27619" y2="84150"/>
+                          <a14:backgroundMark x1="27619" y1="83862" x2="27619" y2="83862"/>
+                          <a14:backgroundMark x1="27619" y1="83862" x2="27619" y2="83573"/>
+                          <a14:backgroundMark x1="27619" y1="83573" x2="27619" y2="83573"/>
+                          <a14:backgroundMark x1="27429" y1="83862" x2="27429" y2="84150"/>
+                          <a14:backgroundMark x1="27429" y1="83573" x2="27429" y2="83862"/>
+                          <a14:backgroundMark x1="27238" y1="84438" x2="27048" y2="85014"/>
+                          <a14:backgroundMark x1="26857" y1="85303" x2="26857" y2="85591"/>
+                          <a14:backgroundMark x1="26857" y1="85591" x2="26857" y2="85591"/>
+                          <a14:backgroundMark x1="27238" y1="84726" x2="27429" y2="83862"/>
+                          <a14:backgroundMark x1="27429" y1="83573" x2="27429" y2="83573"/>
+                          <a14:backgroundMark x1="27429" y1="83573" x2="27429" y2="83573"/>
+                          <a14:backgroundMark x1="27429" y1="83285" x2="27429" y2="83285"/>
+                          <a14:backgroundMark x1="27429" y1="83285" x2="27429" y2="83285"/>
+                          <a14:backgroundMark x1="27429" y1="82997" x2="27810" y2="82997"/>
+                          <a14:backgroundMark x1="28381" y1="82709" x2="28381" y2="82709"/>
+                          <a14:backgroundMark x1="28571" y1="82997" x2="28762" y2="83285"/>
+                          <a14:backgroundMark x1="28190" y1="83862" x2="28190" y2="83862"/>
+                          <a14:backgroundMark x1="28190" y1="83862" x2="28190" y2="83862"/>
+                          <a14:backgroundMark x1="28381" y1="83862" x2="28381" y2="83862"/>
+                          <a14:backgroundMark x1="28190" y1="83573" x2="28190" y2="83573"/>
+                          <a14:backgroundMark x1="28190" y1="83573" x2="27810" y2="83285"/>
+                          <a14:backgroundMark x1="27810" y1="83285" x2="27810" y2="83285"/>
+                          <a14:backgroundMark x1="27810" y1="83285" x2="27810" y2="83285"/>
+                          <a14:backgroundMark x1="28190" y1="83285" x2="29143" y2="83573"/>
+                          <a14:backgroundMark x1="27429" y1="82997" x2="27429" y2="82997"/>
+                          <a14:backgroundMark x1="27048" y1="83285" x2="27048" y2="83285"/>
+                          <a14:backgroundMark x1="27238" y1="82709" x2="27238" y2="82709"/>
+                          <a14:backgroundMark x1="27048" y1="83862" x2="27048" y2="84150"/>
+                          <a14:backgroundMark x1="26857" y1="84438" x2="26857" y2="84438"/>
+                          <a14:backgroundMark x1="26667" y1="84726" x2="26667" y2="84726"/>
+                          <a14:backgroundMark x1="26857" y1="83573" x2="27048" y2="83285"/>
+                          <a14:backgroundMark x1="27048" y1="82709" x2="27048" y2="82709"/>
+                        </a14:backgroundRemoval>
+                      </a14:imgEffect>
+                    </a14:imgLayer>
+                  </a14:imgProps>
+                </a:ext>
+              </a:extLst>
+            </a:blip>
+            <a:stretch>
+              <a:fillRect/>
+            </a:stretch>
+          </p:blipFill>
+          <p:spPr>
+            <a:xfrm rot="-120000">
+              <a:off x="328521" y="323727"/>
+              <a:ext cx="3957375" cy="2615636"/>
+            </a:xfrm>
+            <a:prstGeom prst="rect">
+              <a:avLst/>
+            </a:prstGeom>
+          </p:spPr>
+        </p:pic>
+        <p:pic>
+          <p:nvPicPr>
+            <p:cNvPr id="12" name="그림 11">
+              <a:extLst>
+                <a:ext uri="{FF2B5EF4-FFF2-40B4-BE49-F238E27FC236}">
+                  <a16:creationId xmlns:a16="http://schemas.microsoft.com/office/drawing/2014/main" id="{BA01DDAD-7D30-4DCF-9369-EECAD652E719}"/>
+                </a:ext>
+              </a:extLst>
+            </p:cNvPr>
+            <p:cNvPicPr>
+              <a:picLocks noChangeAspect="1"/>
+            </p:cNvPicPr>
+            <p:nvPr/>
+          </p:nvPicPr>
+          <p:blipFill>
+            <a:blip r:embed="rId2">
+              <a:extLst>
+                <a:ext uri="{BEBA8EAE-BF5A-486C-A8C5-ECC9F3942E4B}">
+                  <a14:imgProps xmlns:a14="http://schemas.microsoft.com/office/drawing/2010/main">
+                    <a14:imgLayer r:embed="rId3">
+                      <a14:imgEffect>
+                        <a14:backgroundRemoval t="8934" b="93084" l="9905" r="89905">
+                          <a14:foregroundMark x1="13905" y1="77233" x2="17649" y2="84230"/>
+                          <a14:foregroundMark x1="24337" y1="81556" x2="26095" y2="78098"/>
+                          <a14:foregroundMark x1="23751" y1="82709" x2="24189" y2="81847"/>
+                          <a14:foregroundMark x1="22291" y1="85581" x2="23751" y2="82709"/>
+                          <a14:foregroundMark x1="26667" y1="82997" x2="26667" y2="83285"/>
+                          <a14:foregroundMark x1="27161" y1="82879" x2="27295" y2="82900"/>
+                          <a14:foregroundMark x1="26094" y1="82709" x2="27057" y2="82862"/>
+                          <a14:foregroundMark x1="24284" y1="82421" x2="26094" y2="82709"/>
+                          <a14:foregroundMark x1="38476" y1="73199" x2="38476" y2="73199"/>
+                          <a14:foregroundMark x1="75619" y1="81844" x2="75619" y2="81844"/>
+                          <a14:foregroundMark x1="78667" y1="82421" x2="78667" y2="82421"/>
+                          <a14:foregroundMark x1="79048" y1="82421" x2="79429" y2="82133"/>
+                          <a14:foregroundMark x1="80952" y1="81268" x2="81143" y2="81268"/>
+                          <a14:foregroundMark x1="81524" y1="80980" x2="81524" y2="80980"/>
+                          <a14:foregroundMark x1="72952" y1="83862" x2="72952" y2="84150"/>
+                          <a14:foregroundMark x1="72571" y1="84150" x2="72571" y2="84150"/>
+                          <a14:foregroundMark x1="72000" y1="82421" x2="72000" y2="82421"/>
+                          <a14:foregroundMark x1="71619" y1="81556" x2="71619" y2="81556"/>
+                          <a14:foregroundMark x1="71429" y1="80980" x2="71429" y2="80980"/>
+                          <a14:foregroundMark x1="26286" y1="83285" x2="26286" y2="83285"/>
+                          <a14:foregroundMark x1="26667" y1="82997" x2="26667" y2="82997"/>
+                          <a14:foregroundMark x1="27048" y1="81556" x2="27048" y2="81844"/>
+                          <a14:foregroundMark x1="26857" y1="82997" x2="26857" y2="82997"/>
+                          <a14:foregroundMark x1="26476" y1="83573" x2="26476" y2="83573"/>
+                          <a14:foregroundMark x1="26667" y1="83573" x2="26667" y2="83573"/>
+                          <a14:foregroundMark x1="26667" y1="82997" x2="26667" y2="82997"/>
+                          <a14:foregroundMark x1="26667" y1="83862" x2="26667" y2="83862"/>
+                          <a14:foregroundMark x1="49905" y1="8934" x2="49905" y2="8934"/>
+                          <a14:foregroundMark x1="49714" y1="41499" x2="49714" y2="41499"/>
+                          <a14:backgroundMark x1="13714" y1="87608" x2="23619" y2="90490"/>
+                          <a14:backgroundMark x1="23619" y1="90490" x2="52571" y2="85303"/>
+                          <a14:backgroundMark x1="52571" y1="85303" x2="62095" y2="87032"/>
+                          <a14:backgroundMark x1="62095" y1="87032" x2="71810" y2="85591"/>
+                          <a14:backgroundMark x1="71810" y1="85591" x2="81524" y2="88184"/>
+                          <a14:backgroundMark x1="81524" y1="88184" x2="72952" y2="96542"/>
+                          <a14:backgroundMark x1="72952" y1="96542" x2="20762" y2="99424"/>
+                          <a14:backgroundMark x1="20762" y1="99424" x2="13143" y2="90778"/>
+                          <a14:backgroundMark x1="13143" y1="90778" x2="13524" y2="88473"/>
+                          <a14:backgroundMark x1="27429" y1="81844" x2="27429" y2="82709"/>
+                          <a14:backgroundMark x1="28190" y1="84150" x2="28190" y2="84150"/>
+                          <a14:backgroundMark x1="31048" y1="85014" x2="31048" y2="85014"/>
+                          <a14:backgroundMark x1="30476" y1="85303" x2="30476" y2="85303"/>
+                          <a14:backgroundMark x1="30476" y1="85303" x2="30667" y2="85879"/>
+                          <a14:backgroundMark x1="30857" y1="85879" x2="31048" y2="85591"/>
+                          <a14:backgroundMark x1="31048" y1="85591" x2="30476" y2="85014"/>
+                          <a14:backgroundMark x1="30286" y1="85014" x2="30095" y2="85014"/>
+                          <a14:backgroundMark x1="30095" y1="85014" x2="30095" y2="85014"/>
+                          <a14:backgroundMark x1="30667" y1="84438" x2="30857" y2="84150"/>
+                          <a14:backgroundMark x1="30191" y1="83862" x2="29905" y2="83573"/>
+                          <a14:backgroundMark x1="30476" y1="84150" x2="30191" y2="83862"/>
+                          <a14:backgroundMark x1="29714" y1="83285" x2="29524" y2="83285"/>
+                          <a14:backgroundMark x1="29333" y1="82997" x2="29333" y2="82997"/>
+                          <a14:backgroundMark x1="29333" y1="82997" x2="28952" y2="83285"/>
+                          <a14:backgroundMark x1="28762" y1="83285" x2="28381" y2="83285"/>
+                          <a14:backgroundMark x1="28381" y1="83285" x2="28381" y2="83573"/>
+                          <a14:backgroundMark x1="28285" y1="83862" x2="28190" y2="84150"/>
+                          <a14:backgroundMark x1="28381" y1="83573" x2="28285" y2="83862"/>
+                          <a14:backgroundMark x1="27810" y1="84726" x2="27429" y2="85303"/>
+                          <a14:backgroundMark x1="27238" y1="85591" x2="27048" y2="86455"/>
+                          <a14:backgroundMark x1="27048" y1="86455" x2="26667" y2="86744"/>
+                          <a14:backgroundMark x1="26667" y1="87032" x2="26667" y2="87032"/>
+                          <a14:backgroundMark x1="27048" y1="86167" x2="27238" y2="85591"/>
+                          <a14:backgroundMark x1="27238" y1="85303" x2="27429" y2="84726"/>
+                          <a14:backgroundMark x1="27619" y1="84438" x2="27619" y2="84150"/>
+                          <a14:backgroundMark x1="27619" y1="83862" x2="27619" y2="83862"/>
+                          <a14:backgroundMark x1="27619" y1="83862" x2="27619" y2="83573"/>
+                          <a14:backgroundMark x1="27619" y1="83573" x2="27619" y2="83573"/>
+                          <a14:backgroundMark x1="27429" y1="83862" x2="27429" y2="84150"/>
+                          <a14:backgroundMark x1="27429" y1="83573" x2="27429" y2="83862"/>
+                          <a14:backgroundMark x1="27238" y1="84438" x2="27048" y2="85014"/>
+                          <a14:backgroundMark x1="26857" y1="85303" x2="26857" y2="85591"/>
+                          <a14:backgroundMark x1="26857" y1="85591" x2="26857" y2="85591"/>
+                          <a14:backgroundMark x1="27238" y1="84726" x2="27429" y2="83862"/>
+                          <a14:backgroundMark x1="27429" y1="83573" x2="27429" y2="83573"/>
+                          <a14:backgroundMark x1="27429" y1="83573" x2="27429" y2="83573"/>
+                          <a14:backgroundMark x1="27429" y1="83285" x2="27429" y2="83285"/>
+                          <a14:backgroundMark x1="27429" y1="83285" x2="27429" y2="83285"/>
+                          <a14:backgroundMark x1="27429" y1="82997" x2="27810" y2="82997"/>
+                          <a14:backgroundMark x1="28381" y1="82709" x2="28381" y2="82709"/>
+                          <a14:backgroundMark x1="28571" y1="82997" x2="28762" y2="83285"/>
+                          <a14:backgroundMark x1="28190" y1="83862" x2="28190" y2="83862"/>
+                          <a14:backgroundMark x1="28190" y1="83862" x2="28190" y2="83862"/>
+                          <a14:backgroundMark x1="28381" y1="83862" x2="28381" y2="83862"/>
+                          <a14:backgroundMark x1="28190" y1="83573" x2="28190" y2="83573"/>
+                          <a14:backgroundMark x1="28190" y1="83573" x2="27810" y2="83285"/>
+                          <a14:backgroundMark x1="27810" y1="83285" x2="27810" y2="83285"/>
+                          <a14:backgroundMark x1="27810" y1="83285" x2="27810" y2="83285"/>
+                          <a14:backgroundMark x1="28190" y1="83285" x2="29143" y2="83573"/>
+                          <a14:backgroundMark x1="27429" y1="82997" x2="27429" y2="82997"/>
+                          <a14:backgroundMark x1="27048" y1="83285" x2="27048" y2="83285"/>
+                          <a14:backgroundMark x1="27238" y1="82709" x2="27238" y2="82709"/>
+                          <a14:backgroundMark x1="27048" y1="83862" x2="27048" y2="84150"/>
+                          <a14:backgroundMark x1="26857" y1="84438" x2="26857" y2="84438"/>
+                          <a14:backgroundMark x1="26667" y1="84726" x2="26667" y2="84726"/>
+                          <a14:backgroundMark x1="26857" y1="83573" x2="27048" y2="83285"/>
+                          <a14:backgroundMark x1="27048" y1="82709" x2="27048" y2="82709"/>
+                        </a14:backgroundRemoval>
+                      </a14:imgEffect>
+                    </a14:imgLayer>
+                  </a14:imgProps>
+                </a:ext>
+              </a:extLst>
+            </a:blip>
+            <a:stretch>
+              <a:fillRect/>
+            </a:stretch>
+          </p:blipFill>
+          <p:spPr>
+            <a:xfrm rot="-240000">
+              <a:off x="328521" y="323727"/>
+              <a:ext cx="3957375" cy="2615636"/>
+            </a:xfrm>
+            <a:prstGeom prst="rect">
+              <a:avLst/>
+            </a:prstGeom>
+          </p:spPr>
+        </p:pic>
+        <p:pic>
+          <p:nvPicPr>
+            <p:cNvPr id="13" name="그림 12">
+              <a:extLst>
+                <a:ext uri="{FF2B5EF4-FFF2-40B4-BE49-F238E27FC236}">
+                  <a16:creationId xmlns:a16="http://schemas.microsoft.com/office/drawing/2014/main" id="{826825EA-5EAB-486A-97F3-04AF284B7DD6}"/>
+                </a:ext>
+              </a:extLst>
+            </p:cNvPr>
+            <p:cNvPicPr>
+              <a:picLocks noChangeAspect="1"/>
+            </p:cNvPicPr>
+            <p:nvPr/>
+          </p:nvPicPr>
+          <p:blipFill>
+            <a:blip r:embed="rId2">
+              <a:extLst>
+                <a:ext uri="{BEBA8EAE-BF5A-486C-A8C5-ECC9F3942E4B}">
+                  <a14:imgProps xmlns:a14="http://schemas.microsoft.com/office/drawing/2010/main">
+                    <a14:imgLayer r:embed="rId3">
+                      <a14:imgEffect>
+                        <a14:backgroundRemoval t="8934" b="93084" l="9905" r="89905">
+                          <a14:foregroundMark x1="13905" y1="77233" x2="17649" y2="84230"/>
+                          <a14:foregroundMark x1="24337" y1="81556" x2="26095" y2="78098"/>
+                          <a14:foregroundMark x1="23751" y1="82709" x2="24189" y2="81847"/>
+                          <a14:foregroundMark x1="22291" y1="85581" x2="23751" y2="82709"/>
+                          <a14:foregroundMark x1="26667" y1="82997" x2="26667" y2="83285"/>
+                          <a14:foregroundMark x1="27161" y1="82879" x2="27295" y2="82900"/>
+                          <a14:foregroundMark x1="26094" y1="82709" x2="27057" y2="82862"/>
+                          <a14:foregroundMark x1="24284" y1="82421" x2="26094" y2="82709"/>
+                          <a14:foregroundMark x1="38476" y1="73199" x2="38476" y2="73199"/>
+                          <a14:foregroundMark x1="75619" y1="81844" x2="75619" y2="81844"/>
+                          <a14:foregroundMark x1="78667" y1="82421" x2="78667" y2="82421"/>
+                          <a14:foregroundMark x1="79048" y1="82421" x2="79429" y2="82133"/>
+                          <a14:foregroundMark x1="80952" y1="81268" x2="81143" y2="81268"/>
+                          <a14:foregroundMark x1="81524" y1="80980" x2="81524" y2="80980"/>
+                          <a14:foregroundMark x1="72952" y1="83862" x2="72952" y2="84150"/>
+                          <a14:foregroundMark x1="72571" y1="84150" x2="72571" y2="84150"/>
+                          <a14:foregroundMark x1="72000" y1="82421" x2="72000" y2="82421"/>
+                          <a14:foregroundMark x1="71619" y1="81556" x2="71619" y2="81556"/>
+                          <a14:foregroundMark x1="71429" y1="80980" x2="71429" y2="80980"/>
+                          <a14:foregroundMark x1="26286" y1="83285" x2="26286" y2="83285"/>
+                          <a14:foregroundMark x1="26667" y1="82997" x2="26667" y2="82997"/>
+                          <a14:foregroundMark x1="27048" y1="81556" x2="27048" y2="81844"/>
+                          <a14:foregroundMark x1="26857" y1="82997" x2="26857" y2="82997"/>
+                          <a14:foregroundMark x1="26476" y1="83573" x2="26476" y2="83573"/>
+                          <a14:foregroundMark x1="26667" y1="83573" x2="26667" y2="83573"/>
+                          <a14:foregroundMark x1="26667" y1="82997" x2="26667" y2="82997"/>
+                          <a14:foregroundMark x1="26667" y1="83862" x2="26667" y2="83862"/>
+                          <a14:foregroundMark x1="49905" y1="8934" x2="49905" y2="8934"/>
+                          <a14:foregroundMark x1="49714" y1="41499" x2="49714" y2="41499"/>
+                          <a14:backgroundMark x1="13714" y1="87608" x2="23619" y2="90490"/>
+                          <a14:backgroundMark x1="23619" y1="90490" x2="52571" y2="85303"/>
+                          <a14:backgroundMark x1="52571" y1="85303" x2="62095" y2="87032"/>
+                          <a14:backgroundMark x1="62095" y1="87032" x2="71810" y2="85591"/>
+                          <a14:backgroundMark x1="71810" y1="85591" x2="81524" y2="88184"/>
+                          <a14:backgroundMark x1="81524" y1="88184" x2="72952" y2="96542"/>
+                          <a14:backgroundMark x1="72952" y1="96542" x2="20762" y2="99424"/>
+                          <a14:backgroundMark x1="20762" y1="99424" x2="13143" y2="90778"/>
+                          <a14:backgroundMark x1="13143" y1="90778" x2="13524" y2="88473"/>
+                          <a14:backgroundMark x1="27429" y1="81844" x2="27429" y2="82709"/>
+                          <a14:backgroundMark x1="28190" y1="84150" x2="28190" y2="84150"/>
+                          <a14:backgroundMark x1="31048" y1="85014" x2="31048" y2="85014"/>
+                          <a14:backgroundMark x1="30476" y1="85303" x2="30476" y2="85303"/>
+                          <a14:backgroundMark x1="30476" y1="85303" x2="30667" y2="85879"/>
+                          <a14:backgroundMark x1="30857" y1="85879" x2="31048" y2="85591"/>
+                          <a14:backgroundMark x1="31048" y1="85591" x2="30476" y2="85014"/>
+                          <a14:backgroundMark x1="30286" y1="85014" x2="30095" y2="85014"/>
+                          <a14:backgroundMark x1="30095" y1="85014" x2="30095" y2="85014"/>
+                          <a14:backgroundMark x1="30667" y1="84438" x2="30857" y2="84150"/>
+                          <a14:backgroundMark x1="30191" y1="83862" x2="29905" y2="83573"/>
+                          <a14:backgroundMark x1="30476" y1="84150" x2="30191" y2="83862"/>
+                          <a14:backgroundMark x1="29714" y1="83285" x2="29524" y2="83285"/>
+                          <a14:backgroundMark x1="29333" y1="82997" x2="29333" y2="82997"/>
+                          <a14:backgroundMark x1="29333" y1="82997" x2="28952" y2="83285"/>
+                          <a14:backgroundMark x1="28762" y1="83285" x2="28381" y2="83285"/>
+                          <a14:backgroundMark x1="28381" y1="83285" x2="28381" y2="83573"/>
+                          <a14:backgroundMark x1="28285" y1="83862" x2="28190" y2="84150"/>
+                          <a14:backgroundMark x1="28381" y1="83573" x2="28285" y2="83862"/>
+                          <a14:backgroundMark x1="27810" y1="84726" x2="27429" y2="85303"/>
+                          <a14:backgroundMark x1="27238" y1="85591" x2="27048" y2="86455"/>
+                          <a14:backgroundMark x1="27048" y1="86455" x2="26667" y2="86744"/>
+                          <a14:backgroundMark x1="26667" y1="87032" x2="26667" y2="87032"/>
+                          <a14:backgroundMark x1="27048" y1="86167" x2="27238" y2="85591"/>
+                          <a14:backgroundMark x1="27238" y1="85303" x2="27429" y2="84726"/>
+                          <a14:backgroundMark x1="27619" y1="84438" x2="27619" y2="84150"/>
+                          <a14:backgroundMark x1="27619" y1="83862" x2="27619" y2="83862"/>
+                          <a14:backgroundMark x1="27619" y1="83862" x2="27619" y2="83573"/>
+                          <a14:backgroundMark x1="27619" y1="83573" x2="27619" y2="83573"/>
+                          <a14:backgroundMark x1="27429" y1="83862" x2="27429" y2="84150"/>
+                          <a14:backgroundMark x1="27429" y1="83573" x2="27429" y2="83862"/>
+                          <a14:backgroundMark x1="27238" y1="84438" x2="27048" y2="85014"/>
+                          <a14:backgroundMark x1="26857" y1="85303" x2="26857" y2="85591"/>
+                          <a14:backgroundMark x1="26857" y1="85591" x2="26857" y2="85591"/>
+                          <a14:backgroundMark x1="27238" y1="84726" x2="27429" y2="83862"/>
+                          <a14:backgroundMark x1="27429" y1="83573" x2="27429" y2="83573"/>
+                          <a14:backgroundMark x1="27429" y1="83573" x2="27429" y2="83573"/>
+                          <a14:backgroundMark x1="27429" y1="83285" x2="27429" y2="83285"/>
+                          <a14:backgroundMark x1="27429" y1="83285" x2="27429" y2="83285"/>
+                          <a14:backgroundMark x1="27429" y1="82997" x2="27810" y2="82997"/>
+                          <a14:backgroundMark x1="28381" y1="82709" x2="28381" y2="82709"/>
+                          <a14:backgroundMark x1="28571" y1="82997" x2="28762" y2="83285"/>
+                          <a14:backgroundMark x1="28190" y1="83862" x2="28190" y2="83862"/>
+                          <a14:backgroundMark x1="28190" y1="83862" x2="28190" y2="83862"/>
+                          <a14:backgroundMark x1="28381" y1="83862" x2="28381" y2="83862"/>
+                          <a14:backgroundMark x1="28190" y1="83573" x2="28190" y2="83573"/>
+                          <a14:backgroundMark x1="28190" y1="83573" x2="27810" y2="83285"/>
+                          <a14:backgroundMark x1="27810" y1="83285" x2="27810" y2="83285"/>
+                          <a14:backgroundMark x1="27810" y1="83285" x2="27810" y2="83285"/>
+                          <a14:backgroundMark x1="28190" y1="83285" x2="29143" y2="83573"/>
+                          <a14:backgroundMark x1="27429" y1="82997" x2="27429" y2="82997"/>
+                          <a14:backgroundMark x1="27048" y1="83285" x2="27048" y2="83285"/>
+                          <a14:backgroundMark x1="27238" y1="82709" x2="27238" y2="82709"/>
+                          <a14:backgroundMark x1="27048" y1="83862" x2="27048" y2="84150"/>
+                          <a14:backgroundMark x1="26857" y1="84438" x2="26857" y2="84438"/>
+                          <a14:backgroundMark x1="26667" y1="84726" x2="26667" y2="84726"/>
+                          <a14:backgroundMark x1="26857" y1="83573" x2="27048" y2="83285"/>
+                          <a14:backgroundMark x1="27048" y1="82709" x2="27048" y2="82709"/>
+                        </a14:backgroundRemoval>
+                      </a14:imgEffect>
+                    </a14:imgLayer>
+                  </a14:imgProps>
+                </a:ext>
+              </a:extLst>
+            </a:blip>
+            <a:stretch>
+              <a:fillRect/>
+            </a:stretch>
+          </p:blipFill>
+          <p:spPr>
+            <a:xfrm rot="-360000">
+              <a:off x="328521" y="323727"/>
+              <a:ext cx="3957375" cy="2615636"/>
+            </a:xfrm>
+            <a:prstGeom prst="rect">
+              <a:avLst/>
+            </a:prstGeom>
+          </p:spPr>
+        </p:pic>
+        <p:pic>
+          <p:nvPicPr>
+            <p:cNvPr id="14" name="그림 13">
+              <a:extLst>
+                <a:ext uri="{FF2B5EF4-FFF2-40B4-BE49-F238E27FC236}">
+                  <a16:creationId xmlns:a16="http://schemas.microsoft.com/office/drawing/2014/main" id="{4113EA0A-62FB-4FB7-A6C7-EDBF43C15085}"/>
+                </a:ext>
+              </a:extLst>
+            </p:cNvPr>
+            <p:cNvPicPr>
+              <a:picLocks noChangeAspect="1"/>
+            </p:cNvPicPr>
+            <p:nvPr/>
+          </p:nvPicPr>
+          <p:blipFill>
+            <a:blip r:embed="rId2">
+              <a:extLst>
+                <a:ext uri="{BEBA8EAE-BF5A-486C-A8C5-ECC9F3942E4B}">
+                  <a14:imgProps xmlns:a14="http://schemas.microsoft.com/office/drawing/2010/main">
+                    <a14:imgLayer r:embed="rId3">
+                      <a14:imgEffect>
+                        <a14:backgroundRemoval t="8934" b="93084" l="9905" r="89905">
+                          <a14:foregroundMark x1="13905" y1="77233" x2="17649" y2="84230"/>
+                          <a14:foregroundMark x1="24337" y1="81556" x2="26095" y2="78098"/>
+                          <a14:foregroundMark x1="23751" y1="82709" x2="24189" y2="81847"/>
+                          <a14:foregroundMark x1="22291" y1="85581" x2="23751" y2="82709"/>
+                          <a14:foregroundMark x1="26667" y1="82997" x2="26667" y2="83285"/>
+                          <a14:foregroundMark x1="27161" y1="82879" x2="27295" y2="82900"/>
+                          <a14:foregroundMark x1="26094" y1="82709" x2="27057" y2="82862"/>
+                          <a14:foregroundMark x1="24284" y1="82421" x2="26094" y2="82709"/>
+                          <a14:foregroundMark x1="38476" y1="73199" x2="38476" y2="73199"/>
+                          <a14:foregroundMark x1="75619" y1="81844" x2="75619" y2="81844"/>
+                          <a14:foregroundMark x1="78667" y1="82421" x2="78667" y2="82421"/>
+                          <a14:foregroundMark x1="79048" y1="82421" x2="79429" y2="82133"/>
+                          <a14:foregroundMark x1="80952" y1="81268" x2="81143" y2="81268"/>
+                          <a14:foregroundMark x1="81524" y1="80980" x2="81524" y2="80980"/>
+                          <a14:foregroundMark x1="72952" y1="83862" x2="72952" y2="84150"/>
+                          <a14:foregroundMark x1="72571" y1="84150" x2="72571" y2="84150"/>
+                          <a14:foregroundMark x1="72000" y1="82421" x2="72000" y2="82421"/>
+                          <a14:foregroundMark x1="71619" y1="81556" x2="71619" y2="81556"/>
+                          <a14:foregroundMark x1="71429" y1="80980" x2="71429" y2="80980"/>
+                          <a14:foregroundMark x1="26286" y1="83285" x2="26286" y2="83285"/>
+                          <a14:foregroundMark x1="26667" y1="82997" x2="26667" y2="82997"/>
+                          <a14:foregroundMark x1="27048" y1="81556" x2="27048" y2="81844"/>
+                          <a14:foregroundMark x1="26857" y1="82997" x2="26857" y2="82997"/>
+                          <a14:foregroundMark x1="26476" y1="83573" x2="26476" y2="83573"/>
+                          <a14:foregroundMark x1="26667" y1="83573" x2="26667" y2="83573"/>
+                          <a14:foregroundMark x1="26667" y1="82997" x2="26667" y2="82997"/>
+                          <a14:foregroundMark x1="26667" y1="83862" x2="26667" y2="83862"/>
+                          <a14:foregroundMark x1="49905" y1="8934" x2="49905" y2="8934"/>
+                          <a14:foregroundMark x1="49714" y1="41499" x2="49714" y2="41499"/>
+                          <a14:backgroundMark x1="13714" y1="87608" x2="23619" y2="90490"/>
+                          <a14:backgroundMark x1="23619" y1="90490" x2="52571" y2="85303"/>
+                          <a14:backgroundMark x1="52571" y1="85303" x2="62095" y2="87032"/>
+                          <a14:backgroundMark x1="62095" y1="87032" x2="71810" y2="85591"/>
+                          <a14:backgroundMark x1="71810" y1="85591" x2="81524" y2="88184"/>
+                          <a14:backgroundMark x1="81524" y1="88184" x2="72952" y2="96542"/>
+                          <a14:backgroundMark x1="72952" y1="96542" x2="20762" y2="99424"/>
+                          <a14:backgroundMark x1="20762" y1="99424" x2="13143" y2="90778"/>
+                          <a14:backgroundMark x1="13143" y1="90778" x2="13524" y2="88473"/>
+                          <a14:backgroundMark x1="27429" y1="81844" x2="27429" y2="82709"/>
+                          <a14:backgroundMark x1="28190" y1="84150" x2="28190" y2="84150"/>
+                          <a14:backgroundMark x1="31048" y1="85014" x2="31048" y2="85014"/>
+                          <a14:backgroundMark x1="30476" y1="85303" x2="30476" y2="85303"/>
+                          <a14:backgroundMark x1="30476" y1="85303" x2="30667" y2="85879"/>
+                          <a14:backgroundMark x1="30857" y1="85879" x2="31048" y2="85591"/>
+                          <a14:backgroundMark x1="31048" y1="85591" x2="30476" y2="85014"/>
+                          <a14:backgroundMark x1="30286" y1="85014" x2="30095" y2="85014"/>
+                          <a14:backgroundMark x1="30095" y1="85014" x2="30095" y2="85014"/>
+                          <a14:backgroundMark x1="30667" y1="84438" x2="30857" y2="84150"/>
+                          <a14:backgroundMark x1="30191" y1="83862" x2="29905" y2="83573"/>
+                          <a14:backgroundMark x1="30476" y1="84150" x2="30191" y2="83862"/>
+                          <a14:backgroundMark x1="29714" y1="83285" x2="29524" y2="83285"/>
+                          <a14:backgroundMark x1="29333" y1="82997" x2="29333" y2="82997"/>
+                          <a14:backgroundMark x1="29333" y1="82997" x2="28952" y2="83285"/>
+                          <a14:backgroundMark x1="28762" y1="83285" x2="28381" y2="83285"/>
+                          <a14:backgroundMark x1="28381" y1="83285" x2="28381" y2="83573"/>
+                          <a14:backgroundMark x1="28285" y1="83862" x2="28190" y2="84150"/>
+                          <a14:backgroundMark x1="28381" y1="83573" x2="28285" y2="83862"/>
+                          <a14:backgroundMark x1="27810" y1="84726" x2="27429" y2="85303"/>
+                          <a14:backgroundMark x1="27238" y1="85591" x2="27048" y2="86455"/>
+                          <a14:backgroundMark x1="27048" y1="86455" x2="26667" y2="86744"/>
+                          <a14:backgroundMark x1="26667" y1="87032" x2="26667" y2="87032"/>
+                          <a14:backgroundMark x1="27048" y1="86167" x2="27238" y2="85591"/>
+                          <a14:backgroundMark x1="27238" y1="85303" x2="27429" y2="84726"/>
+                          <a14:backgroundMark x1="27619" y1="84438" x2="27619" y2="84150"/>
+                          <a14:backgroundMark x1="27619" y1="83862" x2="27619" y2="83862"/>
+                          <a14:backgroundMark x1="27619" y1="83862" x2="27619" y2="83573"/>
+                          <a14:backgroundMark x1="27619" y1="83573" x2="27619" y2="83573"/>
+                          <a14:backgroundMark x1="27429" y1="83862" x2="27429" y2="84150"/>
+                          <a14:backgroundMark x1="27429" y1="83573" x2="27429" y2="83862"/>
+                          <a14:backgroundMark x1="27238" y1="84438" x2="27048" y2="85014"/>
+                          <a14:backgroundMark x1="26857" y1="85303" x2="26857" y2="85591"/>
+                          <a14:backgroundMark x1="26857" y1="85591" x2="26857" y2="85591"/>
+                          <a14:backgroundMark x1="27238" y1="84726" x2="27429" y2="83862"/>
+                          <a14:backgroundMark x1="27429" y1="83573" x2="27429" y2="83573"/>
+                          <a14:backgroundMark x1="27429" y1="83573" x2="27429" y2="83573"/>
+                          <a14:backgroundMark x1="27429" y1="83285" x2="27429" y2="83285"/>
+                          <a14:backgroundMark x1="27429" y1="83285" x2="27429" y2="83285"/>
+                          <a14:backgroundMark x1="27429" y1="82997" x2="27810" y2="82997"/>
+                          <a14:backgroundMark x1="28381" y1="82709" x2="28381" y2="82709"/>
+                          <a14:backgroundMark x1="28571" y1="82997" x2="28762" y2="83285"/>
+                          <a14:backgroundMark x1="28190" y1="83862" x2="28190" y2="83862"/>
+                          <a14:backgroundMark x1="28190" y1="83862" x2="28190" y2="83862"/>
+                          <a14:backgroundMark x1="28381" y1="83862" x2="28381" y2="83862"/>
+                          <a14:backgroundMark x1="28190" y1="83573" x2="28190" y2="83573"/>
+                          <a14:backgroundMark x1="28190" y1="83573" x2="27810" y2="83285"/>
+                          <a14:backgroundMark x1="27810" y1="83285" x2="27810" y2="83285"/>
+                          <a14:backgroundMark x1="27810" y1="83285" x2="27810" y2="83285"/>
+                          <a14:backgroundMark x1="28190" y1="83285" x2="29143" y2="83573"/>
+                          <a14:backgroundMark x1="27429" y1="82997" x2="27429" y2="82997"/>
+                          <a14:backgroundMark x1="27048" y1="83285" x2="27048" y2="83285"/>
+                          <a14:backgroundMark x1="27238" y1="82709" x2="27238" y2="82709"/>
+                          <a14:backgroundMark x1="27048" y1="83862" x2="27048" y2="84150"/>
+                          <a14:backgroundMark x1="26857" y1="84438" x2="26857" y2="84438"/>
+                          <a14:backgroundMark x1="26667" y1="84726" x2="26667" y2="84726"/>
+                          <a14:backgroundMark x1="26857" y1="83573" x2="27048" y2="83285"/>
+                          <a14:backgroundMark x1="27048" y1="82709" x2="27048" y2="82709"/>
+                        </a14:backgroundRemoval>
+                      </a14:imgEffect>
+                    </a14:imgLayer>
+                  </a14:imgProps>
+                </a:ext>
+              </a:extLst>
+            </a:blip>
+            <a:stretch>
+              <a:fillRect/>
+            </a:stretch>
+          </p:blipFill>
+          <p:spPr>
+            <a:xfrm rot="-480000">
+              <a:off x="328521" y="323727"/>
+              <a:ext cx="3957375" cy="2615636"/>
+            </a:xfrm>
+            <a:prstGeom prst="rect">
+              <a:avLst/>
+            </a:prstGeom>
+          </p:spPr>
+        </p:pic>
+        <p:pic>
+          <p:nvPicPr>
+            <p:cNvPr id="15" name="그림 14">
+              <a:extLst>
+                <a:ext uri="{FF2B5EF4-FFF2-40B4-BE49-F238E27FC236}">
+                  <a16:creationId xmlns:a16="http://schemas.microsoft.com/office/drawing/2014/main" id="{412B2FDD-5DFF-4989-9907-232728CCD8C1}"/>
+                </a:ext>
+              </a:extLst>
+            </p:cNvPr>
+            <p:cNvPicPr>
+              <a:picLocks noChangeAspect="1"/>
+            </p:cNvPicPr>
+            <p:nvPr/>
+          </p:nvPicPr>
+          <p:blipFill>
+            <a:blip r:embed="rId2">
+              <a:extLst>
+                <a:ext uri="{BEBA8EAE-BF5A-486C-A8C5-ECC9F3942E4B}">
+                  <a14:imgProps xmlns:a14="http://schemas.microsoft.com/office/drawing/2010/main">
+                    <a14:imgLayer r:embed="rId3">
+                      <a14:imgEffect>
+                        <a14:backgroundRemoval t="8934" b="93084" l="9905" r="89905">
+                          <a14:foregroundMark x1="13905" y1="77233" x2="17649" y2="84230"/>
+                          <a14:foregroundMark x1="24337" y1="81556" x2="26095" y2="78098"/>
+                          <a14:foregroundMark x1="23751" y1="82709" x2="24189" y2="81847"/>
+                          <a14:foregroundMark x1="22291" y1="85581" x2="23751" y2="82709"/>
+                          <a14:foregroundMark x1="26667" y1="82997" x2="26667" y2="83285"/>
+                          <a14:foregroundMark x1="27161" y1="82879" x2="27295" y2="82900"/>
+                          <a14:foregroundMark x1="26094" y1="82709" x2="27057" y2="82862"/>
+                          <a14:foregroundMark x1="24284" y1="82421" x2="26094" y2="82709"/>
+                          <a14:foregroundMark x1="38476" y1="73199" x2="38476" y2="73199"/>
+                          <a14:foregroundMark x1="75619" y1="81844" x2="75619" y2="81844"/>
+                          <a14:foregroundMark x1="78667" y1="82421" x2="78667" y2="82421"/>
+                          <a14:foregroundMark x1="79048" y1="82421" x2="79429" y2="82133"/>
+                          <a14:foregroundMark x1="80952" y1="81268" x2="81143" y2="81268"/>
+                          <a14:foregroundMark x1="81524" y1="80980" x2="81524" y2="80980"/>
+                          <a14:foregroundMark x1="72952" y1="83862" x2="72952" y2="84150"/>
+                          <a14:foregroundMark x1="72571" y1="84150" x2="72571" y2="84150"/>
+                          <a14:foregroundMark x1="72000" y1="82421" x2="72000" y2="82421"/>
+                          <a14:foregroundMark x1="71619" y1="81556" x2="71619" y2="81556"/>
+                          <a14:foregroundMark x1="71429" y1="80980" x2="71429" y2="80980"/>
+                          <a14:foregroundMark x1="26286" y1="83285" x2="26286" y2="83285"/>
+                          <a14:foregroundMark x1="26667" y1="82997" x2="26667" y2="82997"/>
+                          <a14:foregroundMark x1="27048" y1="81556" x2="27048" y2="81844"/>
+                          <a14:foregroundMark x1="26857" y1="82997" x2="26857" y2="82997"/>
+                          <a14:foregroundMark x1="26476" y1="83573" x2="26476" y2="83573"/>
+                          <a14:foregroundMark x1="26667" y1="83573" x2="26667" y2="83573"/>
+                          <a14:foregroundMark x1="26667" y1="82997" x2="26667" y2="82997"/>
+                          <a14:foregroundMark x1="26667" y1="83862" x2="26667" y2="83862"/>
+                          <a14:foregroundMark x1="49905" y1="8934" x2="49905" y2="8934"/>
+                          <a14:foregroundMark x1="49714" y1="41499" x2="49714" y2="41499"/>
+                          <a14:backgroundMark x1="13714" y1="87608" x2="23619" y2="90490"/>
+                          <a14:backgroundMark x1="23619" y1="90490" x2="52571" y2="85303"/>
+                          <a14:backgroundMark x1="52571" y1="85303" x2="62095" y2="87032"/>
+                          <a14:backgroundMark x1="62095" y1="87032" x2="71810" y2="85591"/>
+                          <a14:backgroundMark x1="71810" y1="85591" x2="81524" y2="88184"/>
+                          <a14:backgroundMark x1="81524" y1="88184" x2="72952" y2="96542"/>
+                          <a14:backgroundMark x1="72952" y1="96542" x2="20762" y2="99424"/>
+                          <a14:backgroundMark x1="20762" y1="99424" x2="13143" y2="90778"/>
+                          <a14:backgroundMark x1="13143" y1="90778" x2="13524" y2="88473"/>
+                          <a14:backgroundMark x1="27429" y1="81844" x2="27429" y2="82709"/>
+                          <a14:backgroundMark x1="28190" y1="84150" x2="28190" y2="84150"/>
+                          <a14:backgroundMark x1="31048" y1="85014" x2="31048" y2="85014"/>
+                          <a14:backgroundMark x1="30476" y1="85303" x2="30476" y2="85303"/>
+                          <a14:backgroundMark x1="30476" y1="85303" x2="30667" y2="85879"/>
+                          <a14:backgroundMark x1="30857" y1="85879" x2="31048" y2="85591"/>
+                          <a14:backgroundMark x1="31048" y1="85591" x2="30476" y2="85014"/>
+                          <a14:backgroundMark x1="30286" y1="85014" x2="30095" y2="85014"/>
+                          <a14:backgroundMark x1="30095" y1="85014" x2="30095" y2="85014"/>
+                          <a14:backgroundMark x1="30667" y1="84438" x2="30857" y2="84150"/>
+                          <a14:backgroundMark x1="30191" y1="83862" x2="29905" y2="83573"/>
+                          <a14:backgroundMark x1="30476" y1="84150" x2="30191" y2="83862"/>
+                          <a14:backgroundMark x1="29714" y1="83285" x2="29524" y2="83285"/>
+                          <a14:backgroundMark x1="29333" y1="82997" x2="29333" y2="82997"/>
+                          <a14:backgroundMark x1="29333" y1="82997" x2="28952" y2="83285"/>
+                          <a14:backgroundMark x1="28762" y1="83285" x2="28381" y2="83285"/>
+                          <a14:backgroundMark x1="28381" y1="83285" x2="28381" y2="83573"/>
+                          <a14:backgroundMark x1="28285" y1="83862" x2="28190" y2="84150"/>
+                          <a14:backgroundMark x1="28381" y1="83573" x2="28285" y2="83862"/>
+                          <a14:backgroundMark x1="27810" y1="84726" x2="27429" y2="85303"/>
+                          <a14:backgroundMark x1="27238" y1="85591" x2="27048" y2="86455"/>
+                          <a14:backgroundMark x1="27048" y1="86455" x2="26667" y2="86744"/>
+                          <a14:backgroundMark x1="26667" y1="87032" x2="26667" y2="87032"/>
+                          <a14:backgroundMark x1="27048" y1="86167" x2="27238" y2="85591"/>
+                          <a14:backgroundMark x1="27238" y1="85303" x2="27429" y2="84726"/>
+                          <a14:backgroundMark x1="27619" y1="84438" x2="27619" y2="84150"/>
+                          <a14:backgroundMark x1="27619" y1="83862" x2="27619" y2="83862"/>
+                          <a14:backgroundMark x1="27619" y1="83862" x2="27619" y2="83573"/>
+                          <a14:backgroundMark x1="27619" y1="83573" x2="27619" y2="83573"/>
+                          <a14:backgroundMark x1="27429" y1="83862" x2="27429" y2="84150"/>
+                          <a14:backgroundMark x1="27429" y1="83573" x2="27429" y2="83862"/>
+                          <a14:backgroundMark x1="27238" y1="84438" x2="27048" y2="85014"/>
+                          <a14:backgroundMark x1="26857" y1="85303" x2="26857" y2="85591"/>
+                          <a14:backgroundMark x1="26857" y1="85591" x2="26857" y2="85591"/>
+                          <a14:backgroundMark x1="27238" y1="84726" x2="27429" y2="83862"/>
+                          <a14:backgroundMark x1="27429" y1="83573" x2="27429" y2="83573"/>
+                          <a14:backgroundMark x1="27429" y1="83573" x2="27429" y2="83573"/>
+                          <a14:backgroundMark x1="27429" y1="83285" x2="27429" y2="83285"/>
+                          <a14:backgroundMark x1="27429" y1="83285" x2="27429" y2="83285"/>
+                          <a14:backgroundMark x1="27429" y1="82997" x2="27810" y2="82997"/>
+                          <a14:backgroundMark x1="28381" y1="82709" x2="28381" y2="82709"/>
+                          <a14:backgroundMark x1="28571" y1="82997" x2="28762" y2="83285"/>
+                          <a14:backgroundMark x1="28190" y1="83862" x2="28190" y2="83862"/>
+                          <a14:backgroundMark x1="28190" y1="83862" x2="28190" y2="83862"/>
+                          <a14:backgroundMark x1="28381" y1="83862" x2="28381" y2="83862"/>
+                          <a14:backgroundMark x1="28190" y1="83573" x2="28190" y2="83573"/>
+                          <a14:backgroundMark x1="28190" y1="83573" x2="27810" y2="83285"/>
+                          <a14:backgroundMark x1="27810" y1="83285" x2="27810" y2="83285"/>
+                          <a14:backgroundMark x1="27810" y1="83285" x2="27810" y2="83285"/>
+                          <a14:backgroundMark x1="28190" y1="83285" x2="29143" y2="83573"/>
+                          <a14:backgroundMark x1="27429" y1="82997" x2="27429" y2="82997"/>
+                          <a14:backgroundMark x1="27048" y1="83285" x2="27048" y2="83285"/>
+                          <a14:backgroundMark x1="27238" y1="82709" x2="27238" y2="82709"/>
+                          <a14:backgroundMark x1="27048" y1="83862" x2="27048" y2="84150"/>
+                          <a14:backgroundMark x1="26857" y1="84438" x2="26857" y2="84438"/>
+                          <a14:backgroundMark x1="26667" y1="84726" x2="26667" y2="84726"/>
+                          <a14:backgroundMark x1="26857" y1="83573" x2="27048" y2="83285"/>
+                          <a14:backgroundMark x1="27048" y1="82709" x2="27048" y2="82709"/>
+                        </a14:backgroundRemoval>
+                      </a14:imgEffect>
+                    </a14:imgLayer>
+                  </a14:imgProps>
+                </a:ext>
+              </a:extLst>
+            </a:blip>
+            <a:stretch>
+              <a:fillRect/>
+            </a:stretch>
+          </p:blipFill>
+          <p:spPr>
+            <a:xfrm rot="-600000">
+              <a:off x="328521" y="323727"/>
+              <a:ext cx="3957375" cy="2615636"/>
+            </a:xfrm>
+            <a:prstGeom prst="rect">
+              <a:avLst/>
+            </a:prstGeom>
+          </p:spPr>
+        </p:pic>
+        <p:pic>
+          <p:nvPicPr>
+            <p:cNvPr id="16" name="그림 15">
+              <a:extLst>
+                <a:ext uri="{FF2B5EF4-FFF2-40B4-BE49-F238E27FC236}">
+                  <a16:creationId xmlns:a16="http://schemas.microsoft.com/office/drawing/2014/main" id="{1D815FA2-D1A8-4DD2-8C6A-8F6732E8A570}"/>
+                </a:ext>
+              </a:extLst>
+            </p:cNvPr>
+            <p:cNvPicPr>
+              <a:picLocks noChangeAspect="1"/>
+            </p:cNvPicPr>
+            <p:nvPr/>
+          </p:nvPicPr>
+          <p:blipFill>
+            <a:blip r:embed="rId2">
+              <a:extLst>
+                <a:ext uri="{BEBA8EAE-BF5A-486C-A8C5-ECC9F3942E4B}">
+                  <a14:imgProps xmlns:a14="http://schemas.microsoft.com/office/drawing/2010/main">
+                    <a14:imgLayer r:embed="rId3">
+                      <a14:imgEffect>
+                        <a14:backgroundRemoval t="8934" b="93084" l="9905" r="89905">
+                          <a14:foregroundMark x1="13905" y1="77233" x2="17649" y2="84230"/>
+                          <a14:foregroundMark x1="24337" y1="81556" x2="26095" y2="78098"/>
+                          <a14:foregroundMark x1="23751" y1="82709" x2="24189" y2="81847"/>
+                          <a14:foregroundMark x1="22291" y1="85581" x2="23751" y2="82709"/>
+                          <a14:foregroundMark x1="26667" y1="82997" x2="26667" y2="83285"/>
+                          <a14:foregroundMark x1="27161" y1="82879" x2="27295" y2="82900"/>
+                          <a14:foregroundMark x1="26094" y1="82709" x2="27057" y2="82862"/>
+                          <a14:foregroundMark x1="24284" y1="82421" x2="26094" y2="82709"/>
+                          <a14:foregroundMark x1="38476" y1="73199" x2="38476" y2="73199"/>
+                          <a14:foregroundMark x1="75619" y1="81844" x2="75619" y2="81844"/>
+                          <a14:foregroundMark x1="78667" y1="82421" x2="78667" y2="82421"/>
+                          <a14:foregroundMark x1="79048" y1="82421" x2="79429" y2="82133"/>
+                          <a14:foregroundMark x1="80952" y1="81268" x2="81143" y2="81268"/>
+                          <a14:foregroundMark x1="81524" y1="80980" x2="81524" y2="80980"/>
+                          <a14:foregroundMark x1="72952" y1="83862" x2="72952" y2="84150"/>
+                          <a14:foregroundMark x1="72571" y1="84150" x2="72571" y2="84150"/>
+                          <a14:foregroundMark x1="72000" y1="82421" x2="72000" y2="82421"/>
+                          <a14:foregroundMark x1="71619" y1="81556" x2="71619" y2="81556"/>
+                          <a14:foregroundMark x1="71429" y1="80980" x2="71429" y2="80980"/>
+                          <a14:foregroundMark x1="26286" y1="83285" x2="26286" y2="83285"/>
+                          <a14:foregroundMark x1="26667" y1="82997" x2="26667" y2="82997"/>
+                          <a14:foregroundMark x1="27048" y1="81556" x2="27048" y2="81844"/>
+                          <a14:foregroundMark x1="26857" y1="82997" x2="26857" y2="82997"/>
+                          <a14:foregroundMark x1="26476" y1="83573" x2="26476" y2="83573"/>
+                          <a14:foregroundMark x1="26667" y1="83573" x2="26667" y2="83573"/>
+                          <a14:foregroundMark x1="26667" y1="82997" x2="26667" y2="82997"/>
+                          <a14:foregroundMark x1="26667" y1="83862" x2="26667" y2="83862"/>
+                          <a14:foregroundMark x1="49905" y1="8934" x2="49905" y2="8934"/>
+                          <a14:foregroundMark x1="49714" y1="41499" x2="49714" y2="41499"/>
+                          <a14:backgroundMark x1="13714" y1="87608" x2="23619" y2="90490"/>
+                          <a14:backgroundMark x1="23619" y1="90490" x2="52571" y2="85303"/>
+                          <a14:backgroundMark x1="52571" y1="85303" x2="62095" y2="87032"/>
+                          <a14:backgroundMark x1="62095" y1="87032" x2="71810" y2="85591"/>
+                          <a14:backgroundMark x1="71810" y1="85591" x2="81524" y2="88184"/>
+                          <a14:backgroundMark x1="81524" y1="88184" x2="72952" y2="96542"/>
+                          <a14:backgroundMark x1="72952" y1="96542" x2="20762" y2="99424"/>
+                          <a14:backgroundMark x1="20762" y1="99424" x2="13143" y2="90778"/>
+                          <a14:backgroundMark x1="13143" y1="90778" x2="13524" y2="88473"/>
+                          <a14:backgroundMark x1="27429" y1="81844" x2="27429" y2="82709"/>
+                          <a14:backgroundMark x1="28190" y1="84150" x2="28190" y2="84150"/>
+                          <a14:backgroundMark x1="31048" y1="85014" x2="31048" y2="85014"/>
+                          <a14:backgroundMark x1="30476" y1="85303" x2="30476" y2="85303"/>
+                          <a14:backgroundMark x1="30476" y1="85303" x2="30667" y2="85879"/>
+                          <a14:backgroundMark x1="30857" y1="85879" x2="31048" y2="85591"/>
+                          <a14:backgroundMark x1="31048" y1="85591" x2="30476" y2="85014"/>
+                          <a14:backgroundMark x1="30286" y1="85014" x2="30095" y2="85014"/>
+                          <a14:backgroundMark x1="30095" y1="85014" x2="30095" y2="85014"/>
+                          <a14:backgroundMark x1="30667" y1="84438" x2="30857" y2="84150"/>
+                          <a14:backgroundMark x1="30191" y1="83862" x2="29905" y2="83573"/>
+                          <a14:backgroundMark x1="30476" y1="84150" x2="30191" y2="83862"/>
+                          <a14:backgroundMark x1="29714" y1="83285" x2="29524" y2="83285"/>
+                          <a14:backgroundMark x1="29333" y1="82997" x2="29333" y2="82997"/>
+                          <a14:backgroundMark x1="29333" y1="82997" x2="28952" y2="83285"/>
+                          <a14:backgroundMark x1="28762" y1="83285" x2="28381" y2="83285"/>
+                          <a14:backgroundMark x1="28381" y1="83285" x2="28381" y2="83573"/>
+                          <a14:backgroundMark x1="28285" y1="83862" x2="28190" y2="84150"/>
+                          <a14:backgroundMark x1="28381" y1="83573" x2="28285" y2="83862"/>
+                          <a14:backgroundMark x1="27810" y1="84726" x2="27429" y2="85303"/>
+                          <a14:backgroundMark x1="27238" y1="85591" x2="27048" y2="86455"/>
+                          <a14:backgroundMark x1="27048" y1="86455" x2="26667" y2="86744"/>
+                          <a14:backgroundMark x1="26667" y1="87032" x2="26667" y2="87032"/>
+                          <a14:backgroundMark x1="27048" y1="86167" x2="27238" y2="85591"/>
+                          <a14:backgroundMark x1="27238" y1="85303" x2="27429" y2="84726"/>
+                          <a14:backgroundMark x1="27619" y1="84438" x2="27619" y2="84150"/>
+                          <a14:backgroundMark x1="27619" y1="83862" x2="27619" y2="83862"/>
+                          <a14:backgroundMark x1="27619" y1="83862" x2="27619" y2="83573"/>
+                          <a14:backgroundMark x1="27619" y1="83573" x2="27619" y2="83573"/>
+                          <a14:backgroundMark x1="27429" y1="83862" x2="27429" y2="84150"/>
+                          <a14:backgroundMark x1="27429" y1="83573" x2="27429" y2="83862"/>
+                          <a14:backgroundMark x1="27238" y1="84438" x2="27048" y2="85014"/>
+                          <a14:backgroundMark x1="26857" y1="85303" x2="26857" y2="85591"/>
+                          <a14:backgroundMark x1="26857" y1="85591" x2="26857" y2="85591"/>
+                          <a14:backgroundMark x1="27238" y1="84726" x2="27429" y2="83862"/>
+                          <a14:backgroundMark x1="27429" y1="83573" x2="27429" y2="83573"/>
+                          <a14:backgroundMark x1="27429" y1="83573" x2="27429" y2="83573"/>
+                          <a14:backgroundMark x1="27429" y1="83285" x2="27429" y2="83285"/>
+                          <a14:backgroundMark x1="27429" y1="83285" x2="27429" y2="83285"/>
+                          <a14:backgroundMark x1="27429" y1="82997" x2="27810" y2="82997"/>
+                          <a14:backgroundMark x1="28381" y1="82709" x2="28381" y2="82709"/>
+                          <a14:backgroundMark x1="28571" y1="82997" x2="28762" y2="83285"/>
+                          <a14:backgroundMark x1="28190" y1="83862" x2="28190" y2="83862"/>
+                          <a14:backgroundMark x1="28190" y1="83862" x2="28190" y2="83862"/>
+                          <a14:backgroundMark x1="28381" y1="83862" x2="28381" y2="83862"/>
+                          <a14:backgroundMark x1="28190" y1="83573" x2="28190" y2="83573"/>
+                          <a14:backgroundMark x1="28190" y1="83573" x2="27810" y2="83285"/>
+                          <a14:backgroundMark x1="27810" y1="83285" x2="27810" y2="83285"/>
+                          <a14:backgroundMark x1="27810" y1="83285" x2="27810" y2="83285"/>
+                          <a14:backgroundMark x1="28190" y1="83285" x2="29143" y2="83573"/>
+                          <a14:backgroundMark x1="27429" y1="82997" x2="27429" y2="82997"/>
+                          <a14:backgroundMark x1="27048" y1="83285" x2="27048" y2="83285"/>
+                          <a14:backgroundMark x1="27238" y1="82709" x2="27238" y2="82709"/>
+                          <a14:backgroundMark x1="27048" y1="83862" x2="27048" y2="84150"/>
+                          <a14:backgroundMark x1="26857" y1="84438" x2="26857" y2="84438"/>
+                          <a14:backgroundMark x1="26667" y1="84726" x2="26667" y2="84726"/>
+                          <a14:backgroundMark x1="26857" y1="83573" x2="27048" y2="83285"/>
+                          <a14:backgroundMark x1="27048" y1="82709" x2="27048" y2="82709"/>
+                        </a14:backgroundRemoval>
+                      </a14:imgEffect>
+                    </a14:imgLayer>
+                  </a14:imgProps>
+                </a:ext>
+              </a:extLst>
+            </a:blip>
+            <a:stretch>
+              <a:fillRect/>
+            </a:stretch>
+          </p:blipFill>
+          <p:spPr>
+            <a:xfrm rot="-480000">
+              <a:off x="328521" y="323727"/>
+              <a:ext cx="3957375" cy="2615636"/>
+            </a:xfrm>
+            <a:prstGeom prst="rect">
+              <a:avLst/>
+            </a:prstGeom>
+          </p:spPr>
+        </p:pic>
+        <p:pic>
+          <p:nvPicPr>
+            <p:cNvPr id="17" name="그림 16">
+              <a:extLst>
+                <a:ext uri="{FF2B5EF4-FFF2-40B4-BE49-F238E27FC236}">
+                  <a16:creationId xmlns:a16="http://schemas.microsoft.com/office/drawing/2014/main" id="{F4BFACE7-2C9F-4C64-86C5-089371A43E04}"/>
+                </a:ext>
+              </a:extLst>
+            </p:cNvPr>
+            <p:cNvPicPr>
+              <a:picLocks noChangeAspect="1"/>
+            </p:cNvPicPr>
+            <p:nvPr/>
+          </p:nvPicPr>
+          <p:blipFill>
+            <a:blip r:embed="rId2">
+              <a:extLst>
+                <a:ext uri="{BEBA8EAE-BF5A-486C-A8C5-ECC9F3942E4B}">
+                  <a14:imgProps xmlns:a14="http://schemas.microsoft.com/office/drawing/2010/main">
+                    <a14:imgLayer r:embed="rId3">
+                      <a14:imgEffect>
+                        <a14:backgroundRemoval t="8934" b="93084" l="9905" r="89905">
+                          <a14:foregroundMark x1="13905" y1="77233" x2="17649" y2="84230"/>
+                          <a14:foregroundMark x1="24337" y1="81556" x2="26095" y2="78098"/>
+                          <a14:foregroundMark x1="23751" y1="82709" x2="24189" y2="81847"/>
+                          <a14:foregroundMark x1="22291" y1="85581" x2="23751" y2="82709"/>
+                          <a14:foregroundMark x1="26667" y1="82997" x2="26667" y2="83285"/>
+                          <a14:foregroundMark x1="27161" y1="82879" x2="27295" y2="82900"/>
+                          <a14:foregroundMark x1="26094" y1="82709" x2="27057" y2="82862"/>
+                          <a14:foregroundMark x1="24284" y1="82421" x2="26094" y2="82709"/>
+                          <a14:foregroundMark x1="38476" y1="73199" x2="38476" y2="73199"/>
+                          <a14:foregroundMark x1="75619" y1="81844" x2="75619" y2="81844"/>
+                          <a14:foregroundMark x1="78667" y1="82421" x2="78667" y2="82421"/>
+                          <a14:foregroundMark x1="79048" y1="82421" x2="79429" y2="82133"/>
+                          <a14:foregroundMark x1="80952" y1="81268" x2="81143" y2="81268"/>
+                          <a14:foregroundMark x1="81524" y1="80980" x2="81524" y2="80980"/>
+                          <a14:foregroundMark x1="72952" y1="83862" x2="72952" y2="84150"/>
+                          <a14:foregroundMark x1="72571" y1="84150" x2="72571" y2="84150"/>
+                          <a14:foregroundMark x1="72000" y1="82421" x2="72000" y2="82421"/>
+                          <a14:foregroundMark x1="71619" y1="81556" x2="71619" y2="81556"/>
+                          <a14:foregroundMark x1="71429" y1="80980" x2="71429" y2="80980"/>
+                          <a14:foregroundMark x1="26286" y1="83285" x2="26286" y2="83285"/>
+                          <a14:foregroundMark x1="26667" y1="82997" x2="26667" y2="82997"/>
+                          <a14:foregroundMark x1="27048" y1="81556" x2="27048" y2="81844"/>
+                          <a14:foregroundMark x1="26857" y1="82997" x2="26857" y2="82997"/>
+                          <a14:foregroundMark x1="26476" y1="83573" x2="26476" y2="83573"/>
+                          <a14:foregroundMark x1="26667" y1="83573" x2="26667" y2="83573"/>
+                          <a14:foregroundMark x1="26667" y1="82997" x2="26667" y2="82997"/>
+                          <a14:foregroundMark x1="26667" y1="83862" x2="26667" y2="83862"/>
+                          <a14:foregroundMark x1="49905" y1="8934" x2="49905" y2="8934"/>
+                          <a14:foregroundMark x1="49714" y1="41499" x2="49714" y2="41499"/>
+                          <a14:backgroundMark x1="13714" y1="87608" x2="23619" y2="90490"/>
+                          <a14:backgroundMark x1="23619" y1="90490" x2="52571" y2="85303"/>
+                          <a14:backgroundMark x1="52571" y1="85303" x2="62095" y2="87032"/>
+                          <a14:backgroundMark x1="62095" y1="87032" x2="71810" y2="85591"/>
+                          <a14:backgroundMark x1="71810" y1="85591" x2="81524" y2="88184"/>
+                          <a14:backgroundMark x1="81524" y1="88184" x2="72952" y2="96542"/>
+                          <a14:backgroundMark x1="72952" y1="96542" x2="20762" y2="99424"/>
+                          <a14:backgroundMark x1="20762" y1="99424" x2="13143" y2="90778"/>
+                          <a14:backgroundMark x1="13143" y1="90778" x2="13524" y2="88473"/>
+                          <a14:backgroundMark x1="27429" y1="81844" x2="27429" y2="82709"/>
+                          <a14:backgroundMark x1="28190" y1="84150" x2="28190" y2="84150"/>
+                          <a14:backgroundMark x1="31048" y1="85014" x2="31048" y2="85014"/>
+                          <a14:backgroundMark x1="30476" y1="85303" x2="30476" y2="85303"/>
+                          <a14:backgroundMark x1="30476" y1="85303" x2="30667" y2="85879"/>
+                          <a14:backgroundMark x1="30857" y1="85879" x2="31048" y2="85591"/>
+                          <a14:backgroundMark x1="31048" y1="85591" x2="30476" y2="85014"/>
+                          <a14:backgroundMark x1="30286" y1="85014" x2="30095" y2="85014"/>
+                          <a14:backgroundMark x1="30095" y1="85014" x2="30095" y2="85014"/>
+                          <a14:backgroundMark x1="30667" y1="84438" x2="30857" y2="84150"/>
+                          <a14:backgroundMark x1="30191" y1="83862" x2="29905" y2="83573"/>
+                          <a14:backgroundMark x1="30476" y1="84150" x2="30191" y2="83862"/>
+                          <a14:backgroundMark x1="29714" y1="83285" x2="29524" y2="83285"/>
+                          <a14:backgroundMark x1="29333" y1="82997" x2="29333" y2="82997"/>
+                          <a14:backgroundMark x1="29333" y1="82997" x2="28952" y2="83285"/>
+                          <a14:backgroundMark x1="28762" y1="83285" x2="28381" y2="83285"/>
+                          <a14:backgroundMark x1="28381" y1="83285" x2="28381" y2="83573"/>
+                          <a14:backgroundMark x1="28285" y1="83862" x2="28190" y2="84150"/>
+                          <a14:backgroundMark x1="28381" y1="83573" x2="28285" y2="83862"/>
+                          <a14:backgroundMark x1="27810" y1="84726" x2="27429" y2="85303"/>
+                          <a14:backgroundMark x1="27238" y1="85591" x2="27048" y2="86455"/>
+                          <a14:backgroundMark x1="27048" y1="86455" x2="26667" y2="86744"/>
+                          <a14:backgroundMark x1="26667" y1="87032" x2="26667" y2="87032"/>
+                          <a14:backgroundMark x1="27048" y1="86167" x2="27238" y2="85591"/>
+                          <a14:backgroundMark x1="27238" y1="85303" x2="27429" y2="84726"/>
+                          <a14:backgroundMark x1="27619" y1="84438" x2="27619" y2="84150"/>
+                          <a14:backgroundMark x1="27619" y1="83862" x2="27619" y2="83862"/>
+                          <a14:backgroundMark x1="27619" y1="83862" x2="27619" y2="83573"/>
+                          <a14:backgroundMark x1="27619" y1="83573" x2="27619" y2="83573"/>
+                          <a14:backgroundMark x1="27429" y1="83862" x2="27429" y2="84150"/>
+                          <a14:backgroundMark x1="27429" y1="83573" x2="27429" y2="83862"/>
+                          <a14:backgroundMark x1="27238" y1="84438" x2="27048" y2="85014"/>
+                          <a14:backgroundMark x1="26857" y1="85303" x2="26857" y2="85591"/>
+                          <a14:backgroundMark x1="26857" y1="85591" x2="26857" y2="85591"/>
+                          <a14:backgroundMark x1="27238" y1="84726" x2="27429" y2="83862"/>
+                          <a14:backgroundMark x1="27429" y1="83573" x2="27429" y2="83573"/>
+                          <a14:backgroundMark x1="27429" y1="83573" x2="27429" y2="83573"/>
+                          <a14:backgroundMark x1="27429" y1="83285" x2="27429" y2="83285"/>
+                          <a14:backgroundMark x1="27429" y1="83285" x2="27429" y2="83285"/>
+                          <a14:backgroundMark x1="27429" y1="82997" x2="27810" y2="82997"/>
+                          <a14:backgroundMark x1="28381" y1="82709" x2="28381" y2="82709"/>
+                          <a14:backgroundMark x1="28571" y1="82997" x2="28762" y2="83285"/>
+                          <a14:backgroundMark x1="28190" y1="83862" x2="28190" y2="83862"/>
+                          <a14:backgroundMark x1="28190" y1="83862" x2="28190" y2="83862"/>
+                          <a14:backgroundMark x1="28381" y1="83862" x2="28381" y2="83862"/>
+                          <a14:backgroundMark x1="28190" y1="83573" x2="28190" y2="83573"/>
+                          <a14:backgroundMark x1="28190" y1="83573" x2="27810" y2="83285"/>
+                          <a14:backgroundMark x1="27810" y1="83285" x2="27810" y2="83285"/>
+                          <a14:backgroundMark x1="27810" y1="83285" x2="27810" y2="83285"/>
+                          <a14:backgroundMark x1="28190" y1="83285" x2="29143" y2="83573"/>
+                          <a14:backgroundMark x1="27429" y1="82997" x2="27429" y2="82997"/>
+                          <a14:backgroundMark x1="27048" y1="83285" x2="27048" y2="83285"/>
+                          <a14:backgroundMark x1="27238" y1="82709" x2="27238" y2="82709"/>
+                          <a14:backgroundMark x1="27048" y1="83862" x2="27048" y2="84150"/>
+                          <a14:backgroundMark x1="26857" y1="84438" x2="26857" y2="84438"/>
+                          <a14:backgroundMark x1="26667" y1="84726" x2="26667" y2="84726"/>
+                          <a14:backgroundMark x1="26857" y1="83573" x2="27048" y2="83285"/>
+                          <a14:backgroundMark x1="27048" y1="82709" x2="27048" y2="82709"/>
+                        </a14:backgroundRemoval>
+                      </a14:imgEffect>
+                    </a14:imgLayer>
+                  </a14:imgProps>
+                </a:ext>
+              </a:extLst>
+            </a:blip>
+            <a:stretch>
+              <a:fillRect/>
+            </a:stretch>
+          </p:blipFill>
+          <p:spPr>
+            <a:xfrm rot="-360000">
+              <a:off x="328521" y="323727"/>
+              <a:ext cx="3957375" cy="2615636"/>
+            </a:xfrm>
+            <a:prstGeom prst="rect">
+              <a:avLst/>
+            </a:prstGeom>
+          </p:spPr>
+        </p:pic>
+        <p:pic>
+          <p:nvPicPr>
+            <p:cNvPr id="18" name="그림 17">
+              <a:extLst>
+                <a:ext uri="{FF2B5EF4-FFF2-40B4-BE49-F238E27FC236}">
+                  <a16:creationId xmlns:a16="http://schemas.microsoft.com/office/drawing/2014/main" id="{662EB363-F9A7-4B63-B5ED-337670DE73B2}"/>
+                </a:ext>
+              </a:extLst>
+            </p:cNvPr>
+            <p:cNvPicPr>
+              <a:picLocks noChangeAspect="1"/>
+            </p:cNvPicPr>
+            <p:nvPr/>
+          </p:nvPicPr>
+          <p:blipFill>
+            <a:blip r:embed="rId2">
+              <a:extLst>
+                <a:ext uri="{BEBA8EAE-BF5A-486C-A8C5-ECC9F3942E4B}">
+                  <a14:imgProps xmlns:a14="http://schemas.microsoft.com/office/drawing/2010/main">
+                    <a14:imgLayer r:embed="rId3">
+                      <a14:imgEffect>
+                        <a14:backgroundRemoval t="8934" b="93084" l="9905" r="89905">
+                          <a14:foregroundMark x1="13905" y1="77233" x2="17649" y2="84230"/>
+                          <a14:foregroundMark x1="24337" y1="81556" x2="26095" y2="78098"/>
+                          <a14:foregroundMark x1="23751" y1="82709" x2="24189" y2="81847"/>
+                          <a14:foregroundMark x1="22291" y1="85581" x2="23751" y2="82709"/>
+                          <a14:foregroundMark x1="26667" y1="82997" x2="26667" y2="83285"/>
+                          <a14:foregroundMark x1="27161" y1="82879" x2="27295" y2="82900"/>
+                          <a14:foregroundMark x1="26094" y1="82709" x2="27057" y2="82862"/>
+                          <a14:foregroundMark x1="24284" y1="82421" x2="26094" y2="82709"/>
+                          <a14:foregroundMark x1="38476" y1="73199" x2="38476" y2="73199"/>
+                          <a14:foregroundMark x1="75619" y1="81844" x2="75619" y2="81844"/>
+                          <a14:foregroundMark x1="78667" y1="82421" x2="78667" y2="82421"/>
+                          <a14:foregroundMark x1="79048" y1="82421" x2="79429" y2="82133"/>
+                          <a14:foregroundMark x1="80952" y1="81268" x2="81143" y2="81268"/>
+                          <a14:foregroundMark x1="81524" y1="80980" x2="81524" y2="80980"/>
+                          <a14:foregroundMark x1="72952" y1="83862" x2="72952" y2="84150"/>
+                          <a14:foregroundMark x1="72571" y1="84150" x2="72571" y2="84150"/>
+                          <a14:foregroundMark x1="72000" y1="82421" x2="72000" y2="82421"/>
+                          <a14:foregroundMark x1="71619" y1="81556" x2="71619" y2="81556"/>
+                          <a14:foregroundMark x1="71429" y1="80980" x2="71429" y2="80980"/>
+                          <a14:foregroundMark x1="26286" y1="83285" x2="26286" y2="83285"/>
+                          <a14:foregroundMark x1="26667" y1="82997" x2="26667" y2="82997"/>
+                          <a14:foregroundMark x1="27048" y1="81556" x2="27048" y2="81844"/>
+                          <a14:foregroundMark x1="26857" y1="82997" x2="26857" y2="82997"/>
+                          <a14:foregroundMark x1="26476" y1="83573" x2="26476" y2="83573"/>
+                          <a14:foregroundMark x1="26667" y1="83573" x2="26667" y2="83573"/>
+                          <a14:foregroundMark x1="26667" y1="82997" x2="26667" y2="82997"/>
+                          <a14:foregroundMark x1="26667" y1="83862" x2="26667" y2="83862"/>
+                          <a14:foregroundMark x1="49905" y1="8934" x2="49905" y2="8934"/>
+                          <a14:foregroundMark x1="49714" y1="41499" x2="49714" y2="41499"/>
+                          <a14:backgroundMark x1="13714" y1="87608" x2="23619" y2="90490"/>
+                          <a14:backgroundMark x1="23619" y1="90490" x2="52571" y2="85303"/>
+                          <a14:backgroundMark x1="52571" y1="85303" x2="62095" y2="87032"/>
+                          <a14:backgroundMark x1="62095" y1="87032" x2="71810" y2="85591"/>
+                          <a14:backgroundMark x1="71810" y1="85591" x2="81524" y2="88184"/>
+                          <a14:backgroundMark x1="81524" y1="88184" x2="72952" y2="96542"/>
+                          <a14:backgroundMark x1="72952" y1="96542" x2="20762" y2="99424"/>
+                          <a14:backgroundMark x1="20762" y1="99424" x2="13143" y2="90778"/>
+                          <a14:backgroundMark x1="13143" y1="90778" x2="13524" y2="88473"/>
+                          <a14:backgroundMark x1="27429" y1="81844" x2="27429" y2="82709"/>
+                          <a14:backgroundMark x1="28190" y1="84150" x2="28190" y2="84150"/>
+                          <a14:backgroundMark x1="31048" y1="85014" x2="31048" y2="85014"/>
+                          <a14:backgroundMark x1="30476" y1="85303" x2="30476" y2="85303"/>
+                          <a14:backgroundMark x1="30476" y1="85303" x2="30667" y2="85879"/>
+                          <a14:backgroundMark x1="30857" y1="85879" x2="31048" y2="85591"/>
+                          <a14:backgroundMark x1="31048" y1="85591" x2="30476" y2="85014"/>
+                          <a14:backgroundMark x1="30286" y1="85014" x2="30095" y2="85014"/>
+                          <a14:backgroundMark x1="30095" y1="85014" x2="30095" y2="85014"/>
+                          <a14:backgroundMark x1="30667" y1="84438" x2="30857" y2="84150"/>
+                          <a14:backgroundMark x1="30191" y1="83862" x2="29905" y2="83573"/>
+                          <a14:backgroundMark x1="30476" y1="84150" x2="30191" y2="83862"/>
+                          <a14:backgroundMark x1="29714" y1="83285" x2="29524" y2="83285"/>
+                          <a14:backgroundMark x1="29333" y1="82997" x2="29333" y2="82997"/>
+                          <a14:backgroundMark x1="29333" y1="82997" x2="28952" y2="83285"/>
+                          <a14:backgroundMark x1="28762" y1="83285" x2="28381" y2="83285"/>
+                          <a14:backgroundMark x1="28381" y1="83285" x2="28381" y2="83573"/>
+                          <a14:backgroundMark x1="28285" y1="83862" x2="28190" y2="84150"/>
+                          <a14:backgroundMark x1="28381" y1="83573" x2="28285" y2="83862"/>
+                          <a14:backgroundMark x1="27810" y1="84726" x2="27429" y2="85303"/>
+                          <a14:backgroundMark x1="27238" y1="85591" x2="27048" y2="86455"/>
+                          <a14:backgroundMark x1="27048" y1="86455" x2="26667" y2="86744"/>
+                          <a14:backgroundMark x1="26667" y1="87032" x2="26667" y2="87032"/>
+                          <a14:backgroundMark x1="27048" y1="86167" x2="27238" y2="85591"/>
+                          <a14:backgroundMark x1="27238" y1="85303" x2="27429" y2="84726"/>
+                          <a14:backgroundMark x1="27619" y1="84438" x2="27619" y2="84150"/>
+                          <a14:backgroundMark x1="27619" y1="83862" x2="27619" y2="83862"/>
+                          <a14:backgroundMark x1="27619" y1="83862" x2="27619" y2="83573"/>
+                          <a14:backgroundMark x1="27619" y1="83573" x2="27619" y2="83573"/>
+                          <a14:backgroundMark x1="27429" y1="83862" x2="27429" y2="84150"/>
+                          <a14:backgroundMark x1="27429" y1="83573" x2="27429" y2="83862"/>
+                          <a14:backgroundMark x1="27238" y1="84438" x2="27048" y2="85014"/>
+                          <a14:backgroundMark x1="26857" y1="85303" x2="26857" y2="85591"/>
+                          <a14:backgroundMark x1="26857" y1="85591" x2="26857" y2="85591"/>
+                          <a14:backgroundMark x1="27238" y1="84726" x2="27429" y2="83862"/>
+                          <a14:backgroundMark x1="27429" y1="83573" x2="27429" y2="83573"/>
+                          <a14:backgroundMark x1="27429" y1="83573" x2="27429" y2="83573"/>
+                          <a14:backgroundMark x1="27429" y1="83285" x2="27429" y2="83285"/>
+                          <a14:backgroundMark x1="27429" y1="83285" x2="27429" y2="83285"/>
+                          <a14:backgroundMark x1="27429" y1="82997" x2="27810" y2="82997"/>
+                          <a14:backgroundMark x1="28381" y1="82709" x2="28381" y2="82709"/>
+                          <a14:backgroundMark x1="28571" y1="82997" x2="28762" y2="83285"/>
+                          <a14:backgroundMark x1="28190" y1="83862" x2="28190" y2="83862"/>
+                          <a14:backgroundMark x1="28190" y1="83862" x2="28190" y2="83862"/>
+                          <a14:backgroundMark x1="28381" y1="83862" x2="28381" y2="83862"/>
+                          <a14:backgroundMark x1="28190" y1="83573" x2="28190" y2="83573"/>
+                          <a14:backgroundMark x1="28190" y1="83573" x2="27810" y2="83285"/>
+                          <a14:backgroundMark x1="27810" y1="83285" x2="27810" y2="83285"/>
+                          <a14:backgroundMark x1="27810" y1="83285" x2="27810" y2="83285"/>
+                          <a14:backgroundMark x1="28190" y1="83285" x2="29143" y2="83573"/>
+                          <a14:backgroundMark x1="27429" y1="82997" x2="27429" y2="82997"/>
+                          <a14:backgroundMark x1="27048" y1="83285" x2="27048" y2="83285"/>
+                          <a14:backgroundMark x1="27238" y1="82709" x2="27238" y2="82709"/>
+                          <a14:backgroundMark x1="27048" y1="83862" x2="27048" y2="84150"/>
+                          <a14:backgroundMark x1="26857" y1="84438" x2="26857" y2="84438"/>
+                          <a14:backgroundMark x1="26667" y1="84726" x2="26667" y2="84726"/>
+                          <a14:backgroundMark x1="26857" y1="83573" x2="27048" y2="83285"/>
+                          <a14:backgroundMark x1="27048" y1="82709" x2="27048" y2="82709"/>
+                        </a14:backgroundRemoval>
+                      </a14:imgEffect>
+                    </a14:imgLayer>
+                  </a14:imgProps>
+                </a:ext>
+              </a:extLst>
+            </a:blip>
+            <a:stretch>
+              <a:fillRect/>
+            </a:stretch>
+          </p:blipFill>
+          <p:spPr>
+            <a:xfrm rot="-240000">
+              <a:off x="328521" y="323727"/>
+              <a:ext cx="3957375" cy="2615636"/>
+            </a:xfrm>
+            <a:prstGeom prst="rect">
+              <a:avLst/>
+            </a:prstGeom>
+          </p:spPr>
+        </p:pic>
+        <p:pic>
+          <p:nvPicPr>
+            <p:cNvPr id="19" name="그림 18">
+              <a:extLst>
+                <a:ext uri="{FF2B5EF4-FFF2-40B4-BE49-F238E27FC236}">
+                  <a16:creationId xmlns:a16="http://schemas.microsoft.com/office/drawing/2014/main" id="{A683C58F-C680-4800-B219-F8C2D329AF4C}"/>
+                </a:ext>
+              </a:extLst>
+            </p:cNvPr>
+            <p:cNvPicPr>
+              <a:picLocks noChangeAspect="1"/>
+            </p:cNvPicPr>
+            <p:nvPr/>
+          </p:nvPicPr>
+          <p:blipFill>
+            <a:blip r:embed="rId2">
+              <a:extLst>
+                <a:ext uri="{BEBA8EAE-BF5A-486C-A8C5-ECC9F3942E4B}">
+                  <a14:imgProps xmlns:a14="http://schemas.microsoft.com/office/drawing/2010/main">
+                    <a14:imgLayer r:embed="rId3">
+                      <a14:imgEffect>
+                        <a14:backgroundRemoval t="8934" b="93084" l="9905" r="89905">
+                          <a14:foregroundMark x1="13905" y1="77233" x2="17649" y2="84230"/>
+                          <a14:foregroundMark x1="24337" y1="81556" x2="26095" y2="78098"/>
+                          <a14:foregroundMark x1="23751" y1="82709" x2="24189" y2="81847"/>
+                          <a14:foregroundMark x1="22291" y1="85581" x2="23751" y2="82709"/>
+                          <a14:foregroundMark x1="26667" y1="82997" x2="26667" y2="83285"/>
+                          <a14:foregroundMark x1="27161" y1="82879" x2="27295" y2="82900"/>
+                          <a14:foregroundMark x1="26094" y1="82709" x2="27057" y2="82862"/>
+                          <a14:foregroundMark x1="24284" y1="82421" x2="26094" y2="82709"/>
+                          <a14:foregroundMark x1="38476" y1="73199" x2="38476" y2="73199"/>
+                          <a14:foregroundMark x1="75619" y1="81844" x2="75619" y2="81844"/>
+                          <a14:foregroundMark x1="78667" y1="82421" x2="78667" y2="82421"/>
+                          <a14:foregroundMark x1="79048" y1="82421" x2="79429" y2="82133"/>
+                          <a14:foregroundMark x1="80952" y1="81268" x2="81143" y2="81268"/>
+                          <a14:foregroundMark x1="81524" y1="80980" x2="81524" y2="80980"/>
+                          <a14:foregroundMark x1="72952" y1="83862" x2="72952" y2="84150"/>
+                          <a14:foregroundMark x1="72571" y1="84150" x2="72571" y2="84150"/>
+                          <a14:foregroundMark x1="72000" y1="82421" x2="72000" y2="82421"/>
+                          <a14:foregroundMark x1="71619" y1="81556" x2="71619" y2="81556"/>
+                          <a14:foregroundMark x1="71429" y1="80980" x2="71429" y2="80980"/>
+                          <a14:foregroundMark x1="26286" y1="83285" x2="26286" y2="83285"/>
+                          <a14:foregroundMark x1="26667" y1="82997" x2="26667" y2="82997"/>
+                          <a14:foregroundMark x1="27048" y1="81556" x2="27048" y2="81844"/>
+                          <a14:foregroundMark x1="26857" y1="82997" x2="26857" y2="82997"/>
+                          <a14:foregroundMark x1="26476" y1="83573" x2="26476" y2="83573"/>
+                          <a14:foregroundMark x1="26667" y1="83573" x2="26667" y2="83573"/>
+                          <a14:foregroundMark x1="26667" y1="82997" x2="26667" y2="82997"/>
+                          <a14:foregroundMark x1="26667" y1="83862" x2="26667" y2="83862"/>
+                          <a14:foregroundMark x1="49905" y1="8934" x2="49905" y2="8934"/>
+                          <a14:foregroundMark x1="49714" y1="41499" x2="49714" y2="41499"/>
+                          <a14:backgroundMark x1="13714" y1="87608" x2="23619" y2="90490"/>
+                          <a14:backgroundMark x1="23619" y1="90490" x2="52571" y2="85303"/>
+                          <a14:backgroundMark x1="52571" y1="85303" x2="62095" y2="87032"/>
+                          <a14:backgroundMark x1="62095" y1="87032" x2="71810" y2="85591"/>
+                          <a14:backgroundMark x1="71810" y1="85591" x2="81524" y2="88184"/>
+                          <a14:backgroundMark x1="81524" y1="88184" x2="72952" y2="96542"/>
+                          <a14:backgroundMark x1="72952" y1="96542" x2="20762" y2="99424"/>
+                          <a14:backgroundMark x1="20762" y1="99424" x2="13143" y2="90778"/>
+                          <a14:backgroundMark x1="13143" y1="90778" x2="13524" y2="88473"/>
+                          <a14:backgroundMark x1="27429" y1="81844" x2="27429" y2="82709"/>
+                          <a14:backgroundMark x1="28190" y1="84150" x2="28190" y2="84150"/>
+                          <a14:backgroundMark x1="31048" y1="85014" x2="31048" y2="85014"/>
+                          <a14:backgroundMark x1="30476" y1="85303" x2="30476" y2="85303"/>
+                          <a14:backgroundMark x1="30476" y1="85303" x2="30667" y2="85879"/>
+                          <a14:backgroundMark x1="30857" y1="85879" x2="31048" y2="85591"/>
+                          <a14:backgroundMark x1="31048" y1="85591" x2="30476" y2="85014"/>
+                          <a14:backgroundMark x1="30286" y1="85014" x2="30095" y2="85014"/>
+                          <a14:backgroundMark x1="30095" y1="85014" x2="30095" y2="85014"/>
+                          <a14:backgroundMark x1="30667" y1="84438" x2="30857" y2="84150"/>
+                          <a14:backgroundMark x1="30191" y1="83862" x2="29905" y2="83573"/>
+                          <a14:backgroundMark x1="30476" y1="84150" x2="30191" y2="83862"/>
+                          <a14:backgroundMark x1="29714" y1="83285" x2="29524" y2="83285"/>
+                          <a14:backgroundMark x1="29333" y1="82997" x2="29333" y2="82997"/>
+                          <a14:backgroundMark x1="29333" y1="82997" x2="28952" y2="83285"/>
+                          <a14:backgroundMark x1="28762" y1="83285" x2="28381" y2="83285"/>
+                          <a14:backgroundMark x1="28381" y1="83285" x2="28381" y2="83573"/>
+                          <a14:backgroundMark x1="28285" y1="83862" x2="28190" y2="84150"/>
+                          <a14:backgroundMark x1="28381" y1="83573" x2="28285" y2="83862"/>
+                          <a14:backgroundMark x1="27810" y1="84726" x2="27429" y2="85303"/>
+                          <a14:backgroundMark x1="27238" y1="85591" x2="27048" y2="86455"/>
+                          <a14:backgroundMark x1="27048" y1="86455" x2="26667" y2="86744"/>
+                          <a14:backgroundMark x1="26667" y1="87032" x2="26667" y2="87032"/>
+                          <a14:backgroundMark x1="27048" y1="86167" x2="27238" y2="85591"/>
+                          <a14:backgroundMark x1="27238" y1="85303" x2="27429" y2="84726"/>
+                          <a14:backgroundMark x1="27619" y1="84438" x2="27619" y2="84150"/>
+                          <a14:backgroundMark x1="27619" y1="83862" x2="27619" y2="83862"/>
+                          <a14:backgroundMark x1="27619" y1="83862" x2="27619" y2="83573"/>
+                          <a14:backgroundMark x1="27619" y1="83573" x2="27619" y2="83573"/>
+                          <a14:backgroundMark x1="27429" y1="83862" x2="27429" y2="84150"/>
+                          <a14:backgroundMark x1="27429" y1="83573" x2="27429" y2="83862"/>
+                          <a14:backgroundMark x1="27238" y1="84438" x2="27048" y2="85014"/>
+                          <a14:backgroundMark x1="26857" y1="85303" x2="26857" y2="85591"/>
+                          <a14:backgroundMark x1="26857" y1="85591" x2="26857" y2="85591"/>
+                          <a14:backgroundMark x1="27238" y1="84726" x2="27429" y2="83862"/>
+                          <a14:backgroundMark x1="27429" y1="83573" x2="27429" y2="83573"/>
+                          <a14:backgroundMark x1="27429" y1="83573" x2="27429" y2="83573"/>
+                          <a14:backgroundMark x1="27429" y1="83285" x2="27429" y2="83285"/>
+                          <a14:backgroundMark x1="27429" y1="83285" x2="27429" y2="83285"/>
+                          <a14:backgroundMark x1="27429" y1="82997" x2="27810" y2="82997"/>
+                          <a14:backgroundMark x1="28381" y1="82709" x2="28381" y2="82709"/>
+                          <a14:backgroundMark x1="28571" y1="82997" x2="28762" y2="83285"/>
+                          <a14:backgroundMark x1="28190" y1="83862" x2="28190" y2="83862"/>
+                          <a14:backgroundMark x1="28190" y1="83862" x2="28190" y2="83862"/>
+                          <a14:backgroundMark x1="28381" y1="83862" x2="28381" y2="83862"/>
+                          <a14:backgroundMark x1="28190" y1="83573" x2="28190" y2="83573"/>
+                          <a14:backgroundMark x1="28190" y1="83573" x2="27810" y2="83285"/>
+                          <a14:backgroundMark x1="27810" y1="83285" x2="27810" y2="83285"/>
+                          <a14:backgroundMark x1="27810" y1="83285" x2="27810" y2="83285"/>
+                          <a14:backgroundMark x1="28190" y1="83285" x2="29143" y2="83573"/>
+                          <a14:backgroundMark x1="27429" y1="82997" x2="27429" y2="82997"/>
+                          <a14:backgroundMark x1="27048" y1="83285" x2="27048" y2="83285"/>
+                          <a14:backgroundMark x1="27238" y1="82709" x2="27238" y2="82709"/>
+                          <a14:backgroundMark x1="27048" y1="83862" x2="27048" y2="84150"/>
+                          <a14:backgroundMark x1="26857" y1="84438" x2="26857" y2="84438"/>
+                          <a14:backgroundMark x1="26667" y1="84726" x2="26667" y2="84726"/>
+                          <a14:backgroundMark x1="26857" y1="83573" x2="27048" y2="83285"/>
+                          <a14:backgroundMark x1="27048" y1="82709" x2="27048" y2="82709"/>
+                        </a14:backgroundRemoval>
+                      </a14:imgEffect>
+                    </a14:imgLayer>
+                  </a14:imgProps>
+                </a:ext>
+              </a:extLst>
+            </a:blip>
+            <a:stretch>
+              <a:fillRect/>
+            </a:stretch>
+          </p:blipFill>
+          <p:spPr>
+            <a:xfrm rot="-120000">
+              <a:off x="328521" y="323727"/>
+              <a:ext cx="3957375" cy="2615636"/>
+            </a:xfrm>
+            <a:prstGeom prst="rect">
+              <a:avLst/>
+            </a:prstGeom>
+          </p:spPr>
+        </p:pic>
+        <p:pic>
+          <p:nvPicPr>
+            <p:cNvPr id="20" name="그림 19">
+              <a:extLst>
+                <a:ext uri="{FF2B5EF4-FFF2-40B4-BE49-F238E27FC236}">
+                  <a16:creationId xmlns:a16="http://schemas.microsoft.com/office/drawing/2014/main" id="{6AFFAAE9-0DA6-4E04-B409-E22D34386547}"/>
+                </a:ext>
+              </a:extLst>
+            </p:cNvPr>
+            <p:cNvPicPr>
+              <a:picLocks noChangeAspect="1"/>
+            </p:cNvPicPr>
+            <p:nvPr/>
+          </p:nvPicPr>
+          <p:blipFill>
+            <a:blip r:embed="rId2">
+              <a:extLst>
+                <a:ext uri="{BEBA8EAE-BF5A-486C-A8C5-ECC9F3942E4B}">
+                  <a14:imgProps xmlns:a14="http://schemas.microsoft.com/office/drawing/2010/main">
+                    <a14:imgLayer r:embed="rId3">
+                      <a14:imgEffect>
+                        <a14:backgroundRemoval t="8934" b="93084" l="9905" r="89905">
+                          <a14:foregroundMark x1="13905" y1="77233" x2="17649" y2="84230"/>
+                          <a14:foregroundMark x1="24337" y1="81556" x2="26095" y2="78098"/>
+                          <a14:foregroundMark x1="23751" y1="82709" x2="24189" y2="81847"/>
+                          <a14:foregroundMark x1="22291" y1="85581" x2="23751" y2="82709"/>
+                          <a14:foregroundMark x1="26667" y1="82997" x2="26667" y2="83285"/>
+                          <a14:foregroundMark x1="27161" y1="82879" x2="27295" y2="82900"/>
+                          <a14:foregroundMark x1="26094" y1="82709" x2="27057" y2="82862"/>
+                          <a14:foregroundMark x1="24284" y1="82421" x2="26094" y2="82709"/>
+                          <a14:foregroundMark x1="38476" y1="73199" x2="38476" y2="73199"/>
+                          <a14:foregroundMark x1="75619" y1="81844" x2="75619" y2="81844"/>
+                          <a14:foregroundMark x1="78667" y1="82421" x2="78667" y2="82421"/>
+                          <a14:foregroundMark x1="79048" y1="82421" x2="79429" y2="82133"/>
+                          <a14:foregroundMark x1="80952" y1="81268" x2="81143" y2="81268"/>
+                          <a14:foregroundMark x1="81524" y1="80980" x2="81524" y2="80980"/>
+                          <a14:foregroundMark x1="72952" y1="83862" x2="72952" y2="84150"/>
+                          <a14:foregroundMark x1="72571" y1="84150" x2="72571" y2="84150"/>
+                          <a14:foregroundMark x1="72000" y1="82421" x2="72000" y2="82421"/>
+                          <a14:foregroundMark x1="71619" y1="81556" x2="71619" y2="81556"/>
+                          <a14:foregroundMark x1="71429" y1="80980" x2="71429" y2="80980"/>
+                          <a14:foregroundMark x1="26286" y1="83285" x2="26286" y2="83285"/>
+                          <a14:foregroundMark x1="26667" y1="82997" x2="26667" y2="82997"/>
+                          <a14:foregroundMark x1="27048" y1="81556" x2="27048" y2="81844"/>
+                          <a14:foregroundMark x1="26857" y1="82997" x2="26857" y2="82997"/>
+                          <a14:foregroundMark x1="26476" y1="83573" x2="26476" y2="83573"/>
+                          <a14:foregroundMark x1="26667" y1="83573" x2="26667" y2="83573"/>
+                          <a14:foregroundMark x1="26667" y1="82997" x2="26667" y2="82997"/>
+                          <a14:foregroundMark x1="26667" y1="83862" x2="26667" y2="83862"/>
+                          <a14:foregroundMark x1="49905" y1="8934" x2="49905" y2="8934"/>
+                          <a14:foregroundMark x1="49714" y1="41499" x2="49714" y2="41499"/>
+                          <a14:backgroundMark x1="13714" y1="87608" x2="23619" y2="90490"/>
+                          <a14:backgroundMark x1="23619" y1="90490" x2="52571" y2="85303"/>
+                          <a14:backgroundMark x1="52571" y1="85303" x2="62095" y2="87032"/>
+                          <a14:backgroundMark x1="62095" y1="87032" x2="71810" y2="85591"/>
+                          <a14:backgroundMark x1="71810" y1="85591" x2="81524" y2="88184"/>
+                          <a14:backgroundMark x1="81524" y1="88184" x2="72952" y2="96542"/>
+                          <a14:backgroundMark x1="72952" y1="96542" x2="20762" y2="99424"/>
+                          <a14:backgroundMark x1="20762" y1="99424" x2="13143" y2="90778"/>
+                          <a14:backgroundMark x1="13143" y1="90778" x2="13524" y2="88473"/>
+                          <a14:backgroundMark x1="27429" y1="81844" x2="27429" y2="82709"/>
+                          <a14:backgroundMark x1="28190" y1="84150" x2="28190" y2="84150"/>
+                          <a14:backgroundMark x1="31048" y1="85014" x2="31048" y2="85014"/>
+                          <a14:backgroundMark x1="30476" y1="85303" x2="30476" y2="85303"/>
+                          <a14:backgroundMark x1="30476" y1="85303" x2="30667" y2="85879"/>
+                          <a14:backgroundMark x1="30857" y1="85879" x2="31048" y2="85591"/>
+                          <a14:backgroundMark x1="31048" y1="85591" x2="30476" y2="85014"/>
+                          <a14:backgroundMark x1="30286" y1="85014" x2="30095" y2="85014"/>
+                          <a14:backgroundMark x1="30095" y1="85014" x2="30095" y2="85014"/>
+                          <a14:backgroundMark x1="30667" y1="84438" x2="30857" y2="84150"/>
+                          <a14:backgroundMark x1="30191" y1="83862" x2="29905" y2="83573"/>
+                          <a14:backgroundMark x1="30476" y1="84150" x2="30191" y2="83862"/>
+                          <a14:backgroundMark x1="29714" y1="83285" x2="29524" y2="83285"/>
+                          <a14:backgroundMark x1="29333" y1="82997" x2="29333" y2="82997"/>
+                          <a14:backgroundMark x1="29333" y1="82997" x2="28952" y2="83285"/>
+                          <a14:backgroundMark x1="28762" y1="83285" x2="28381" y2="83285"/>
+                          <a14:backgroundMark x1="28381" y1="83285" x2="28381" y2="83573"/>
+                          <a14:backgroundMark x1="28285" y1="83862" x2="28190" y2="84150"/>
+                          <a14:backgroundMark x1="28381" y1="83573" x2="28285" y2="83862"/>
+                          <a14:backgroundMark x1="27810" y1="84726" x2="27429" y2="85303"/>
+                          <a14:backgroundMark x1="27238" y1="85591" x2="27048" y2="86455"/>
+                          <a14:backgroundMark x1="27048" y1="86455" x2="26667" y2="86744"/>
+                          <a14:backgroundMark x1="26667" y1="87032" x2="26667" y2="87032"/>
+                          <a14:backgroundMark x1="27048" y1="86167" x2="27238" y2="85591"/>
+                          <a14:backgroundMark x1="27238" y1="85303" x2="27429" y2="84726"/>
+                          <a14:backgroundMark x1="27619" y1="84438" x2="27619" y2="84150"/>
+                          <a14:backgroundMark x1="27619" y1="83862" x2="27619" y2="83862"/>
+                          <a14:backgroundMark x1="27619" y1="83862" x2="27619" y2="83573"/>
+                          <a14:backgroundMark x1="27619" y1="83573" x2="27619" y2="83573"/>
+                          <a14:backgroundMark x1="27429" y1="83862" x2="27429" y2="84150"/>
+                          <a14:backgroundMark x1="27429" y1="83573" x2="27429" y2="83862"/>
+                          <a14:backgroundMark x1="27238" y1="84438" x2="27048" y2="85014"/>
+                          <a14:backgroundMark x1="26857" y1="85303" x2="26857" y2="85591"/>
+                          <a14:backgroundMark x1="26857" y1="85591" x2="26857" y2="85591"/>
+                          <a14:backgroundMark x1="27238" y1="84726" x2="27429" y2="83862"/>
+                          <a14:backgroundMark x1="27429" y1="83573" x2="27429" y2="83573"/>
+                          <a14:backgroundMark x1="27429" y1="83573" x2="27429" y2="83573"/>
+                          <a14:backgroundMark x1="27429" y1="83285" x2="27429" y2="83285"/>
+                          <a14:backgroundMark x1="27429" y1="83285" x2="27429" y2="83285"/>
+                          <a14:backgroundMark x1="27429" y1="82997" x2="27810" y2="82997"/>
+                          <a14:backgroundMark x1="28381" y1="82709" x2="28381" y2="82709"/>
+                          <a14:backgroundMark x1="28571" y1="82997" x2="28762" y2="83285"/>
+                          <a14:backgroundMark x1="28190" y1="83862" x2="28190" y2="83862"/>
+                          <a14:backgroundMark x1="28190" y1="83862" x2="28190" y2="83862"/>
+                          <a14:backgroundMark x1="28381" y1="83862" x2="28381" y2="83862"/>
+                          <a14:backgroundMark x1="28190" y1="83573" x2="28190" y2="83573"/>
+                          <a14:backgroundMark x1="28190" y1="83573" x2="27810" y2="83285"/>
+                          <a14:backgroundMark x1="27810" y1="83285" x2="27810" y2="83285"/>
+                          <a14:backgroundMark x1="27810" y1="83285" x2="27810" y2="83285"/>
+                          <a14:backgroundMark x1="28190" y1="83285" x2="29143" y2="83573"/>
+                          <a14:backgroundMark x1="27429" y1="82997" x2="27429" y2="82997"/>
+                          <a14:backgroundMark x1="27048" y1="83285" x2="27048" y2="83285"/>
+                          <a14:backgroundMark x1="27238" y1="82709" x2="27238" y2="82709"/>
+                          <a14:backgroundMark x1="27048" y1="83862" x2="27048" y2="84150"/>
+                          <a14:backgroundMark x1="26857" y1="84438" x2="26857" y2="84438"/>
+                          <a14:backgroundMark x1="26667" y1="84726" x2="26667" y2="84726"/>
+                          <a14:backgroundMark x1="26857" y1="83573" x2="27048" y2="83285"/>
+                          <a14:backgroundMark x1="27048" y1="82709" x2="27048" y2="82709"/>
+                        </a14:backgroundRemoval>
+                      </a14:imgEffect>
+                    </a14:imgLayer>
+                  </a14:imgProps>
+                </a:ext>
+              </a:extLst>
+            </a:blip>
+            <a:stretch>
+              <a:fillRect/>
+            </a:stretch>
+          </p:blipFill>
+          <p:spPr>
+            <a:xfrm>
+              <a:off x="328521" y="323727"/>
+              <a:ext cx="3957375" cy="2615636"/>
+            </a:xfrm>
+            <a:prstGeom prst="rect">
+              <a:avLst/>
+            </a:prstGeom>
+          </p:spPr>
+        </p:pic>
+        <p:pic>
+          <p:nvPicPr>
+            <p:cNvPr id="21" name="그림 20">
+              <a:extLst>
+                <a:ext uri="{FF2B5EF4-FFF2-40B4-BE49-F238E27FC236}">
+                  <a16:creationId xmlns:a16="http://schemas.microsoft.com/office/drawing/2014/main" id="{45871572-57D0-43EC-B42A-297B80B0DEB2}"/>
+                </a:ext>
+              </a:extLst>
+            </p:cNvPr>
+            <p:cNvPicPr>
+              <a:picLocks noChangeAspect="1"/>
+            </p:cNvPicPr>
+            <p:nvPr/>
+          </p:nvPicPr>
+          <p:blipFill>
+            <a:blip r:embed="rId2">
+              <a:extLst>
+                <a:ext uri="{BEBA8EAE-BF5A-486C-A8C5-ECC9F3942E4B}">
+                  <a14:imgProps xmlns:a14="http://schemas.microsoft.com/office/drawing/2010/main">
+                    <a14:imgLayer r:embed="rId3">
+                      <a14:imgEffect>
+                        <a14:backgroundRemoval t="8934" b="93084" l="9905" r="89905">
+                          <a14:foregroundMark x1="13905" y1="77233" x2="17649" y2="84230"/>
+                          <a14:foregroundMark x1="24337" y1="81556" x2="26095" y2="78098"/>
+                          <a14:foregroundMark x1="23751" y1="82709" x2="24189" y2="81847"/>
+                          <a14:foregroundMark x1="22291" y1="85581" x2="23751" y2="82709"/>
+                          <a14:foregroundMark x1="26667" y1="82997" x2="26667" y2="83285"/>
+                          <a14:foregroundMark x1="27161" y1="82879" x2="27295" y2="82900"/>
+                          <a14:foregroundMark x1="26094" y1="82709" x2="27057" y2="82862"/>
+                          <a14:foregroundMark x1="24284" y1="82421" x2="26094" y2="82709"/>
+                          <a14:foregroundMark x1="38476" y1="73199" x2="38476" y2="73199"/>
+                          <a14:foregroundMark x1="75619" y1="81844" x2="75619" y2="81844"/>
+                          <a14:foregroundMark x1="78667" y1="82421" x2="78667" y2="82421"/>
+                          <a14:foregroundMark x1="79048" y1="82421" x2="79429" y2="82133"/>
+                          <a14:foregroundMark x1="80952" y1="81268" x2="81143" y2="81268"/>
+                          <a14:foregroundMark x1="81524" y1="80980" x2="81524" y2="80980"/>
+                          <a14:foregroundMark x1="72952" y1="83862" x2="72952" y2="84150"/>
+                          <a14:foregroundMark x1="72571" y1="84150" x2="72571" y2="84150"/>
+                          <a14:foregroundMark x1="72000" y1="82421" x2="72000" y2="82421"/>
+                          <a14:foregroundMark x1="71619" y1="81556" x2="71619" y2="81556"/>
+                          <a14:foregroundMark x1="71429" y1="80980" x2="71429" y2="80980"/>
+                          <a14:foregroundMark x1="26286" y1="83285" x2="26286" y2="83285"/>
+                          <a14:foregroundMark x1="26667" y1="82997" x2="26667" y2="82997"/>
+                          <a14:foregroundMark x1="27048" y1="81556" x2="27048" y2="81844"/>
+                          <a14:foregroundMark x1="26857" y1="82997" x2="26857" y2="82997"/>
+                          <a14:foregroundMark x1="26476" y1="83573" x2="26476" y2="83573"/>
+                          <a14:foregroundMark x1="26667" y1="83573" x2="26667" y2="83573"/>
+                          <a14:foregroundMark x1="26667" y1="82997" x2="26667" y2="82997"/>
+                          <a14:foregroundMark x1="26667" y1="83862" x2="26667" y2="83862"/>
+                          <a14:foregroundMark x1="49905" y1="8934" x2="49905" y2="8934"/>
+                          <a14:foregroundMark x1="49714" y1="41499" x2="49714" y2="41499"/>
+                          <a14:backgroundMark x1="13714" y1="87608" x2="23619" y2="90490"/>
+                          <a14:backgroundMark x1="23619" y1="90490" x2="52571" y2="85303"/>
+                          <a14:backgroundMark x1="52571" y1="85303" x2="62095" y2="87032"/>
+                          <a14:backgroundMark x1="62095" y1="87032" x2="71810" y2="85591"/>
+                          <a14:backgroundMark x1="71810" y1="85591" x2="81524" y2="88184"/>
+                          <a14:backgroundMark x1="81524" y1="88184" x2="72952" y2="96542"/>
+                          <a14:backgroundMark x1="72952" y1="96542" x2="20762" y2="99424"/>
+                          <a14:backgroundMark x1="20762" y1="99424" x2="13143" y2="90778"/>
+                          <a14:backgroundMark x1="13143" y1="90778" x2="13524" y2="88473"/>
+                          <a14:backgroundMark x1="27429" y1="81844" x2="27429" y2="82709"/>
+                          <a14:backgroundMark x1="28190" y1="84150" x2="28190" y2="84150"/>
+                          <a14:backgroundMark x1="31048" y1="85014" x2="31048" y2="85014"/>
+                          <a14:backgroundMark x1="30476" y1="85303" x2="30476" y2="85303"/>
+                          <a14:backgroundMark x1="30476" y1="85303" x2="30667" y2="85879"/>
+                          <a14:backgroundMark x1="30857" y1="85879" x2="31048" y2="85591"/>
+                          <a14:backgroundMark x1="31048" y1="85591" x2="30476" y2="85014"/>
+                          <a14:backgroundMark x1="30286" y1="85014" x2="30095" y2="85014"/>
+                          <a14:backgroundMark x1="30095" y1="85014" x2="30095" y2="85014"/>
+                          <a14:backgroundMark x1="30667" y1="84438" x2="30857" y2="84150"/>
+                          <a14:backgroundMark x1="30191" y1="83862" x2="29905" y2="83573"/>
+                          <a14:backgroundMark x1="30476" y1="84150" x2="30191" y2="83862"/>
+                          <a14:backgroundMark x1="29714" y1="83285" x2="29524" y2="83285"/>
+                          <a14:backgroundMark x1="29333" y1="82997" x2="29333" y2="82997"/>
+                          <a14:backgroundMark x1="29333" y1="82997" x2="28952" y2="83285"/>
+                          <a14:backgroundMark x1="28762" y1="83285" x2="28381" y2="83285"/>
+                          <a14:backgroundMark x1="28381" y1="83285" x2="28381" y2="83573"/>
+                          <a14:backgroundMark x1="28285" y1="83862" x2="28190" y2="84150"/>
+                          <a14:backgroundMark x1="28381" y1="83573" x2="28285" y2="83862"/>
+                          <a14:backgroundMark x1="27810" y1="84726" x2="27429" y2="85303"/>
+                          <a14:backgroundMark x1="27238" y1="85591" x2="27048" y2="86455"/>
+                          <a14:backgroundMark x1="27048" y1="86455" x2="26667" y2="86744"/>
+                          <a14:backgroundMark x1="26667" y1="87032" x2="26667" y2="87032"/>
+                          <a14:backgroundMark x1="27048" y1="86167" x2="27238" y2="85591"/>
+                          <a14:backgroundMark x1="27238" y1="85303" x2="27429" y2="84726"/>
+                          <a14:backgroundMark x1="27619" y1="84438" x2="27619" y2="84150"/>
+                          <a14:backgroundMark x1="27619" y1="83862" x2="27619" y2="83862"/>
+                          <a14:backgroundMark x1="27619" y1="83862" x2="27619" y2="83573"/>
+                          <a14:backgroundMark x1="27619" y1="83573" x2="27619" y2="83573"/>
+                          <a14:backgroundMark x1="27429" y1="83862" x2="27429" y2="84150"/>
+                          <a14:backgroundMark x1="27429" y1="83573" x2="27429" y2="83862"/>
+                          <a14:backgroundMark x1="27238" y1="84438" x2="27048" y2="85014"/>
+                          <a14:backgroundMark x1="26857" y1="85303" x2="26857" y2="85591"/>
+                          <a14:backgroundMark x1="26857" y1="85591" x2="26857" y2="85591"/>
+                          <a14:backgroundMark x1="27238" y1="84726" x2="27429" y2="83862"/>
+                          <a14:backgroundMark x1="27429" y1="83573" x2="27429" y2="83573"/>
+                          <a14:backgroundMark x1="27429" y1="83573" x2="27429" y2="83573"/>
+                          <a14:backgroundMark x1="27429" y1="83285" x2="27429" y2="83285"/>
+                          <a14:backgroundMark x1="27429" y1="83285" x2="27429" y2="83285"/>
+                          <a14:backgroundMark x1="27429" y1="82997" x2="27810" y2="82997"/>
+                          <a14:backgroundMark x1="28381" y1="82709" x2="28381" y2="82709"/>
+                          <a14:backgroundMark x1="28571" y1="82997" x2="28762" y2="83285"/>
+                          <a14:backgroundMark x1="28190" y1="83862" x2="28190" y2="83862"/>
+                          <a14:backgroundMark x1="28190" y1="83862" x2="28190" y2="83862"/>
+                          <a14:backgroundMark x1="28381" y1="83862" x2="28381" y2="83862"/>
+                          <a14:backgroundMark x1="28190" y1="83573" x2="28190" y2="83573"/>
+                          <a14:backgroundMark x1="28190" y1="83573" x2="27810" y2="83285"/>
+                          <a14:backgroundMark x1="27810" y1="83285" x2="27810" y2="83285"/>
+                          <a14:backgroundMark x1="27810" y1="83285" x2="27810" y2="83285"/>
+                          <a14:backgroundMark x1="28190" y1="83285" x2="29143" y2="83573"/>
+                          <a14:backgroundMark x1="27429" y1="82997" x2="27429" y2="82997"/>
+                          <a14:backgroundMark x1="27048" y1="83285" x2="27048" y2="83285"/>
+                          <a14:backgroundMark x1="27238" y1="82709" x2="27238" y2="82709"/>
+                          <a14:backgroundMark x1="27048" y1="83862" x2="27048" y2="84150"/>
+                          <a14:backgroundMark x1="26857" y1="84438" x2="26857" y2="84438"/>
+                          <a14:backgroundMark x1="26667" y1="84726" x2="26667" y2="84726"/>
+                          <a14:backgroundMark x1="26857" y1="83573" x2="27048" y2="83285"/>
+                          <a14:backgroundMark x1="27048" y1="82709" x2="27048" y2="82709"/>
+                        </a14:backgroundRemoval>
+                      </a14:imgEffect>
+                    </a14:imgLayer>
+                  </a14:imgProps>
+                </a:ext>
+              </a:extLst>
+            </a:blip>
+            <a:stretch>
+              <a:fillRect/>
+            </a:stretch>
+          </p:blipFill>
+          <p:spPr>
+            <a:xfrm>
+              <a:off x="328521" y="323727"/>
+              <a:ext cx="3957375" cy="2615636"/>
+            </a:xfrm>
+            <a:prstGeom prst="rect">
+              <a:avLst/>
+            </a:prstGeom>
+          </p:spPr>
+        </p:pic>
+      </p:grpSp>
       <p:pic>
         <p:nvPicPr>
-          <p:cNvPr id="6" name="그림 5">
+          <p:cNvPr id="9" name="그림 8">
             <a:extLst>
               <a:ext uri="{FF2B5EF4-FFF2-40B4-BE49-F238E27FC236}">
-                <a16:creationId xmlns:a16="http://schemas.microsoft.com/office/drawing/2014/main" id="{2FCDA581-25DC-4284-A431-441713DC1ECF}"/>
+                <a16:creationId xmlns:a16="http://schemas.microsoft.com/office/drawing/2014/main" id="{71369E67-DA96-4E9B-B162-49A185530F67}"/>
               </a:ext>
             </a:extLst>
           </p:cNvPr>
@@ -3720,1660 +5416,233 @@
           </p:cNvPicPr>
           <p:nvPr/>
         </p:nvPicPr>
-        <p:blipFill>
-          <a:blip r:embed="rId2">
-            <a:extLst>
-              <a:ext uri="{BEBA8EAE-BF5A-486C-A8C5-ECC9F3942E4B}">
-                <a14:imgProps xmlns:a14="http://schemas.microsoft.com/office/drawing/2010/main">
-                  <a14:imgLayer r:embed="rId3">
-                    <a14:imgEffect>
-                      <a14:backgroundRemoval t="8934" b="93084" l="9905" r="89905">
-                        <a14:foregroundMark x1="13905" y1="77233" x2="17649" y2="84230"/>
-                        <a14:foregroundMark x1="24337" y1="81556" x2="26095" y2="78098"/>
-                        <a14:foregroundMark x1="23751" y1="82709" x2="24189" y2="81847"/>
-                        <a14:foregroundMark x1="22291" y1="85581" x2="23751" y2="82709"/>
-                        <a14:foregroundMark x1="26667" y1="82997" x2="26667" y2="83285"/>
-                        <a14:foregroundMark x1="27161" y1="82879" x2="27295" y2="82900"/>
-                        <a14:foregroundMark x1="26094" y1="82709" x2="27057" y2="82862"/>
-                        <a14:foregroundMark x1="24284" y1="82421" x2="26094" y2="82709"/>
-                        <a14:foregroundMark x1="38476" y1="73199" x2="38476" y2="73199"/>
-                        <a14:foregroundMark x1="75619" y1="81844" x2="75619" y2="81844"/>
-                        <a14:foregroundMark x1="78667" y1="82421" x2="78667" y2="82421"/>
-                        <a14:foregroundMark x1="79048" y1="82421" x2="79429" y2="82133"/>
-                        <a14:foregroundMark x1="80952" y1="81268" x2="81143" y2="81268"/>
-                        <a14:foregroundMark x1="81524" y1="80980" x2="81524" y2="80980"/>
-                        <a14:foregroundMark x1="72952" y1="83862" x2="72952" y2="84150"/>
-                        <a14:foregroundMark x1="72571" y1="84150" x2="72571" y2="84150"/>
-                        <a14:foregroundMark x1="72000" y1="82421" x2="72000" y2="82421"/>
-                        <a14:foregroundMark x1="71619" y1="81556" x2="71619" y2="81556"/>
-                        <a14:foregroundMark x1="71429" y1="80980" x2="71429" y2="80980"/>
-                        <a14:foregroundMark x1="26286" y1="83285" x2="26286" y2="83285"/>
-                        <a14:foregroundMark x1="26667" y1="82997" x2="26667" y2="82997"/>
-                        <a14:foregroundMark x1="27048" y1="81556" x2="27048" y2="81844"/>
-                        <a14:foregroundMark x1="26857" y1="82997" x2="26857" y2="82997"/>
-                        <a14:foregroundMark x1="26476" y1="83573" x2="26476" y2="83573"/>
-                        <a14:foregroundMark x1="26667" y1="83573" x2="26667" y2="83573"/>
-                        <a14:foregroundMark x1="26667" y1="82997" x2="26667" y2="82997"/>
-                        <a14:foregroundMark x1="26667" y1="83862" x2="26667" y2="83862"/>
-                        <a14:foregroundMark x1="49905" y1="8934" x2="49905" y2="8934"/>
-                        <a14:foregroundMark x1="49714" y1="41499" x2="49714" y2="41499"/>
-                        <a14:backgroundMark x1="13714" y1="87608" x2="23619" y2="90490"/>
-                        <a14:backgroundMark x1="23619" y1="90490" x2="52571" y2="85303"/>
-                        <a14:backgroundMark x1="52571" y1="85303" x2="62095" y2="87032"/>
-                        <a14:backgroundMark x1="62095" y1="87032" x2="71810" y2="85591"/>
-                        <a14:backgroundMark x1="71810" y1="85591" x2="81524" y2="88184"/>
-                        <a14:backgroundMark x1="81524" y1="88184" x2="72952" y2="96542"/>
-                        <a14:backgroundMark x1="72952" y1="96542" x2="20762" y2="99424"/>
-                        <a14:backgroundMark x1="20762" y1="99424" x2="13143" y2="90778"/>
-                        <a14:backgroundMark x1="13143" y1="90778" x2="13524" y2="88473"/>
-                        <a14:backgroundMark x1="27429" y1="81844" x2="27429" y2="82709"/>
-                        <a14:backgroundMark x1="28190" y1="84150" x2="28190" y2="84150"/>
-                        <a14:backgroundMark x1="31048" y1="85014" x2="31048" y2="85014"/>
-                        <a14:backgroundMark x1="30476" y1="85303" x2="30476" y2="85303"/>
-                        <a14:backgroundMark x1="30476" y1="85303" x2="30667" y2="85879"/>
-                        <a14:backgroundMark x1="30857" y1="85879" x2="31048" y2="85591"/>
-                        <a14:backgroundMark x1="31048" y1="85591" x2="30476" y2="85014"/>
-                        <a14:backgroundMark x1="30286" y1="85014" x2="30095" y2="85014"/>
-                        <a14:backgroundMark x1="30095" y1="85014" x2="30095" y2="85014"/>
-                        <a14:backgroundMark x1="30667" y1="84438" x2="30857" y2="84150"/>
-                        <a14:backgroundMark x1="30191" y1="83862" x2="29905" y2="83573"/>
-                        <a14:backgroundMark x1="30476" y1="84150" x2="30191" y2="83862"/>
-                        <a14:backgroundMark x1="29714" y1="83285" x2="29524" y2="83285"/>
-                        <a14:backgroundMark x1="29333" y1="82997" x2="29333" y2="82997"/>
-                        <a14:backgroundMark x1="29333" y1="82997" x2="28952" y2="83285"/>
-                        <a14:backgroundMark x1="28762" y1="83285" x2="28381" y2="83285"/>
-                        <a14:backgroundMark x1="28381" y1="83285" x2="28381" y2="83573"/>
-                        <a14:backgroundMark x1="28285" y1="83862" x2="28190" y2="84150"/>
-                        <a14:backgroundMark x1="28381" y1="83573" x2="28285" y2="83862"/>
-                        <a14:backgroundMark x1="27810" y1="84726" x2="27429" y2="85303"/>
-                        <a14:backgroundMark x1="27238" y1="85591" x2="27048" y2="86455"/>
-                        <a14:backgroundMark x1="27048" y1="86455" x2="26667" y2="86744"/>
-                        <a14:backgroundMark x1="26667" y1="87032" x2="26667" y2="87032"/>
-                        <a14:backgroundMark x1="27048" y1="86167" x2="27238" y2="85591"/>
-                        <a14:backgroundMark x1="27238" y1="85303" x2="27429" y2="84726"/>
-                        <a14:backgroundMark x1="27619" y1="84438" x2="27619" y2="84150"/>
-                        <a14:backgroundMark x1="27619" y1="83862" x2="27619" y2="83862"/>
-                        <a14:backgroundMark x1="27619" y1="83862" x2="27619" y2="83573"/>
-                        <a14:backgroundMark x1="27619" y1="83573" x2="27619" y2="83573"/>
-                        <a14:backgroundMark x1="27429" y1="83862" x2="27429" y2="84150"/>
-                        <a14:backgroundMark x1="27429" y1="83573" x2="27429" y2="83862"/>
-                        <a14:backgroundMark x1="27238" y1="84438" x2="27048" y2="85014"/>
-                        <a14:backgroundMark x1="26857" y1="85303" x2="26857" y2="85591"/>
-                        <a14:backgroundMark x1="26857" y1="85591" x2="26857" y2="85591"/>
-                        <a14:backgroundMark x1="27238" y1="84726" x2="27429" y2="83862"/>
-                        <a14:backgroundMark x1="27429" y1="83573" x2="27429" y2="83573"/>
-                        <a14:backgroundMark x1="27429" y1="83573" x2="27429" y2="83573"/>
-                        <a14:backgroundMark x1="27429" y1="83285" x2="27429" y2="83285"/>
-                        <a14:backgroundMark x1="27429" y1="83285" x2="27429" y2="83285"/>
-                        <a14:backgroundMark x1="27429" y1="82997" x2="27810" y2="82997"/>
-                        <a14:backgroundMark x1="28381" y1="82709" x2="28381" y2="82709"/>
-                        <a14:backgroundMark x1="28571" y1="82997" x2="28762" y2="83285"/>
-                        <a14:backgroundMark x1="28190" y1="83862" x2="28190" y2="83862"/>
-                        <a14:backgroundMark x1="28190" y1="83862" x2="28190" y2="83862"/>
-                        <a14:backgroundMark x1="28381" y1="83862" x2="28381" y2="83862"/>
-                        <a14:backgroundMark x1="28190" y1="83573" x2="28190" y2="83573"/>
-                        <a14:backgroundMark x1="28190" y1="83573" x2="27810" y2="83285"/>
-                        <a14:backgroundMark x1="27810" y1="83285" x2="27810" y2="83285"/>
-                        <a14:backgroundMark x1="27810" y1="83285" x2="27810" y2="83285"/>
-                        <a14:backgroundMark x1="28190" y1="83285" x2="29143" y2="83573"/>
-                        <a14:backgroundMark x1="27429" y1="82997" x2="27429" y2="82997"/>
-                        <a14:backgroundMark x1="27048" y1="83285" x2="27048" y2="83285"/>
-                        <a14:backgroundMark x1="27238" y1="82709" x2="27238" y2="82709"/>
-                        <a14:backgroundMark x1="27048" y1="83862" x2="27048" y2="84150"/>
-                        <a14:backgroundMark x1="26857" y1="84438" x2="26857" y2="84438"/>
-                        <a14:backgroundMark x1="26667" y1="84726" x2="26667" y2="84726"/>
-                        <a14:backgroundMark x1="26857" y1="83573" x2="27048" y2="83285"/>
-                        <a14:backgroundMark x1="27048" y1="82709" x2="27048" y2="82709"/>
-                      </a14:backgroundRemoval>
-                    </a14:imgEffect>
-                  </a14:imgLayer>
-                </a14:imgProps>
-              </a:ext>
-            </a:extLst>
-          </a:blip>
-          <a:stretch>
-            <a:fillRect/>
-          </a:stretch>
+        <p:blipFill rotWithShape="1">
+          <a:blip r:embed="rId4"/>
+          <a:srcRect b="12761"/>
+          <a:stretch/>
         </p:blipFill>
         <p:spPr>
           <a:xfrm>
-            <a:off x="2506944" y="2022480"/>
-            <a:ext cx="3957375" cy="2615636"/>
+            <a:off x="4067527" y="3074204"/>
+            <a:ext cx="4801016" cy="2885319"/>
           </a:xfrm>
           <a:prstGeom prst="rect">
             <a:avLst/>
           </a:prstGeom>
         </p:spPr>
       </p:pic>
-      <p:pic>
-        <p:nvPicPr>
-          <p:cNvPr id="11" name="그림 10">
+      <p:cxnSp>
+        <p:nvCxnSpPr>
+          <p:cNvPr id="23" name="직선 화살표 연결선 22">
             <a:extLst>
               <a:ext uri="{FF2B5EF4-FFF2-40B4-BE49-F238E27FC236}">
-                <a16:creationId xmlns:a16="http://schemas.microsoft.com/office/drawing/2014/main" id="{1B1EE547-A5F5-4254-BC6B-08588EB0041A}"/>
+                <a16:creationId xmlns:a16="http://schemas.microsoft.com/office/drawing/2014/main" id="{80F2DC90-5972-4708-A672-0A941D80FD56}"/>
               </a:ext>
             </a:extLst>
           </p:cNvPr>
-          <p:cNvPicPr>
-            <a:picLocks noChangeAspect="1"/>
-          </p:cNvPicPr>
+          <p:cNvCxnSpPr/>
           <p:nvPr/>
-        </p:nvPicPr>
-        <p:blipFill>
-          <a:blip r:embed="rId2">
+        </p:nvCxnSpPr>
+        <p:spPr>
+          <a:xfrm flipV="1">
+            <a:off x="6468035" y="3263090"/>
+            <a:ext cx="0" cy="1264086"/>
+          </a:xfrm>
+          <a:prstGeom prst="straightConnector1">
+            <a:avLst/>
+          </a:prstGeom>
+          <a:ln w="38100">
+            <a:solidFill>
+              <a:srgbClr val="FF0000"/>
+            </a:solidFill>
+            <a:tailEnd type="triangle"/>
+          </a:ln>
+        </p:spPr>
+        <p:style>
+          <a:lnRef idx="1">
+            <a:schemeClr val="accent1"/>
+          </a:lnRef>
+          <a:fillRef idx="0">
+            <a:schemeClr val="accent1"/>
+          </a:fillRef>
+          <a:effectRef idx="0">
+            <a:schemeClr val="accent1"/>
+          </a:effectRef>
+          <a:fontRef idx="minor">
+            <a:schemeClr val="tx1"/>
+          </a:fontRef>
+        </p:style>
+      </p:cxnSp>
+      <p:cxnSp>
+        <p:nvCxnSpPr>
+          <p:cNvPr id="24" name="직선 화살표 연결선 23">
             <a:extLst>
-              <a:ext uri="{BEBA8EAE-BF5A-486C-A8C5-ECC9F3942E4B}">
-                <a14:imgProps xmlns:a14="http://schemas.microsoft.com/office/drawing/2010/main">
-                  <a14:imgLayer r:embed="rId3">
-                    <a14:imgEffect>
-                      <a14:backgroundRemoval t="8934" b="93084" l="9905" r="89905">
-                        <a14:foregroundMark x1="13905" y1="77233" x2="17649" y2="84230"/>
-                        <a14:foregroundMark x1="24337" y1="81556" x2="26095" y2="78098"/>
-                        <a14:foregroundMark x1="23751" y1="82709" x2="24189" y2="81847"/>
-                        <a14:foregroundMark x1="22291" y1="85581" x2="23751" y2="82709"/>
-                        <a14:foregroundMark x1="26667" y1="82997" x2="26667" y2="83285"/>
-                        <a14:foregroundMark x1="27161" y1="82879" x2="27295" y2="82900"/>
-                        <a14:foregroundMark x1="26094" y1="82709" x2="27057" y2="82862"/>
-                        <a14:foregroundMark x1="24284" y1="82421" x2="26094" y2="82709"/>
-                        <a14:foregroundMark x1="38476" y1="73199" x2="38476" y2="73199"/>
-                        <a14:foregroundMark x1="75619" y1="81844" x2="75619" y2="81844"/>
-                        <a14:foregroundMark x1="78667" y1="82421" x2="78667" y2="82421"/>
-                        <a14:foregroundMark x1="79048" y1="82421" x2="79429" y2="82133"/>
-                        <a14:foregroundMark x1="80952" y1="81268" x2="81143" y2="81268"/>
-                        <a14:foregroundMark x1="81524" y1="80980" x2="81524" y2="80980"/>
-                        <a14:foregroundMark x1="72952" y1="83862" x2="72952" y2="84150"/>
-                        <a14:foregroundMark x1="72571" y1="84150" x2="72571" y2="84150"/>
-                        <a14:foregroundMark x1="72000" y1="82421" x2="72000" y2="82421"/>
-                        <a14:foregroundMark x1="71619" y1="81556" x2="71619" y2="81556"/>
-                        <a14:foregroundMark x1="71429" y1="80980" x2="71429" y2="80980"/>
-                        <a14:foregroundMark x1="26286" y1="83285" x2="26286" y2="83285"/>
-                        <a14:foregroundMark x1="26667" y1="82997" x2="26667" y2="82997"/>
-                        <a14:foregroundMark x1="27048" y1="81556" x2="27048" y2="81844"/>
-                        <a14:foregroundMark x1="26857" y1="82997" x2="26857" y2="82997"/>
-                        <a14:foregroundMark x1="26476" y1="83573" x2="26476" y2="83573"/>
-                        <a14:foregroundMark x1="26667" y1="83573" x2="26667" y2="83573"/>
-                        <a14:foregroundMark x1="26667" y1="82997" x2="26667" y2="82997"/>
-                        <a14:foregroundMark x1="26667" y1="83862" x2="26667" y2="83862"/>
-                        <a14:foregroundMark x1="49905" y1="8934" x2="49905" y2="8934"/>
-                        <a14:foregroundMark x1="49714" y1="41499" x2="49714" y2="41499"/>
-                        <a14:backgroundMark x1="13714" y1="87608" x2="23619" y2="90490"/>
-                        <a14:backgroundMark x1="23619" y1="90490" x2="52571" y2="85303"/>
-                        <a14:backgroundMark x1="52571" y1="85303" x2="62095" y2="87032"/>
-                        <a14:backgroundMark x1="62095" y1="87032" x2="71810" y2="85591"/>
-                        <a14:backgroundMark x1="71810" y1="85591" x2="81524" y2="88184"/>
-                        <a14:backgroundMark x1="81524" y1="88184" x2="72952" y2="96542"/>
-                        <a14:backgroundMark x1="72952" y1="96542" x2="20762" y2="99424"/>
-                        <a14:backgroundMark x1="20762" y1="99424" x2="13143" y2="90778"/>
-                        <a14:backgroundMark x1="13143" y1="90778" x2="13524" y2="88473"/>
-                        <a14:backgroundMark x1="27429" y1="81844" x2="27429" y2="82709"/>
-                        <a14:backgroundMark x1="28190" y1="84150" x2="28190" y2="84150"/>
-                        <a14:backgroundMark x1="31048" y1="85014" x2="31048" y2="85014"/>
-                        <a14:backgroundMark x1="30476" y1="85303" x2="30476" y2="85303"/>
-                        <a14:backgroundMark x1="30476" y1="85303" x2="30667" y2="85879"/>
-                        <a14:backgroundMark x1="30857" y1="85879" x2="31048" y2="85591"/>
-                        <a14:backgroundMark x1="31048" y1="85591" x2="30476" y2="85014"/>
-                        <a14:backgroundMark x1="30286" y1="85014" x2="30095" y2="85014"/>
-                        <a14:backgroundMark x1="30095" y1="85014" x2="30095" y2="85014"/>
-                        <a14:backgroundMark x1="30667" y1="84438" x2="30857" y2="84150"/>
-                        <a14:backgroundMark x1="30191" y1="83862" x2="29905" y2="83573"/>
-                        <a14:backgroundMark x1="30476" y1="84150" x2="30191" y2="83862"/>
-                        <a14:backgroundMark x1="29714" y1="83285" x2="29524" y2="83285"/>
-                        <a14:backgroundMark x1="29333" y1="82997" x2="29333" y2="82997"/>
-                        <a14:backgroundMark x1="29333" y1="82997" x2="28952" y2="83285"/>
-                        <a14:backgroundMark x1="28762" y1="83285" x2="28381" y2="83285"/>
-                        <a14:backgroundMark x1="28381" y1="83285" x2="28381" y2="83573"/>
-                        <a14:backgroundMark x1="28285" y1="83862" x2="28190" y2="84150"/>
-                        <a14:backgroundMark x1="28381" y1="83573" x2="28285" y2="83862"/>
-                        <a14:backgroundMark x1="27810" y1="84726" x2="27429" y2="85303"/>
-                        <a14:backgroundMark x1="27238" y1="85591" x2="27048" y2="86455"/>
-                        <a14:backgroundMark x1="27048" y1="86455" x2="26667" y2="86744"/>
-                        <a14:backgroundMark x1="26667" y1="87032" x2="26667" y2="87032"/>
-                        <a14:backgroundMark x1="27048" y1="86167" x2="27238" y2="85591"/>
-                        <a14:backgroundMark x1="27238" y1="85303" x2="27429" y2="84726"/>
-                        <a14:backgroundMark x1="27619" y1="84438" x2="27619" y2="84150"/>
-                        <a14:backgroundMark x1="27619" y1="83862" x2="27619" y2="83862"/>
-                        <a14:backgroundMark x1="27619" y1="83862" x2="27619" y2="83573"/>
-                        <a14:backgroundMark x1="27619" y1="83573" x2="27619" y2="83573"/>
-                        <a14:backgroundMark x1="27429" y1="83862" x2="27429" y2="84150"/>
-                        <a14:backgroundMark x1="27429" y1="83573" x2="27429" y2="83862"/>
-                        <a14:backgroundMark x1="27238" y1="84438" x2="27048" y2="85014"/>
-                        <a14:backgroundMark x1="26857" y1="85303" x2="26857" y2="85591"/>
-                        <a14:backgroundMark x1="26857" y1="85591" x2="26857" y2="85591"/>
-                        <a14:backgroundMark x1="27238" y1="84726" x2="27429" y2="83862"/>
-                        <a14:backgroundMark x1="27429" y1="83573" x2="27429" y2="83573"/>
-                        <a14:backgroundMark x1="27429" y1="83573" x2="27429" y2="83573"/>
-                        <a14:backgroundMark x1="27429" y1="83285" x2="27429" y2="83285"/>
-                        <a14:backgroundMark x1="27429" y1="83285" x2="27429" y2="83285"/>
-                        <a14:backgroundMark x1="27429" y1="82997" x2="27810" y2="82997"/>
-                        <a14:backgroundMark x1="28381" y1="82709" x2="28381" y2="82709"/>
-                        <a14:backgroundMark x1="28571" y1="82997" x2="28762" y2="83285"/>
-                        <a14:backgroundMark x1="28190" y1="83862" x2="28190" y2="83862"/>
-                        <a14:backgroundMark x1="28190" y1="83862" x2="28190" y2="83862"/>
-                        <a14:backgroundMark x1="28381" y1="83862" x2="28381" y2="83862"/>
-                        <a14:backgroundMark x1="28190" y1="83573" x2="28190" y2="83573"/>
-                        <a14:backgroundMark x1="28190" y1="83573" x2="27810" y2="83285"/>
-                        <a14:backgroundMark x1="27810" y1="83285" x2="27810" y2="83285"/>
-                        <a14:backgroundMark x1="27810" y1="83285" x2="27810" y2="83285"/>
-                        <a14:backgroundMark x1="28190" y1="83285" x2="29143" y2="83573"/>
-                        <a14:backgroundMark x1="27429" y1="82997" x2="27429" y2="82997"/>
-                        <a14:backgroundMark x1="27048" y1="83285" x2="27048" y2="83285"/>
-                        <a14:backgroundMark x1="27238" y1="82709" x2="27238" y2="82709"/>
-                        <a14:backgroundMark x1="27048" y1="83862" x2="27048" y2="84150"/>
-                        <a14:backgroundMark x1="26857" y1="84438" x2="26857" y2="84438"/>
-                        <a14:backgroundMark x1="26667" y1="84726" x2="26667" y2="84726"/>
-                        <a14:backgroundMark x1="26857" y1="83573" x2="27048" y2="83285"/>
-                        <a14:backgroundMark x1="27048" y1="82709" x2="27048" y2="82709"/>
-                      </a14:backgroundRemoval>
-                    </a14:imgEffect>
-                  </a14:imgLayer>
-                </a14:imgProps>
+              <a:ext uri="{FF2B5EF4-FFF2-40B4-BE49-F238E27FC236}">
+                <a16:creationId xmlns:a16="http://schemas.microsoft.com/office/drawing/2014/main" id="{DB48B308-D0F6-4092-B7A2-DF7C13376723}"/>
               </a:ext>
             </a:extLst>
-          </a:blip>
-          <a:stretch>
-            <a:fillRect/>
-          </a:stretch>
-        </p:blipFill>
+          </p:cNvPr>
+          <p:cNvCxnSpPr>
+            <a:cxnSpLocks/>
+          </p:cNvCxnSpPr>
+          <p:nvPr/>
+        </p:nvCxnSpPr>
         <p:spPr>
-          <a:xfrm rot="-120000">
-            <a:off x="2506944" y="2022480"/>
-            <a:ext cx="3957375" cy="2615636"/>
+          <a:xfrm flipH="1">
+            <a:off x="4709160" y="4509105"/>
+            <a:ext cx="1758875" cy="0"/>
+          </a:xfrm>
+          <a:prstGeom prst="straightConnector1">
+            <a:avLst/>
+          </a:prstGeom>
+          <a:ln w="38100">
+            <a:solidFill>
+              <a:srgbClr val="FF0000"/>
+            </a:solidFill>
+            <a:tailEnd type="triangle"/>
+          </a:ln>
+        </p:spPr>
+        <p:style>
+          <a:lnRef idx="1">
+            <a:schemeClr val="accent1"/>
+          </a:lnRef>
+          <a:fillRef idx="0">
+            <a:schemeClr val="accent1"/>
+          </a:fillRef>
+          <a:effectRef idx="0">
+            <a:schemeClr val="accent1"/>
+          </a:effectRef>
+          <a:fontRef idx="minor">
+            <a:schemeClr val="tx1"/>
+          </a:fontRef>
+        </p:style>
+      </p:cxnSp>
+      <p:sp>
+        <p:nvSpPr>
+          <p:cNvPr id="26" name="TextBox 25">
+            <a:extLst>
+              <a:ext uri="{FF2B5EF4-FFF2-40B4-BE49-F238E27FC236}">
+                <a16:creationId xmlns:a16="http://schemas.microsoft.com/office/drawing/2014/main" id="{48AAC745-EFAC-47E4-8B1E-2ED382171885}"/>
+              </a:ext>
+            </a:extLst>
+          </p:cNvPr>
+          <p:cNvSpPr txBox="1"/>
+          <p:nvPr/>
+        </p:nvSpPr>
+        <p:spPr>
+          <a:xfrm>
+            <a:off x="6546021" y="3139028"/>
+            <a:ext cx="1258678" cy="369332"/>
           </a:xfrm>
           <a:prstGeom prst="rect">
             <a:avLst/>
           </a:prstGeom>
+          <a:noFill/>
         </p:spPr>
-      </p:pic>
-      <p:pic>
-        <p:nvPicPr>
-          <p:cNvPr id="12" name="그림 11">
+        <p:txBody>
+          <a:bodyPr wrap="none" rtlCol="0">
+            <a:spAutoFit/>
+          </a:bodyPr>
+          <a:lstStyle/>
+          <a:p>
+            <a:r>
+              <a:rPr lang="en-US" altLang="ko-KR" dirty="0">
+                <a:solidFill>
+                  <a:schemeClr val="bg1"/>
+                </a:solidFill>
+              </a:rPr>
+              <a:t>Z </a:t>
+            </a:r>
+            <a:r>
+              <a:rPr lang="ko-KR" altLang="en-US" dirty="0">
+                <a:solidFill>
+                  <a:schemeClr val="bg1"/>
+                </a:solidFill>
+              </a:rPr>
+              <a:t>축 </a:t>
+            </a:r>
+            <a:r>
+              <a:rPr lang="en-US" altLang="ko-KR" dirty="0">
+                <a:solidFill>
+                  <a:schemeClr val="bg1"/>
+                </a:solidFill>
+              </a:rPr>
+              <a:t>+</a:t>
+            </a:r>
+            <a:r>
+              <a:rPr lang="ko-KR" altLang="en-US" dirty="0">
+                <a:solidFill>
+                  <a:schemeClr val="bg1"/>
+                </a:solidFill>
+              </a:rPr>
+              <a:t> 방향</a:t>
+            </a:r>
+          </a:p>
+        </p:txBody>
+      </p:sp>
+      <p:sp>
+        <p:nvSpPr>
+          <p:cNvPr id="27" name="TextBox 26">
             <a:extLst>
               <a:ext uri="{FF2B5EF4-FFF2-40B4-BE49-F238E27FC236}">
-                <a16:creationId xmlns:a16="http://schemas.microsoft.com/office/drawing/2014/main" id="{BA01DDAD-7D30-4DCF-9369-EECAD652E719}"/>
+                <a16:creationId xmlns:a16="http://schemas.microsoft.com/office/drawing/2014/main" id="{1AC98919-32FB-41A2-89D6-DB991AE8246A}"/>
               </a:ext>
             </a:extLst>
           </p:cNvPr>
-          <p:cNvPicPr>
-            <a:picLocks noChangeAspect="1"/>
-          </p:cNvPicPr>
+          <p:cNvSpPr txBox="1"/>
           <p:nvPr/>
-        </p:nvPicPr>
-        <p:blipFill>
-          <a:blip r:embed="rId2">
-            <a:extLst>
-              <a:ext uri="{BEBA8EAE-BF5A-486C-A8C5-ECC9F3942E4B}">
-                <a14:imgProps xmlns:a14="http://schemas.microsoft.com/office/drawing/2010/main">
-                  <a14:imgLayer r:embed="rId3">
-                    <a14:imgEffect>
-                      <a14:backgroundRemoval t="8934" b="93084" l="9905" r="89905">
-                        <a14:foregroundMark x1="13905" y1="77233" x2="17649" y2="84230"/>
-                        <a14:foregroundMark x1="24337" y1="81556" x2="26095" y2="78098"/>
-                        <a14:foregroundMark x1="23751" y1="82709" x2="24189" y2="81847"/>
-                        <a14:foregroundMark x1="22291" y1="85581" x2="23751" y2="82709"/>
-                        <a14:foregroundMark x1="26667" y1="82997" x2="26667" y2="83285"/>
-                        <a14:foregroundMark x1="27161" y1="82879" x2="27295" y2="82900"/>
-                        <a14:foregroundMark x1="26094" y1="82709" x2="27057" y2="82862"/>
-                        <a14:foregroundMark x1="24284" y1="82421" x2="26094" y2="82709"/>
-                        <a14:foregroundMark x1="38476" y1="73199" x2="38476" y2="73199"/>
-                        <a14:foregroundMark x1="75619" y1="81844" x2="75619" y2="81844"/>
-                        <a14:foregroundMark x1="78667" y1="82421" x2="78667" y2="82421"/>
-                        <a14:foregroundMark x1="79048" y1="82421" x2="79429" y2="82133"/>
-                        <a14:foregroundMark x1="80952" y1="81268" x2="81143" y2="81268"/>
-                        <a14:foregroundMark x1="81524" y1="80980" x2="81524" y2="80980"/>
-                        <a14:foregroundMark x1="72952" y1="83862" x2="72952" y2="84150"/>
-                        <a14:foregroundMark x1="72571" y1="84150" x2="72571" y2="84150"/>
-                        <a14:foregroundMark x1="72000" y1="82421" x2="72000" y2="82421"/>
-                        <a14:foregroundMark x1="71619" y1="81556" x2="71619" y2="81556"/>
-                        <a14:foregroundMark x1="71429" y1="80980" x2="71429" y2="80980"/>
-                        <a14:foregroundMark x1="26286" y1="83285" x2="26286" y2="83285"/>
-                        <a14:foregroundMark x1="26667" y1="82997" x2="26667" y2="82997"/>
-                        <a14:foregroundMark x1="27048" y1="81556" x2="27048" y2="81844"/>
-                        <a14:foregroundMark x1="26857" y1="82997" x2="26857" y2="82997"/>
-                        <a14:foregroundMark x1="26476" y1="83573" x2="26476" y2="83573"/>
-                        <a14:foregroundMark x1="26667" y1="83573" x2="26667" y2="83573"/>
-                        <a14:foregroundMark x1="26667" y1="82997" x2="26667" y2="82997"/>
-                        <a14:foregroundMark x1="26667" y1="83862" x2="26667" y2="83862"/>
-                        <a14:foregroundMark x1="49905" y1="8934" x2="49905" y2="8934"/>
-                        <a14:foregroundMark x1="49714" y1="41499" x2="49714" y2="41499"/>
-                        <a14:backgroundMark x1="13714" y1="87608" x2="23619" y2="90490"/>
-                        <a14:backgroundMark x1="23619" y1="90490" x2="52571" y2="85303"/>
-                        <a14:backgroundMark x1="52571" y1="85303" x2="62095" y2="87032"/>
-                        <a14:backgroundMark x1="62095" y1="87032" x2="71810" y2="85591"/>
-                        <a14:backgroundMark x1="71810" y1="85591" x2="81524" y2="88184"/>
-                        <a14:backgroundMark x1="81524" y1="88184" x2="72952" y2="96542"/>
-                        <a14:backgroundMark x1="72952" y1="96542" x2="20762" y2="99424"/>
-                        <a14:backgroundMark x1="20762" y1="99424" x2="13143" y2="90778"/>
-                        <a14:backgroundMark x1="13143" y1="90778" x2="13524" y2="88473"/>
-                        <a14:backgroundMark x1="27429" y1="81844" x2="27429" y2="82709"/>
-                        <a14:backgroundMark x1="28190" y1="84150" x2="28190" y2="84150"/>
-                        <a14:backgroundMark x1="31048" y1="85014" x2="31048" y2="85014"/>
-                        <a14:backgroundMark x1="30476" y1="85303" x2="30476" y2="85303"/>
-                        <a14:backgroundMark x1="30476" y1="85303" x2="30667" y2="85879"/>
-                        <a14:backgroundMark x1="30857" y1="85879" x2="31048" y2="85591"/>
-                        <a14:backgroundMark x1="31048" y1="85591" x2="30476" y2="85014"/>
-                        <a14:backgroundMark x1="30286" y1="85014" x2="30095" y2="85014"/>
-                        <a14:backgroundMark x1="30095" y1="85014" x2="30095" y2="85014"/>
-                        <a14:backgroundMark x1="30667" y1="84438" x2="30857" y2="84150"/>
-                        <a14:backgroundMark x1="30191" y1="83862" x2="29905" y2="83573"/>
-                        <a14:backgroundMark x1="30476" y1="84150" x2="30191" y2="83862"/>
-                        <a14:backgroundMark x1="29714" y1="83285" x2="29524" y2="83285"/>
-                        <a14:backgroundMark x1="29333" y1="82997" x2="29333" y2="82997"/>
-                        <a14:backgroundMark x1="29333" y1="82997" x2="28952" y2="83285"/>
-                        <a14:backgroundMark x1="28762" y1="83285" x2="28381" y2="83285"/>
-                        <a14:backgroundMark x1="28381" y1="83285" x2="28381" y2="83573"/>
-                        <a14:backgroundMark x1="28285" y1="83862" x2="28190" y2="84150"/>
-                        <a14:backgroundMark x1="28381" y1="83573" x2="28285" y2="83862"/>
-                        <a14:backgroundMark x1="27810" y1="84726" x2="27429" y2="85303"/>
-                        <a14:backgroundMark x1="27238" y1="85591" x2="27048" y2="86455"/>
-                        <a14:backgroundMark x1="27048" y1="86455" x2="26667" y2="86744"/>
-                        <a14:backgroundMark x1="26667" y1="87032" x2="26667" y2="87032"/>
-                        <a14:backgroundMark x1="27048" y1="86167" x2="27238" y2="85591"/>
-                        <a14:backgroundMark x1="27238" y1="85303" x2="27429" y2="84726"/>
-                        <a14:backgroundMark x1="27619" y1="84438" x2="27619" y2="84150"/>
-                        <a14:backgroundMark x1="27619" y1="83862" x2="27619" y2="83862"/>
-                        <a14:backgroundMark x1="27619" y1="83862" x2="27619" y2="83573"/>
-                        <a14:backgroundMark x1="27619" y1="83573" x2="27619" y2="83573"/>
-                        <a14:backgroundMark x1="27429" y1="83862" x2="27429" y2="84150"/>
-                        <a14:backgroundMark x1="27429" y1="83573" x2="27429" y2="83862"/>
-                        <a14:backgroundMark x1="27238" y1="84438" x2="27048" y2="85014"/>
-                        <a14:backgroundMark x1="26857" y1="85303" x2="26857" y2="85591"/>
-                        <a14:backgroundMark x1="26857" y1="85591" x2="26857" y2="85591"/>
-                        <a14:backgroundMark x1="27238" y1="84726" x2="27429" y2="83862"/>
-                        <a14:backgroundMark x1="27429" y1="83573" x2="27429" y2="83573"/>
-                        <a14:backgroundMark x1="27429" y1="83573" x2="27429" y2="83573"/>
-                        <a14:backgroundMark x1="27429" y1="83285" x2="27429" y2="83285"/>
-                        <a14:backgroundMark x1="27429" y1="83285" x2="27429" y2="83285"/>
-                        <a14:backgroundMark x1="27429" y1="82997" x2="27810" y2="82997"/>
-                        <a14:backgroundMark x1="28381" y1="82709" x2="28381" y2="82709"/>
-                        <a14:backgroundMark x1="28571" y1="82997" x2="28762" y2="83285"/>
-                        <a14:backgroundMark x1="28190" y1="83862" x2="28190" y2="83862"/>
-                        <a14:backgroundMark x1="28190" y1="83862" x2="28190" y2="83862"/>
-                        <a14:backgroundMark x1="28381" y1="83862" x2="28381" y2="83862"/>
-                        <a14:backgroundMark x1="28190" y1="83573" x2="28190" y2="83573"/>
-                        <a14:backgroundMark x1="28190" y1="83573" x2="27810" y2="83285"/>
-                        <a14:backgroundMark x1="27810" y1="83285" x2="27810" y2="83285"/>
-                        <a14:backgroundMark x1="27810" y1="83285" x2="27810" y2="83285"/>
-                        <a14:backgroundMark x1="28190" y1="83285" x2="29143" y2="83573"/>
-                        <a14:backgroundMark x1="27429" y1="82997" x2="27429" y2="82997"/>
-                        <a14:backgroundMark x1="27048" y1="83285" x2="27048" y2="83285"/>
-                        <a14:backgroundMark x1="27238" y1="82709" x2="27238" y2="82709"/>
-                        <a14:backgroundMark x1="27048" y1="83862" x2="27048" y2="84150"/>
-                        <a14:backgroundMark x1="26857" y1="84438" x2="26857" y2="84438"/>
-                        <a14:backgroundMark x1="26667" y1="84726" x2="26667" y2="84726"/>
-                        <a14:backgroundMark x1="26857" y1="83573" x2="27048" y2="83285"/>
-                        <a14:backgroundMark x1="27048" y1="82709" x2="27048" y2="82709"/>
-                      </a14:backgroundRemoval>
-                    </a14:imgEffect>
-                  </a14:imgLayer>
-                </a14:imgProps>
-              </a:ext>
-            </a:extLst>
-          </a:blip>
-          <a:stretch>
-            <a:fillRect/>
-          </a:stretch>
-        </p:blipFill>
+        </p:nvSpPr>
         <p:spPr>
-          <a:xfrm rot="-240000">
-            <a:off x="2506944" y="2022480"/>
-            <a:ext cx="3957375" cy="2615636"/>
+          <a:xfrm>
+            <a:off x="4697382" y="4680316"/>
+            <a:ext cx="1263487" cy="369332"/>
           </a:xfrm>
           <a:prstGeom prst="rect">
             <a:avLst/>
           </a:prstGeom>
+          <a:noFill/>
         </p:spPr>
-      </p:pic>
-      <p:pic>
-        <p:nvPicPr>
-          <p:cNvPr id="13" name="그림 12">
-            <a:extLst>
-              <a:ext uri="{FF2B5EF4-FFF2-40B4-BE49-F238E27FC236}">
-                <a16:creationId xmlns:a16="http://schemas.microsoft.com/office/drawing/2014/main" id="{826825EA-5EAB-486A-97F3-04AF284B7DD6}"/>
-              </a:ext>
-            </a:extLst>
-          </p:cNvPr>
-          <p:cNvPicPr>
-            <a:picLocks noChangeAspect="1"/>
-          </p:cNvPicPr>
-          <p:nvPr/>
-        </p:nvPicPr>
-        <p:blipFill>
-          <a:blip r:embed="rId2">
-            <a:extLst>
-              <a:ext uri="{BEBA8EAE-BF5A-486C-A8C5-ECC9F3942E4B}">
-                <a14:imgProps xmlns:a14="http://schemas.microsoft.com/office/drawing/2010/main">
-                  <a14:imgLayer r:embed="rId3">
-                    <a14:imgEffect>
-                      <a14:backgroundRemoval t="8934" b="93084" l="9905" r="89905">
-                        <a14:foregroundMark x1="13905" y1="77233" x2="17649" y2="84230"/>
-                        <a14:foregroundMark x1="24337" y1="81556" x2="26095" y2="78098"/>
-                        <a14:foregroundMark x1="23751" y1="82709" x2="24189" y2="81847"/>
-                        <a14:foregroundMark x1="22291" y1="85581" x2="23751" y2="82709"/>
-                        <a14:foregroundMark x1="26667" y1="82997" x2="26667" y2="83285"/>
-                        <a14:foregroundMark x1="27161" y1="82879" x2="27295" y2="82900"/>
-                        <a14:foregroundMark x1="26094" y1="82709" x2="27057" y2="82862"/>
-                        <a14:foregroundMark x1="24284" y1="82421" x2="26094" y2="82709"/>
-                        <a14:foregroundMark x1="38476" y1="73199" x2="38476" y2="73199"/>
-                        <a14:foregroundMark x1="75619" y1="81844" x2="75619" y2="81844"/>
-                        <a14:foregroundMark x1="78667" y1="82421" x2="78667" y2="82421"/>
-                        <a14:foregroundMark x1="79048" y1="82421" x2="79429" y2="82133"/>
-                        <a14:foregroundMark x1="80952" y1="81268" x2="81143" y2="81268"/>
-                        <a14:foregroundMark x1="81524" y1="80980" x2="81524" y2="80980"/>
-                        <a14:foregroundMark x1="72952" y1="83862" x2="72952" y2="84150"/>
-                        <a14:foregroundMark x1="72571" y1="84150" x2="72571" y2="84150"/>
-                        <a14:foregroundMark x1="72000" y1="82421" x2="72000" y2="82421"/>
-                        <a14:foregroundMark x1="71619" y1="81556" x2="71619" y2="81556"/>
-                        <a14:foregroundMark x1="71429" y1="80980" x2="71429" y2="80980"/>
-                        <a14:foregroundMark x1="26286" y1="83285" x2="26286" y2="83285"/>
-                        <a14:foregroundMark x1="26667" y1="82997" x2="26667" y2="82997"/>
-                        <a14:foregroundMark x1="27048" y1="81556" x2="27048" y2="81844"/>
-                        <a14:foregroundMark x1="26857" y1="82997" x2="26857" y2="82997"/>
-                        <a14:foregroundMark x1="26476" y1="83573" x2="26476" y2="83573"/>
-                        <a14:foregroundMark x1="26667" y1="83573" x2="26667" y2="83573"/>
-                        <a14:foregroundMark x1="26667" y1="82997" x2="26667" y2="82997"/>
-                        <a14:foregroundMark x1="26667" y1="83862" x2="26667" y2="83862"/>
-                        <a14:foregroundMark x1="49905" y1="8934" x2="49905" y2="8934"/>
-                        <a14:foregroundMark x1="49714" y1="41499" x2="49714" y2="41499"/>
-                        <a14:backgroundMark x1="13714" y1="87608" x2="23619" y2="90490"/>
-                        <a14:backgroundMark x1="23619" y1="90490" x2="52571" y2="85303"/>
-                        <a14:backgroundMark x1="52571" y1="85303" x2="62095" y2="87032"/>
-                        <a14:backgroundMark x1="62095" y1="87032" x2="71810" y2="85591"/>
-                        <a14:backgroundMark x1="71810" y1="85591" x2="81524" y2="88184"/>
-                        <a14:backgroundMark x1="81524" y1="88184" x2="72952" y2="96542"/>
-                        <a14:backgroundMark x1="72952" y1="96542" x2="20762" y2="99424"/>
-                        <a14:backgroundMark x1="20762" y1="99424" x2="13143" y2="90778"/>
-                        <a14:backgroundMark x1="13143" y1="90778" x2="13524" y2="88473"/>
-                        <a14:backgroundMark x1="27429" y1="81844" x2="27429" y2="82709"/>
-                        <a14:backgroundMark x1="28190" y1="84150" x2="28190" y2="84150"/>
-                        <a14:backgroundMark x1="31048" y1="85014" x2="31048" y2="85014"/>
-                        <a14:backgroundMark x1="30476" y1="85303" x2="30476" y2="85303"/>
-                        <a14:backgroundMark x1="30476" y1="85303" x2="30667" y2="85879"/>
-                        <a14:backgroundMark x1="30857" y1="85879" x2="31048" y2="85591"/>
-                        <a14:backgroundMark x1="31048" y1="85591" x2="30476" y2="85014"/>
-                        <a14:backgroundMark x1="30286" y1="85014" x2="30095" y2="85014"/>
-                        <a14:backgroundMark x1="30095" y1="85014" x2="30095" y2="85014"/>
-                        <a14:backgroundMark x1="30667" y1="84438" x2="30857" y2="84150"/>
-                        <a14:backgroundMark x1="30191" y1="83862" x2="29905" y2="83573"/>
-                        <a14:backgroundMark x1="30476" y1="84150" x2="30191" y2="83862"/>
-                        <a14:backgroundMark x1="29714" y1="83285" x2="29524" y2="83285"/>
-                        <a14:backgroundMark x1="29333" y1="82997" x2="29333" y2="82997"/>
-                        <a14:backgroundMark x1="29333" y1="82997" x2="28952" y2="83285"/>
-                        <a14:backgroundMark x1="28762" y1="83285" x2="28381" y2="83285"/>
-                        <a14:backgroundMark x1="28381" y1="83285" x2="28381" y2="83573"/>
-                        <a14:backgroundMark x1="28285" y1="83862" x2="28190" y2="84150"/>
-                        <a14:backgroundMark x1="28381" y1="83573" x2="28285" y2="83862"/>
-                        <a14:backgroundMark x1="27810" y1="84726" x2="27429" y2="85303"/>
-                        <a14:backgroundMark x1="27238" y1="85591" x2="27048" y2="86455"/>
-                        <a14:backgroundMark x1="27048" y1="86455" x2="26667" y2="86744"/>
-                        <a14:backgroundMark x1="26667" y1="87032" x2="26667" y2="87032"/>
-                        <a14:backgroundMark x1="27048" y1="86167" x2="27238" y2="85591"/>
-                        <a14:backgroundMark x1="27238" y1="85303" x2="27429" y2="84726"/>
-                        <a14:backgroundMark x1="27619" y1="84438" x2="27619" y2="84150"/>
-                        <a14:backgroundMark x1="27619" y1="83862" x2="27619" y2="83862"/>
-                        <a14:backgroundMark x1="27619" y1="83862" x2="27619" y2="83573"/>
-                        <a14:backgroundMark x1="27619" y1="83573" x2="27619" y2="83573"/>
-                        <a14:backgroundMark x1="27429" y1="83862" x2="27429" y2="84150"/>
-                        <a14:backgroundMark x1="27429" y1="83573" x2="27429" y2="83862"/>
-                        <a14:backgroundMark x1="27238" y1="84438" x2="27048" y2="85014"/>
-                        <a14:backgroundMark x1="26857" y1="85303" x2="26857" y2="85591"/>
-                        <a14:backgroundMark x1="26857" y1="85591" x2="26857" y2="85591"/>
-                        <a14:backgroundMark x1="27238" y1="84726" x2="27429" y2="83862"/>
-                        <a14:backgroundMark x1="27429" y1="83573" x2="27429" y2="83573"/>
-                        <a14:backgroundMark x1="27429" y1="83573" x2="27429" y2="83573"/>
-                        <a14:backgroundMark x1="27429" y1="83285" x2="27429" y2="83285"/>
-                        <a14:backgroundMark x1="27429" y1="83285" x2="27429" y2="83285"/>
-                        <a14:backgroundMark x1="27429" y1="82997" x2="27810" y2="82997"/>
-                        <a14:backgroundMark x1="28381" y1="82709" x2="28381" y2="82709"/>
-                        <a14:backgroundMark x1="28571" y1="82997" x2="28762" y2="83285"/>
-                        <a14:backgroundMark x1="28190" y1="83862" x2="28190" y2="83862"/>
-                        <a14:backgroundMark x1="28190" y1="83862" x2="28190" y2="83862"/>
-                        <a14:backgroundMark x1="28381" y1="83862" x2="28381" y2="83862"/>
-                        <a14:backgroundMark x1="28190" y1="83573" x2="28190" y2="83573"/>
-                        <a14:backgroundMark x1="28190" y1="83573" x2="27810" y2="83285"/>
-                        <a14:backgroundMark x1="27810" y1="83285" x2="27810" y2="83285"/>
-                        <a14:backgroundMark x1="27810" y1="83285" x2="27810" y2="83285"/>
-                        <a14:backgroundMark x1="28190" y1="83285" x2="29143" y2="83573"/>
-                        <a14:backgroundMark x1="27429" y1="82997" x2="27429" y2="82997"/>
-                        <a14:backgroundMark x1="27048" y1="83285" x2="27048" y2="83285"/>
-                        <a14:backgroundMark x1="27238" y1="82709" x2="27238" y2="82709"/>
-                        <a14:backgroundMark x1="27048" y1="83862" x2="27048" y2="84150"/>
-                        <a14:backgroundMark x1="26857" y1="84438" x2="26857" y2="84438"/>
-                        <a14:backgroundMark x1="26667" y1="84726" x2="26667" y2="84726"/>
-                        <a14:backgroundMark x1="26857" y1="83573" x2="27048" y2="83285"/>
-                        <a14:backgroundMark x1="27048" y1="82709" x2="27048" y2="82709"/>
-                      </a14:backgroundRemoval>
-                    </a14:imgEffect>
-                  </a14:imgLayer>
-                </a14:imgProps>
-              </a:ext>
-            </a:extLst>
-          </a:blip>
-          <a:stretch>
-            <a:fillRect/>
-          </a:stretch>
-        </p:blipFill>
-        <p:spPr>
-          <a:xfrm rot="-360000">
-            <a:off x="2506944" y="2022480"/>
-            <a:ext cx="3957375" cy="2615636"/>
-          </a:xfrm>
-          <a:prstGeom prst="rect">
-            <a:avLst/>
-          </a:prstGeom>
-        </p:spPr>
-      </p:pic>
-      <p:pic>
-        <p:nvPicPr>
-          <p:cNvPr id="14" name="그림 13">
-            <a:extLst>
-              <a:ext uri="{FF2B5EF4-FFF2-40B4-BE49-F238E27FC236}">
-                <a16:creationId xmlns:a16="http://schemas.microsoft.com/office/drawing/2014/main" id="{4113EA0A-62FB-4FB7-A6C7-EDBF43C15085}"/>
-              </a:ext>
-            </a:extLst>
-          </p:cNvPr>
-          <p:cNvPicPr>
-            <a:picLocks noChangeAspect="1"/>
-          </p:cNvPicPr>
-          <p:nvPr/>
-        </p:nvPicPr>
-        <p:blipFill>
-          <a:blip r:embed="rId2">
-            <a:extLst>
-              <a:ext uri="{BEBA8EAE-BF5A-486C-A8C5-ECC9F3942E4B}">
-                <a14:imgProps xmlns:a14="http://schemas.microsoft.com/office/drawing/2010/main">
-                  <a14:imgLayer r:embed="rId3">
-                    <a14:imgEffect>
-                      <a14:backgroundRemoval t="8934" b="93084" l="9905" r="89905">
-                        <a14:foregroundMark x1="13905" y1="77233" x2="17649" y2="84230"/>
-                        <a14:foregroundMark x1="24337" y1="81556" x2="26095" y2="78098"/>
-                        <a14:foregroundMark x1="23751" y1="82709" x2="24189" y2="81847"/>
-                        <a14:foregroundMark x1="22291" y1="85581" x2="23751" y2="82709"/>
-                        <a14:foregroundMark x1="26667" y1="82997" x2="26667" y2="83285"/>
-                        <a14:foregroundMark x1="27161" y1="82879" x2="27295" y2="82900"/>
-                        <a14:foregroundMark x1="26094" y1="82709" x2="27057" y2="82862"/>
-                        <a14:foregroundMark x1="24284" y1="82421" x2="26094" y2="82709"/>
-                        <a14:foregroundMark x1="38476" y1="73199" x2="38476" y2="73199"/>
-                        <a14:foregroundMark x1="75619" y1="81844" x2="75619" y2="81844"/>
-                        <a14:foregroundMark x1="78667" y1="82421" x2="78667" y2="82421"/>
-                        <a14:foregroundMark x1="79048" y1="82421" x2="79429" y2="82133"/>
-                        <a14:foregroundMark x1="80952" y1="81268" x2="81143" y2="81268"/>
-                        <a14:foregroundMark x1="81524" y1="80980" x2="81524" y2="80980"/>
-                        <a14:foregroundMark x1="72952" y1="83862" x2="72952" y2="84150"/>
-                        <a14:foregroundMark x1="72571" y1="84150" x2="72571" y2="84150"/>
-                        <a14:foregroundMark x1="72000" y1="82421" x2="72000" y2="82421"/>
-                        <a14:foregroundMark x1="71619" y1="81556" x2="71619" y2="81556"/>
-                        <a14:foregroundMark x1="71429" y1="80980" x2="71429" y2="80980"/>
-                        <a14:foregroundMark x1="26286" y1="83285" x2="26286" y2="83285"/>
-                        <a14:foregroundMark x1="26667" y1="82997" x2="26667" y2="82997"/>
-                        <a14:foregroundMark x1="27048" y1="81556" x2="27048" y2="81844"/>
-                        <a14:foregroundMark x1="26857" y1="82997" x2="26857" y2="82997"/>
-                        <a14:foregroundMark x1="26476" y1="83573" x2="26476" y2="83573"/>
-                        <a14:foregroundMark x1="26667" y1="83573" x2="26667" y2="83573"/>
-                        <a14:foregroundMark x1="26667" y1="82997" x2="26667" y2="82997"/>
-                        <a14:foregroundMark x1="26667" y1="83862" x2="26667" y2="83862"/>
-                        <a14:foregroundMark x1="49905" y1="8934" x2="49905" y2="8934"/>
-                        <a14:foregroundMark x1="49714" y1="41499" x2="49714" y2="41499"/>
-                        <a14:backgroundMark x1="13714" y1="87608" x2="23619" y2="90490"/>
-                        <a14:backgroundMark x1="23619" y1="90490" x2="52571" y2="85303"/>
-                        <a14:backgroundMark x1="52571" y1="85303" x2="62095" y2="87032"/>
-                        <a14:backgroundMark x1="62095" y1="87032" x2="71810" y2="85591"/>
-                        <a14:backgroundMark x1="71810" y1="85591" x2="81524" y2="88184"/>
-                        <a14:backgroundMark x1="81524" y1="88184" x2="72952" y2="96542"/>
-                        <a14:backgroundMark x1="72952" y1="96542" x2="20762" y2="99424"/>
-                        <a14:backgroundMark x1="20762" y1="99424" x2="13143" y2="90778"/>
-                        <a14:backgroundMark x1="13143" y1="90778" x2="13524" y2="88473"/>
-                        <a14:backgroundMark x1="27429" y1="81844" x2="27429" y2="82709"/>
-                        <a14:backgroundMark x1="28190" y1="84150" x2="28190" y2="84150"/>
-                        <a14:backgroundMark x1="31048" y1="85014" x2="31048" y2="85014"/>
-                        <a14:backgroundMark x1="30476" y1="85303" x2="30476" y2="85303"/>
-                        <a14:backgroundMark x1="30476" y1="85303" x2="30667" y2="85879"/>
-                        <a14:backgroundMark x1="30857" y1="85879" x2="31048" y2="85591"/>
-                        <a14:backgroundMark x1="31048" y1="85591" x2="30476" y2="85014"/>
-                        <a14:backgroundMark x1="30286" y1="85014" x2="30095" y2="85014"/>
-                        <a14:backgroundMark x1="30095" y1="85014" x2="30095" y2="85014"/>
-                        <a14:backgroundMark x1="30667" y1="84438" x2="30857" y2="84150"/>
-                        <a14:backgroundMark x1="30191" y1="83862" x2="29905" y2="83573"/>
-                        <a14:backgroundMark x1="30476" y1="84150" x2="30191" y2="83862"/>
-                        <a14:backgroundMark x1="29714" y1="83285" x2="29524" y2="83285"/>
-                        <a14:backgroundMark x1="29333" y1="82997" x2="29333" y2="82997"/>
-                        <a14:backgroundMark x1="29333" y1="82997" x2="28952" y2="83285"/>
-                        <a14:backgroundMark x1="28762" y1="83285" x2="28381" y2="83285"/>
-                        <a14:backgroundMark x1="28381" y1="83285" x2="28381" y2="83573"/>
-                        <a14:backgroundMark x1="28285" y1="83862" x2="28190" y2="84150"/>
-                        <a14:backgroundMark x1="28381" y1="83573" x2="28285" y2="83862"/>
-                        <a14:backgroundMark x1="27810" y1="84726" x2="27429" y2="85303"/>
-                        <a14:backgroundMark x1="27238" y1="85591" x2="27048" y2="86455"/>
-                        <a14:backgroundMark x1="27048" y1="86455" x2="26667" y2="86744"/>
-                        <a14:backgroundMark x1="26667" y1="87032" x2="26667" y2="87032"/>
-                        <a14:backgroundMark x1="27048" y1="86167" x2="27238" y2="85591"/>
-                        <a14:backgroundMark x1="27238" y1="85303" x2="27429" y2="84726"/>
-                        <a14:backgroundMark x1="27619" y1="84438" x2="27619" y2="84150"/>
-                        <a14:backgroundMark x1="27619" y1="83862" x2="27619" y2="83862"/>
-                        <a14:backgroundMark x1="27619" y1="83862" x2="27619" y2="83573"/>
-                        <a14:backgroundMark x1="27619" y1="83573" x2="27619" y2="83573"/>
-                        <a14:backgroundMark x1="27429" y1="83862" x2="27429" y2="84150"/>
-                        <a14:backgroundMark x1="27429" y1="83573" x2="27429" y2="83862"/>
-                        <a14:backgroundMark x1="27238" y1="84438" x2="27048" y2="85014"/>
-                        <a14:backgroundMark x1="26857" y1="85303" x2="26857" y2="85591"/>
-                        <a14:backgroundMark x1="26857" y1="85591" x2="26857" y2="85591"/>
-                        <a14:backgroundMark x1="27238" y1="84726" x2="27429" y2="83862"/>
-                        <a14:backgroundMark x1="27429" y1="83573" x2="27429" y2="83573"/>
-                        <a14:backgroundMark x1="27429" y1="83573" x2="27429" y2="83573"/>
-                        <a14:backgroundMark x1="27429" y1="83285" x2="27429" y2="83285"/>
-                        <a14:backgroundMark x1="27429" y1="83285" x2="27429" y2="83285"/>
-                        <a14:backgroundMark x1="27429" y1="82997" x2="27810" y2="82997"/>
-                        <a14:backgroundMark x1="28381" y1="82709" x2="28381" y2="82709"/>
-                        <a14:backgroundMark x1="28571" y1="82997" x2="28762" y2="83285"/>
-                        <a14:backgroundMark x1="28190" y1="83862" x2="28190" y2="83862"/>
-                        <a14:backgroundMark x1="28190" y1="83862" x2="28190" y2="83862"/>
-                        <a14:backgroundMark x1="28381" y1="83862" x2="28381" y2="83862"/>
-                        <a14:backgroundMark x1="28190" y1="83573" x2="28190" y2="83573"/>
-                        <a14:backgroundMark x1="28190" y1="83573" x2="27810" y2="83285"/>
-                        <a14:backgroundMark x1="27810" y1="83285" x2="27810" y2="83285"/>
-                        <a14:backgroundMark x1="27810" y1="83285" x2="27810" y2="83285"/>
-                        <a14:backgroundMark x1="28190" y1="83285" x2="29143" y2="83573"/>
-                        <a14:backgroundMark x1="27429" y1="82997" x2="27429" y2="82997"/>
-                        <a14:backgroundMark x1="27048" y1="83285" x2="27048" y2="83285"/>
-                        <a14:backgroundMark x1="27238" y1="82709" x2="27238" y2="82709"/>
-                        <a14:backgroundMark x1="27048" y1="83862" x2="27048" y2="84150"/>
-                        <a14:backgroundMark x1="26857" y1="84438" x2="26857" y2="84438"/>
-                        <a14:backgroundMark x1="26667" y1="84726" x2="26667" y2="84726"/>
-                        <a14:backgroundMark x1="26857" y1="83573" x2="27048" y2="83285"/>
-                        <a14:backgroundMark x1="27048" y1="82709" x2="27048" y2="82709"/>
-                      </a14:backgroundRemoval>
-                    </a14:imgEffect>
-                  </a14:imgLayer>
-                </a14:imgProps>
-              </a:ext>
-            </a:extLst>
-          </a:blip>
-          <a:stretch>
-            <a:fillRect/>
-          </a:stretch>
-        </p:blipFill>
-        <p:spPr>
-          <a:xfrm rot="-480000">
-            <a:off x="2506944" y="2022480"/>
-            <a:ext cx="3957375" cy="2615636"/>
-          </a:xfrm>
-          <a:prstGeom prst="rect">
-            <a:avLst/>
-          </a:prstGeom>
-        </p:spPr>
-      </p:pic>
-      <p:pic>
-        <p:nvPicPr>
-          <p:cNvPr id="15" name="그림 14">
-            <a:extLst>
-              <a:ext uri="{FF2B5EF4-FFF2-40B4-BE49-F238E27FC236}">
-                <a16:creationId xmlns:a16="http://schemas.microsoft.com/office/drawing/2014/main" id="{412B2FDD-5DFF-4989-9907-232728CCD8C1}"/>
-              </a:ext>
-            </a:extLst>
-          </p:cNvPr>
-          <p:cNvPicPr>
-            <a:picLocks noChangeAspect="1"/>
-          </p:cNvPicPr>
-          <p:nvPr/>
-        </p:nvPicPr>
-        <p:blipFill>
-          <a:blip r:embed="rId2">
-            <a:extLst>
-              <a:ext uri="{BEBA8EAE-BF5A-486C-A8C5-ECC9F3942E4B}">
-                <a14:imgProps xmlns:a14="http://schemas.microsoft.com/office/drawing/2010/main">
-                  <a14:imgLayer r:embed="rId3">
-                    <a14:imgEffect>
-                      <a14:backgroundRemoval t="8934" b="93084" l="9905" r="89905">
-                        <a14:foregroundMark x1="13905" y1="77233" x2="17649" y2="84230"/>
-                        <a14:foregroundMark x1="24337" y1="81556" x2="26095" y2="78098"/>
-                        <a14:foregroundMark x1="23751" y1="82709" x2="24189" y2="81847"/>
-                        <a14:foregroundMark x1="22291" y1="85581" x2="23751" y2="82709"/>
-                        <a14:foregroundMark x1="26667" y1="82997" x2="26667" y2="83285"/>
-                        <a14:foregroundMark x1="27161" y1="82879" x2="27295" y2="82900"/>
-                        <a14:foregroundMark x1="26094" y1="82709" x2="27057" y2="82862"/>
-                        <a14:foregroundMark x1="24284" y1="82421" x2="26094" y2="82709"/>
-                        <a14:foregroundMark x1="38476" y1="73199" x2="38476" y2="73199"/>
-                        <a14:foregroundMark x1="75619" y1="81844" x2="75619" y2="81844"/>
-                        <a14:foregroundMark x1="78667" y1="82421" x2="78667" y2="82421"/>
-                        <a14:foregroundMark x1="79048" y1="82421" x2="79429" y2="82133"/>
-                        <a14:foregroundMark x1="80952" y1="81268" x2="81143" y2="81268"/>
-                        <a14:foregroundMark x1="81524" y1="80980" x2="81524" y2="80980"/>
-                        <a14:foregroundMark x1="72952" y1="83862" x2="72952" y2="84150"/>
-                        <a14:foregroundMark x1="72571" y1="84150" x2="72571" y2="84150"/>
-                        <a14:foregroundMark x1="72000" y1="82421" x2="72000" y2="82421"/>
-                        <a14:foregroundMark x1="71619" y1="81556" x2="71619" y2="81556"/>
-                        <a14:foregroundMark x1="71429" y1="80980" x2="71429" y2="80980"/>
-                        <a14:foregroundMark x1="26286" y1="83285" x2="26286" y2="83285"/>
-                        <a14:foregroundMark x1="26667" y1="82997" x2="26667" y2="82997"/>
-                        <a14:foregroundMark x1="27048" y1="81556" x2="27048" y2="81844"/>
-                        <a14:foregroundMark x1="26857" y1="82997" x2="26857" y2="82997"/>
-                        <a14:foregroundMark x1="26476" y1="83573" x2="26476" y2="83573"/>
-                        <a14:foregroundMark x1="26667" y1="83573" x2="26667" y2="83573"/>
-                        <a14:foregroundMark x1="26667" y1="82997" x2="26667" y2="82997"/>
-                        <a14:foregroundMark x1="26667" y1="83862" x2="26667" y2="83862"/>
-                        <a14:foregroundMark x1="49905" y1="8934" x2="49905" y2="8934"/>
-                        <a14:foregroundMark x1="49714" y1="41499" x2="49714" y2="41499"/>
-                        <a14:backgroundMark x1="13714" y1="87608" x2="23619" y2="90490"/>
-                        <a14:backgroundMark x1="23619" y1="90490" x2="52571" y2="85303"/>
-                        <a14:backgroundMark x1="52571" y1="85303" x2="62095" y2="87032"/>
-                        <a14:backgroundMark x1="62095" y1="87032" x2="71810" y2="85591"/>
-                        <a14:backgroundMark x1="71810" y1="85591" x2="81524" y2="88184"/>
-                        <a14:backgroundMark x1="81524" y1="88184" x2="72952" y2="96542"/>
-                        <a14:backgroundMark x1="72952" y1="96542" x2="20762" y2="99424"/>
-                        <a14:backgroundMark x1="20762" y1="99424" x2="13143" y2="90778"/>
-                        <a14:backgroundMark x1="13143" y1="90778" x2="13524" y2="88473"/>
-                        <a14:backgroundMark x1="27429" y1="81844" x2="27429" y2="82709"/>
-                        <a14:backgroundMark x1="28190" y1="84150" x2="28190" y2="84150"/>
-                        <a14:backgroundMark x1="31048" y1="85014" x2="31048" y2="85014"/>
-                        <a14:backgroundMark x1="30476" y1="85303" x2="30476" y2="85303"/>
-                        <a14:backgroundMark x1="30476" y1="85303" x2="30667" y2="85879"/>
-                        <a14:backgroundMark x1="30857" y1="85879" x2="31048" y2="85591"/>
-                        <a14:backgroundMark x1="31048" y1="85591" x2="30476" y2="85014"/>
-                        <a14:backgroundMark x1="30286" y1="85014" x2="30095" y2="85014"/>
-                        <a14:backgroundMark x1="30095" y1="85014" x2="30095" y2="85014"/>
-                        <a14:backgroundMark x1="30667" y1="84438" x2="30857" y2="84150"/>
-                        <a14:backgroundMark x1="30191" y1="83862" x2="29905" y2="83573"/>
-                        <a14:backgroundMark x1="30476" y1="84150" x2="30191" y2="83862"/>
-                        <a14:backgroundMark x1="29714" y1="83285" x2="29524" y2="83285"/>
-                        <a14:backgroundMark x1="29333" y1="82997" x2="29333" y2="82997"/>
-                        <a14:backgroundMark x1="29333" y1="82997" x2="28952" y2="83285"/>
-                        <a14:backgroundMark x1="28762" y1="83285" x2="28381" y2="83285"/>
-                        <a14:backgroundMark x1="28381" y1="83285" x2="28381" y2="83573"/>
-                        <a14:backgroundMark x1="28285" y1="83862" x2="28190" y2="84150"/>
-                        <a14:backgroundMark x1="28381" y1="83573" x2="28285" y2="83862"/>
-                        <a14:backgroundMark x1="27810" y1="84726" x2="27429" y2="85303"/>
-                        <a14:backgroundMark x1="27238" y1="85591" x2="27048" y2="86455"/>
-                        <a14:backgroundMark x1="27048" y1="86455" x2="26667" y2="86744"/>
-                        <a14:backgroundMark x1="26667" y1="87032" x2="26667" y2="87032"/>
-                        <a14:backgroundMark x1="27048" y1="86167" x2="27238" y2="85591"/>
-                        <a14:backgroundMark x1="27238" y1="85303" x2="27429" y2="84726"/>
-                        <a14:backgroundMark x1="27619" y1="84438" x2="27619" y2="84150"/>
-                        <a14:backgroundMark x1="27619" y1="83862" x2="27619" y2="83862"/>
-                        <a14:backgroundMark x1="27619" y1="83862" x2="27619" y2="83573"/>
-                        <a14:backgroundMark x1="27619" y1="83573" x2="27619" y2="83573"/>
-                        <a14:backgroundMark x1="27429" y1="83862" x2="27429" y2="84150"/>
-                        <a14:backgroundMark x1="27429" y1="83573" x2="27429" y2="83862"/>
-                        <a14:backgroundMark x1="27238" y1="84438" x2="27048" y2="85014"/>
-                        <a14:backgroundMark x1="26857" y1="85303" x2="26857" y2="85591"/>
-                        <a14:backgroundMark x1="26857" y1="85591" x2="26857" y2="85591"/>
-                        <a14:backgroundMark x1="27238" y1="84726" x2="27429" y2="83862"/>
-                        <a14:backgroundMark x1="27429" y1="83573" x2="27429" y2="83573"/>
-                        <a14:backgroundMark x1="27429" y1="83573" x2="27429" y2="83573"/>
-                        <a14:backgroundMark x1="27429" y1="83285" x2="27429" y2="83285"/>
-                        <a14:backgroundMark x1="27429" y1="83285" x2="27429" y2="83285"/>
-                        <a14:backgroundMark x1="27429" y1="82997" x2="27810" y2="82997"/>
-                        <a14:backgroundMark x1="28381" y1="82709" x2="28381" y2="82709"/>
-                        <a14:backgroundMark x1="28571" y1="82997" x2="28762" y2="83285"/>
-                        <a14:backgroundMark x1="28190" y1="83862" x2="28190" y2="83862"/>
-                        <a14:backgroundMark x1="28190" y1="83862" x2="28190" y2="83862"/>
-                        <a14:backgroundMark x1="28381" y1="83862" x2="28381" y2="83862"/>
-                        <a14:backgroundMark x1="28190" y1="83573" x2="28190" y2="83573"/>
-                        <a14:backgroundMark x1="28190" y1="83573" x2="27810" y2="83285"/>
-                        <a14:backgroundMark x1="27810" y1="83285" x2="27810" y2="83285"/>
-                        <a14:backgroundMark x1="27810" y1="83285" x2="27810" y2="83285"/>
-                        <a14:backgroundMark x1="28190" y1="83285" x2="29143" y2="83573"/>
-                        <a14:backgroundMark x1="27429" y1="82997" x2="27429" y2="82997"/>
-                        <a14:backgroundMark x1="27048" y1="83285" x2="27048" y2="83285"/>
-                        <a14:backgroundMark x1="27238" y1="82709" x2="27238" y2="82709"/>
-                        <a14:backgroundMark x1="27048" y1="83862" x2="27048" y2="84150"/>
-                        <a14:backgroundMark x1="26857" y1="84438" x2="26857" y2="84438"/>
-                        <a14:backgroundMark x1="26667" y1="84726" x2="26667" y2="84726"/>
-                        <a14:backgroundMark x1="26857" y1="83573" x2="27048" y2="83285"/>
-                        <a14:backgroundMark x1="27048" y1="82709" x2="27048" y2="82709"/>
-                      </a14:backgroundRemoval>
-                    </a14:imgEffect>
-                  </a14:imgLayer>
-                </a14:imgProps>
-              </a:ext>
-            </a:extLst>
-          </a:blip>
-          <a:stretch>
-            <a:fillRect/>
-          </a:stretch>
-        </p:blipFill>
-        <p:spPr>
-          <a:xfrm rot="-600000">
-            <a:off x="2506944" y="2022480"/>
-            <a:ext cx="3957375" cy="2615636"/>
-          </a:xfrm>
-          <a:prstGeom prst="rect">
-            <a:avLst/>
-          </a:prstGeom>
-        </p:spPr>
-      </p:pic>
-      <p:pic>
-        <p:nvPicPr>
-          <p:cNvPr id="16" name="그림 15">
-            <a:extLst>
-              <a:ext uri="{FF2B5EF4-FFF2-40B4-BE49-F238E27FC236}">
-                <a16:creationId xmlns:a16="http://schemas.microsoft.com/office/drawing/2014/main" id="{1D815FA2-D1A8-4DD2-8C6A-8F6732E8A570}"/>
-              </a:ext>
-            </a:extLst>
-          </p:cNvPr>
-          <p:cNvPicPr>
-            <a:picLocks noChangeAspect="1"/>
-          </p:cNvPicPr>
-          <p:nvPr/>
-        </p:nvPicPr>
-        <p:blipFill>
-          <a:blip r:embed="rId2">
-            <a:extLst>
-              <a:ext uri="{BEBA8EAE-BF5A-486C-A8C5-ECC9F3942E4B}">
-                <a14:imgProps xmlns:a14="http://schemas.microsoft.com/office/drawing/2010/main">
-                  <a14:imgLayer r:embed="rId3">
-                    <a14:imgEffect>
-                      <a14:backgroundRemoval t="8934" b="93084" l="9905" r="89905">
-                        <a14:foregroundMark x1="13905" y1="77233" x2="17649" y2="84230"/>
-                        <a14:foregroundMark x1="24337" y1="81556" x2="26095" y2="78098"/>
-                        <a14:foregroundMark x1="23751" y1="82709" x2="24189" y2="81847"/>
-                        <a14:foregroundMark x1="22291" y1="85581" x2="23751" y2="82709"/>
-                        <a14:foregroundMark x1="26667" y1="82997" x2="26667" y2="83285"/>
-                        <a14:foregroundMark x1="27161" y1="82879" x2="27295" y2="82900"/>
-                        <a14:foregroundMark x1="26094" y1="82709" x2="27057" y2="82862"/>
-                        <a14:foregroundMark x1="24284" y1="82421" x2="26094" y2="82709"/>
-                        <a14:foregroundMark x1="38476" y1="73199" x2="38476" y2="73199"/>
-                        <a14:foregroundMark x1="75619" y1="81844" x2="75619" y2="81844"/>
-                        <a14:foregroundMark x1="78667" y1="82421" x2="78667" y2="82421"/>
-                        <a14:foregroundMark x1="79048" y1="82421" x2="79429" y2="82133"/>
-                        <a14:foregroundMark x1="80952" y1="81268" x2="81143" y2="81268"/>
-                        <a14:foregroundMark x1="81524" y1="80980" x2="81524" y2="80980"/>
-                        <a14:foregroundMark x1="72952" y1="83862" x2="72952" y2="84150"/>
-                        <a14:foregroundMark x1="72571" y1="84150" x2="72571" y2="84150"/>
-                        <a14:foregroundMark x1="72000" y1="82421" x2="72000" y2="82421"/>
-                        <a14:foregroundMark x1="71619" y1="81556" x2="71619" y2="81556"/>
-                        <a14:foregroundMark x1="71429" y1="80980" x2="71429" y2="80980"/>
-                        <a14:foregroundMark x1="26286" y1="83285" x2="26286" y2="83285"/>
-                        <a14:foregroundMark x1="26667" y1="82997" x2="26667" y2="82997"/>
-                        <a14:foregroundMark x1="27048" y1="81556" x2="27048" y2="81844"/>
-                        <a14:foregroundMark x1="26857" y1="82997" x2="26857" y2="82997"/>
-                        <a14:foregroundMark x1="26476" y1="83573" x2="26476" y2="83573"/>
-                        <a14:foregroundMark x1="26667" y1="83573" x2="26667" y2="83573"/>
-                        <a14:foregroundMark x1="26667" y1="82997" x2="26667" y2="82997"/>
-                        <a14:foregroundMark x1="26667" y1="83862" x2="26667" y2="83862"/>
-                        <a14:foregroundMark x1="49905" y1="8934" x2="49905" y2="8934"/>
-                        <a14:foregroundMark x1="49714" y1="41499" x2="49714" y2="41499"/>
-                        <a14:backgroundMark x1="13714" y1="87608" x2="23619" y2="90490"/>
-                        <a14:backgroundMark x1="23619" y1="90490" x2="52571" y2="85303"/>
-                        <a14:backgroundMark x1="52571" y1="85303" x2="62095" y2="87032"/>
-                        <a14:backgroundMark x1="62095" y1="87032" x2="71810" y2="85591"/>
-                        <a14:backgroundMark x1="71810" y1="85591" x2="81524" y2="88184"/>
-                        <a14:backgroundMark x1="81524" y1="88184" x2="72952" y2="96542"/>
-                        <a14:backgroundMark x1="72952" y1="96542" x2="20762" y2="99424"/>
-                        <a14:backgroundMark x1="20762" y1="99424" x2="13143" y2="90778"/>
-                        <a14:backgroundMark x1="13143" y1="90778" x2="13524" y2="88473"/>
-                        <a14:backgroundMark x1="27429" y1="81844" x2="27429" y2="82709"/>
-                        <a14:backgroundMark x1="28190" y1="84150" x2="28190" y2="84150"/>
-                        <a14:backgroundMark x1="31048" y1="85014" x2="31048" y2="85014"/>
-                        <a14:backgroundMark x1="30476" y1="85303" x2="30476" y2="85303"/>
-                        <a14:backgroundMark x1="30476" y1="85303" x2="30667" y2="85879"/>
-                        <a14:backgroundMark x1="30857" y1="85879" x2="31048" y2="85591"/>
-                        <a14:backgroundMark x1="31048" y1="85591" x2="30476" y2="85014"/>
-                        <a14:backgroundMark x1="30286" y1="85014" x2="30095" y2="85014"/>
-                        <a14:backgroundMark x1="30095" y1="85014" x2="30095" y2="85014"/>
-                        <a14:backgroundMark x1="30667" y1="84438" x2="30857" y2="84150"/>
-                        <a14:backgroundMark x1="30191" y1="83862" x2="29905" y2="83573"/>
-                        <a14:backgroundMark x1="30476" y1="84150" x2="30191" y2="83862"/>
-                        <a14:backgroundMark x1="29714" y1="83285" x2="29524" y2="83285"/>
-                        <a14:backgroundMark x1="29333" y1="82997" x2="29333" y2="82997"/>
-                        <a14:backgroundMark x1="29333" y1="82997" x2="28952" y2="83285"/>
-                        <a14:backgroundMark x1="28762" y1="83285" x2="28381" y2="83285"/>
-                        <a14:backgroundMark x1="28381" y1="83285" x2="28381" y2="83573"/>
-                        <a14:backgroundMark x1="28285" y1="83862" x2="28190" y2="84150"/>
-                        <a14:backgroundMark x1="28381" y1="83573" x2="28285" y2="83862"/>
-                        <a14:backgroundMark x1="27810" y1="84726" x2="27429" y2="85303"/>
-                        <a14:backgroundMark x1="27238" y1="85591" x2="27048" y2="86455"/>
-                        <a14:backgroundMark x1="27048" y1="86455" x2="26667" y2="86744"/>
-                        <a14:backgroundMark x1="26667" y1="87032" x2="26667" y2="87032"/>
-                        <a14:backgroundMark x1="27048" y1="86167" x2="27238" y2="85591"/>
-                        <a14:backgroundMark x1="27238" y1="85303" x2="27429" y2="84726"/>
-                        <a14:backgroundMark x1="27619" y1="84438" x2="27619" y2="84150"/>
-                        <a14:backgroundMark x1="27619" y1="83862" x2="27619" y2="83862"/>
-                        <a14:backgroundMark x1="27619" y1="83862" x2="27619" y2="83573"/>
-                        <a14:backgroundMark x1="27619" y1="83573" x2="27619" y2="83573"/>
-                        <a14:backgroundMark x1="27429" y1="83862" x2="27429" y2="84150"/>
-                        <a14:backgroundMark x1="27429" y1="83573" x2="27429" y2="83862"/>
-                        <a14:backgroundMark x1="27238" y1="84438" x2="27048" y2="85014"/>
-                        <a14:backgroundMark x1="26857" y1="85303" x2="26857" y2="85591"/>
-                        <a14:backgroundMark x1="26857" y1="85591" x2="26857" y2="85591"/>
-                        <a14:backgroundMark x1="27238" y1="84726" x2="27429" y2="83862"/>
-                        <a14:backgroundMark x1="27429" y1="83573" x2="27429" y2="83573"/>
-                        <a14:backgroundMark x1="27429" y1="83573" x2="27429" y2="83573"/>
-                        <a14:backgroundMark x1="27429" y1="83285" x2="27429" y2="83285"/>
-                        <a14:backgroundMark x1="27429" y1="83285" x2="27429" y2="83285"/>
-                        <a14:backgroundMark x1="27429" y1="82997" x2="27810" y2="82997"/>
-                        <a14:backgroundMark x1="28381" y1="82709" x2="28381" y2="82709"/>
-                        <a14:backgroundMark x1="28571" y1="82997" x2="28762" y2="83285"/>
-                        <a14:backgroundMark x1="28190" y1="83862" x2="28190" y2="83862"/>
-                        <a14:backgroundMark x1="28190" y1="83862" x2="28190" y2="83862"/>
-                        <a14:backgroundMark x1="28381" y1="83862" x2="28381" y2="83862"/>
-                        <a14:backgroundMark x1="28190" y1="83573" x2="28190" y2="83573"/>
-                        <a14:backgroundMark x1="28190" y1="83573" x2="27810" y2="83285"/>
-                        <a14:backgroundMark x1="27810" y1="83285" x2="27810" y2="83285"/>
-                        <a14:backgroundMark x1="27810" y1="83285" x2="27810" y2="83285"/>
-                        <a14:backgroundMark x1="28190" y1="83285" x2="29143" y2="83573"/>
-                        <a14:backgroundMark x1="27429" y1="82997" x2="27429" y2="82997"/>
-                        <a14:backgroundMark x1="27048" y1="83285" x2="27048" y2="83285"/>
-                        <a14:backgroundMark x1="27238" y1="82709" x2="27238" y2="82709"/>
-                        <a14:backgroundMark x1="27048" y1="83862" x2="27048" y2="84150"/>
-                        <a14:backgroundMark x1="26857" y1="84438" x2="26857" y2="84438"/>
-                        <a14:backgroundMark x1="26667" y1="84726" x2="26667" y2="84726"/>
-                        <a14:backgroundMark x1="26857" y1="83573" x2="27048" y2="83285"/>
-                        <a14:backgroundMark x1="27048" y1="82709" x2="27048" y2="82709"/>
-                      </a14:backgroundRemoval>
-                    </a14:imgEffect>
-                  </a14:imgLayer>
-                </a14:imgProps>
-              </a:ext>
-            </a:extLst>
-          </a:blip>
-          <a:stretch>
-            <a:fillRect/>
-          </a:stretch>
-        </p:blipFill>
-        <p:spPr>
-          <a:xfrm rot="-480000">
-            <a:off x="2506944" y="2022480"/>
-            <a:ext cx="3957375" cy="2615636"/>
-          </a:xfrm>
-          <a:prstGeom prst="rect">
-            <a:avLst/>
-          </a:prstGeom>
-        </p:spPr>
-      </p:pic>
-      <p:pic>
-        <p:nvPicPr>
-          <p:cNvPr id="17" name="그림 16">
-            <a:extLst>
-              <a:ext uri="{FF2B5EF4-FFF2-40B4-BE49-F238E27FC236}">
-                <a16:creationId xmlns:a16="http://schemas.microsoft.com/office/drawing/2014/main" id="{F4BFACE7-2C9F-4C64-86C5-089371A43E04}"/>
-              </a:ext>
-            </a:extLst>
-          </p:cNvPr>
-          <p:cNvPicPr>
-            <a:picLocks noChangeAspect="1"/>
-          </p:cNvPicPr>
-          <p:nvPr/>
-        </p:nvPicPr>
-        <p:blipFill>
-          <a:blip r:embed="rId2">
-            <a:extLst>
-              <a:ext uri="{BEBA8EAE-BF5A-486C-A8C5-ECC9F3942E4B}">
-                <a14:imgProps xmlns:a14="http://schemas.microsoft.com/office/drawing/2010/main">
-                  <a14:imgLayer r:embed="rId3">
-                    <a14:imgEffect>
-                      <a14:backgroundRemoval t="8934" b="93084" l="9905" r="89905">
-                        <a14:foregroundMark x1="13905" y1="77233" x2="17649" y2="84230"/>
-                        <a14:foregroundMark x1="24337" y1="81556" x2="26095" y2="78098"/>
-                        <a14:foregroundMark x1="23751" y1="82709" x2="24189" y2="81847"/>
-                        <a14:foregroundMark x1="22291" y1="85581" x2="23751" y2="82709"/>
-                        <a14:foregroundMark x1="26667" y1="82997" x2="26667" y2="83285"/>
-                        <a14:foregroundMark x1="27161" y1="82879" x2="27295" y2="82900"/>
-                        <a14:foregroundMark x1="26094" y1="82709" x2="27057" y2="82862"/>
-                        <a14:foregroundMark x1="24284" y1="82421" x2="26094" y2="82709"/>
-                        <a14:foregroundMark x1="38476" y1="73199" x2="38476" y2="73199"/>
-                        <a14:foregroundMark x1="75619" y1="81844" x2="75619" y2="81844"/>
-                        <a14:foregroundMark x1="78667" y1="82421" x2="78667" y2="82421"/>
-                        <a14:foregroundMark x1="79048" y1="82421" x2="79429" y2="82133"/>
-                        <a14:foregroundMark x1="80952" y1="81268" x2="81143" y2="81268"/>
-                        <a14:foregroundMark x1="81524" y1="80980" x2="81524" y2="80980"/>
-                        <a14:foregroundMark x1="72952" y1="83862" x2="72952" y2="84150"/>
-                        <a14:foregroundMark x1="72571" y1="84150" x2="72571" y2="84150"/>
-                        <a14:foregroundMark x1="72000" y1="82421" x2="72000" y2="82421"/>
-                        <a14:foregroundMark x1="71619" y1="81556" x2="71619" y2="81556"/>
-                        <a14:foregroundMark x1="71429" y1="80980" x2="71429" y2="80980"/>
-                        <a14:foregroundMark x1="26286" y1="83285" x2="26286" y2="83285"/>
-                        <a14:foregroundMark x1="26667" y1="82997" x2="26667" y2="82997"/>
-                        <a14:foregroundMark x1="27048" y1="81556" x2="27048" y2="81844"/>
-                        <a14:foregroundMark x1="26857" y1="82997" x2="26857" y2="82997"/>
-                        <a14:foregroundMark x1="26476" y1="83573" x2="26476" y2="83573"/>
-                        <a14:foregroundMark x1="26667" y1="83573" x2="26667" y2="83573"/>
-                        <a14:foregroundMark x1="26667" y1="82997" x2="26667" y2="82997"/>
-                        <a14:foregroundMark x1="26667" y1="83862" x2="26667" y2="83862"/>
-                        <a14:foregroundMark x1="49905" y1="8934" x2="49905" y2="8934"/>
-                        <a14:foregroundMark x1="49714" y1="41499" x2="49714" y2="41499"/>
-                        <a14:backgroundMark x1="13714" y1="87608" x2="23619" y2="90490"/>
-                        <a14:backgroundMark x1="23619" y1="90490" x2="52571" y2="85303"/>
-                        <a14:backgroundMark x1="52571" y1="85303" x2="62095" y2="87032"/>
-                        <a14:backgroundMark x1="62095" y1="87032" x2="71810" y2="85591"/>
-                        <a14:backgroundMark x1="71810" y1="85591" x2="81524" y2="88184"/>
-                        <a14:backgroundMark x1="81524" y1="88184" x2="72952" y2="96542"/>
-                        <a14:backgroundMark x1="72952" y1="96542" x2="20762" y2="99424"/>
-                        <a14:backgroundMark x1="20762" y1="99424" x2="13143" y2="90778"/>
-                        <a14:backgroundMark x1="13143" y1="90778" x2="13524" y2="88473"/>
-                        <a14:backgroundMark x1="27429" y1="81844" x2="27429" y2="82709"/>
-                        <a14:backgroundMark x1="28190" y1="84150" x2="28190" y2="84150"/>
-                        <a14:backgroundMark x1="31048" y1="85014" x2="31048" y2="85014"/>
-                        <a14:backgroundMark x1="30476" y1="85303" x2="30476" y2="85303"/>
-                        <a14:backgroundMark x1="30476" y1="85303" x2="30667" y2="85879"/>
-                        <a14:backgroundMark x1="30857" y1="85879" x2="31048" y2="85591"/>
-                        <a14:backgroundMark x1="31048" y1="85591" x2="30476" y2="85014"/>
-                        <a14:backgroundMark x1="30286" y1="85014" x2="30095" y2="85014"/>
-                        <a14:backgroundMark x1="30095" y1="85014" x2="30095" y2="85014"/>
-                        <a14:backgroundMark x1="30667" y1="84438" x2="30857" y2="84150"/>
-                        <a14:backgroundMark x1="30191" y1="83862" x2="29905" y2="83573"/>
-                        <a14:backgroundMark x1="30476" y1="84150" x2="30191" y2="83862"/>
-                        <a14:backgroundMark x1="29714" y1="83285" x2="29524" y2="83285"/>
-                        <a14:backgroundMark x1="29333" y1="82997" x2="29333" y2="82997"/>
-                        <a14:backgroundMark x1="29333" y1="82997" x2="28952" y2="83285"/>
-                        <a14:backgroundMark x1="28762" y1="83285" x2="28381" y2="83285"/>
-                        <a14:backgroundMark x1="28381" y1="83285" x2="28381" y2="83573"/>
-                        <a14:backgroundMark x1="28285" y1="83862" x2="28190" y2="84150"/>
-                        <a14:backgroundMark x1="28381" y1="83573" x2="28285" y2="83862"/>
-                        <a14:backgroundMark x1="27810" y1="84726" x2="27429" y2="85303"/>
-                        <a14:backgroundMark x1="27238" y1="85591" x2="27048" y2="86455"/>
-                        <a14:backgroundMark x1="27048" y1="86455" x2="26667" y2="86744"/>
-                        <a14:backgroundMark x1="26667" y1="87032" x2="26667" y2="87032"/>
-                        <a14:backgroundMark x1="27048" y1="86167" x2="27238" y2="85591"/>
-                        <a14:backgroundMark x1="27238" y1="85303" x2="27429" y2="84726"/>
-                        <a14:backgroundMark x1="27619" y1="84438" x2="27619" y2="84150"/>
-                        <a14:backgroundMark x1="27619" y1="83862" x2="27619" y2="83862"/>
-                        <a14:backgroundMark x1="27619" y1="83862" x2="27619" y2="83573"/>
-                        <a14:backgroundMark x1="27619" y1="83573" x2="27619" y2="83573"/>
-                        <a14:backgroundMark x1="27429" y1="83862" x2="27429" y2="84150"/>
-                        <a14:backgroundMark x1="27429" y1="83573" x2="27429" y2="83862"/>
-                        <a14:backgroundMark x1="27238" y1="84438" x2="27048" y2="85014"/>
-                        <a14:backgroundMark x1="26857" y1="85303" x2="26857" y2="85591"/>
-                        <a14:backgroundMark x1="26857" y1="85591" x2="26857" y2="85591"/>
-                        <a14:backgroundMark x1="27238" y1="84726" x2="27429" y2="83862"/>
-                        <a14:backgroundMark x1="27429" y1="83573" x2="27429" y2="83573"/>
-                        <a14:backgroundMark x1="27429" y1="83573" x2="27429" y2="83573"/>
-                        <a14:backgroundMark x1="27429" y1="83285" x2="27429" y2="83285"/>
-                        <a14:backgroundMark x1="27429" y1="83285" x2="27429" y2="83285"/>
-                        <a14:backgroundMark x1="27429" y1="82997" x2="27810" y2="82997"/>
-                        <a14:backgroundMark x1="28381" y1="82709" x2="28381" y2="82709"/>
-                        <a14:backgroundMark x1="28571" y1="82997" x2="28762" y2="83285"/>
-                        <a14:backgroundMark x1="28190" y1="83862" x2="28190" y2="83862"/>
-                        <a14:backgroundMark x1="28190" y1="83862" x2="28190" y2="83862"/>
-                        <a14:backgroundMark x1="28381" y1="83862" x2="28381" y2="83862"/>
-                        <a14:backgroundMark x1="28190" y1="83573" x2="28190" y2="83573"/>
-                        <a14:backgroundMark x1="28190" y1="83573" x2="27810" y2="83285"/>
-                        <a14:backgroundMark x1="27810" y1="83285" x2="27810" y2="83285"/>
-                        <a14:backgroundMark x1="27810" y1="83285" x2="27810" y2="83285"/>
-                        <a14:backgroundMark x1="28190" y1="83285" x2="29143" y2="83573"/>
-                        <a14:backgroundMark x1="27429" y1="82997" x2="27429" y2="82997"/>
-                        <a14:backgroundMark x1="27048" y1="83285" x2="27048" y2="83285"/>
-                        <a14:backgroundMark x1="27238" y1="82709" x2="27238" y2="82709"/>
-                        <a14:backgroundMark x1="27048" y1="83862" x2="27048" y2="84150"/>
-                        <a14:backgroundMark x1="26857" y1="84438" x2="26857" y2="84438"/>
-                        <a14:backgroundMark x1="26667" y1="84726" x2="26667" y2="84726"/>
-                        <a14:backgroundMark x1="26857" y1="83573" x2="27048" y2="83285"/>
-                        <a14:backgroundMark x1="27048" y1="82709" x2="27048" y2="82709"/>
-                      </a14:backgroundRemoval>
-                    </a14:imgEffect>
-                  </a14:imgLayer>
-                </a14:imgProps>
-              </a:ext>
-            </a:extLst>
-          </a:blip>
-          <a:stretch>
-            <a:fillRect/>
-          </a:stretch>
-        </p:blipFill>
-        <p:spPr>
-          <a:xfrm rot="-360000">
-            <a:off x="2506944" y="2022480"/>
-            <a:ext cx="3957375" cy="2615636"/>
-          </a:xfrm>
-          <a:prstGeom prst="rect">
-            <a:avLst/>
-          </a:prstGeom>
-        </p:spPr>
-      </p:pic>
-      <p:pic>
-        <p:nvPicPr>
-          <p:cNvPr id="18" name="그림 17">
-            <a:extLst>
-              <a:ext uri="{FF2B5EF4-FFF2-40B4-BE49-F238E27FC236}">
-                <a16:creationId xmlns:a16="http://schemas.microsoft.com/office/drawing/2014/main" id="{662EB363-F9A7-4B63-B5ED-337670DE73B2}"/>
-              </a:ext>
-            </a:extLst>
-          </p:cNvPr>
-          <p:cNvPicPr>
-            <a:picLocks noChangeAspect="1"/>
-          </p:cNvPicPr>
-          <p:nvPr/>
-        </p:nvPicPr>
-        <p:blipFill>
-          <a:blip r:embed="rId2">
-            <a:extLst>
-              <a:ext uri="{BEBA8EAE-BF5A-486C-A8C5-ECC9F3942E4B}">
-                <a14:imgProps xmlns:a14="http://schemas.microsoft.com/office/drawing/2010/main">
-                  <a14:imgLayer r:embed="rId3">
-                    <a14:imgEffect>
-                      <a14:backgroundRemoval t="8934" b="93084" l="9905" r="89905">
-                        <a14:foregroundMark x1="13905" y1="77233" x2="17649" y2="84230"/>
-                        <a14:foregroundMark x1="24337" y1="81556" x2="26095" y2="78098"/>
-                        <a14:foregroundMark x1="23751" y1="82709" x2="24189" y2="81847"/>
-                        <a14:foregroundMark x1="22291" y1="85581" x2="23751" y2="82709"/>
-                        <a14:foregroundMark x1="26667" y1="82997" x2="26667" y2="83285"/>
-                        <a14:foregroundMark x1="27161" y1="82879" x2="27295" y2="82900"/>
-                        <a14:foregroundMark x1="26094" y1="82709" x2="27057" y2="82862"/>
-                        <a14:foregroundMark x1="24284" y1="82421" x2="26094" y2="82709"/>
-                        <a14:foregroundMark x1="38476" y1="73199" x2="38476" y2="73199"/>
-                        <a14:foregroundMark x1="75619" y1="81844" x2="75619" y2="81844"/>
-                        <a14:foregroundMark x1="78667" y1="82421" x2="78667" y2="82421"/>
-                        <a14:foregroundMark x1="79048" y1="82421" x2="79429" y2="82133"/>
-                        <a14:foregroundMark x1="80952" y1="81268" x2="81143" y2="81268"/>
-                        <a14:foregroundMark x1="81524" y1="80980" x2="81524" y2="80980"/>
-                        <a14:foregroundMark x1="72952" y1="83862" x2="72952" y2="84150"/>
-                        <a14:foregroundMark x1="72571" y1="84150" x2="72571" y2="84150"/>
-                        <a14:foregroundMark x1="72000" y1="82421" x2="72000" y2="82421"/>
-                        <a14:foregroundMark x1="71619" y1="81556" x2="71619" y2="81556"/>
-                        <a14:foregroundMark x1="71429" y1="80980" x2="71429" y2="80980"/>
-                        <a14:foregroundMark x1="26286" y1="83285" x2="26286" y2="83285"/>
-                        <a14:foregroundMark x1="26667" y1="82997" x2="26667" y2="82997"/>
-                        <a14:foregroundMark x1="27048" y1="81556" x2="27048" y2="81844"/>
-                        <a14:foregroundMark x1="26857" y1="82997" x2="26857" y2="82997"/>
-                        <a14:foregroundMark x1="26476" y1="83573" x2="26476" y2="83573"/>
-                        <a14:foregroundMark x1="26667" y1="83573" x2="26667" y2="83573"/>
-                        <a14:foregroundMark x1="26667" y1="82997" x2="26667" y2="82997"/>
-                        <a14:foregroundMark x1="26667" y1="83862" x2="26667" y2="83862"/>
-                        <a14:foregroundMark x1="49905" y1="8934" x2="49905" y2="8934"/>
-                        <a14:foregroundMark x1="49714" y1="41499" x2="49714" y2="41499"/>
-                        <a14:backgroundMark x1="13714" y1="87608" x2="23619" y2="90490"/>
-                        <a14:backgroundMark x1="23619" y1="90490" x2="52571" y2="85303"/>
-                        <a14:backgroundMark x1="52571" y1="85303" x2="62095" y2="87032"/>
-                        <a14:backgroundMark x1="62095" y1="87032" x2="71810" y2="85591"/>
-                        <a14:backgroundMark x1="71810" y1="85591" x2="81524" y2="88184"/>
-                        <a14:backgroundMark x1="81524" y1="88184" x2="72952" y2="96542"/>
-                        <a14:backgroundMark x1="72952" y1="96542" x2="20762" y2="99424"/>
-                        <a14:backgroundMark x1="20762" y1="99424" x2="13143" y2="90778"/>
-                        <a14:backgroundMark x1="13143" y1="90778" x2="13524" y2="88473"/>
-                        <a14:backgroundMark x1="27429" y1="81844" x2="27429" y2="82709"/>
-                        <a14:backgroundMark x1="28190" y1="84150" x2="28190" y2="84150"/>
-                        <a14:backgroundMark x1="31048" y1="85014" x2="31048" y2="85014"/>
-                        <a14:backgroundMark x1="30476" y1="85303" x2="30476" y2="85303"/>
-                        <a14:backgroundMark x1="30476" y1="85303" x2="30667" y2="85879"/>
-                        <a14:backgroundMark x1="30857" y1="85879" x2="31048" y2="85591"/>
-                        <a14:backgroundMark x1="31048" y1="85591" x2="30476" y2="85014"/>
-                        <a14:backgroundMark x1="30286" y1="85014" x2="30095" y2="85014"/>
-                        <a14:backgroundMark x1="30095" y1="85014" x2="30095" y2="85014"/>
-                        <a14:backgroundMark x1="30667" y1="84438" x2="30857" y2="84150"/>
-                        <a14:backgroundMark x1="30191" y1="83862" x2="29905" y2="83573"/>
-                        <a14:backgroundMark x1="30476" y1="84150" x2="30191" y2="83862"/>
-                        <a14:backgroundMark x1="29714" y1="83285" x2="29524" y2="83285"/>
-                        <a14:backgroundMark x1="29333" y1="82997" x2="29333" y2="82997"/>
-                        <a14:backgroundMark x1="29333" y1="82997" x2="28952" y2="83285"/>
-                        <a14:backgroundMark x1="28762" y1="83285" x2="28381" y2="83285"/>
-                        <a14:backgroundMark x1="28381" y1="83285" x2="28381" y2="83573"/>
-                        <a14:backgroundMark x1="28285" y1="83862" x2="28190" y2="84150"/>
-                        <a14:backgroundMark x1="28381" y1="83573" x2="28285" y2="83862"/>
-                        <a14:backgroundMark x1="27810" y1="84726" x2="27429" y2="85303"/>
-                        <a14:backgroundMark x1="27238" y1="85591" x2="27048" y2="86455"/>
-                        <a14:backgroundMark x1="27048" y1="86455" x2="26667" y2="86744"/>
-                        <a14:backgroundMark x1="26667" y1="87032" x2="26667" y2="87032"/>
-                        <a14:backgroundMark x1="27048" y1="86167" x2="27238" y2="85591"/>
-                        <a14:backgroundMark x1="27238" y1="85303" x2="27429" y2="84726"/>
-                        <a14:backgroundMark x1="27619" y1="84438" x2="27619" y2="84150"/>
-                        <a14:backgroundMark x1="27619" y1="83862" x2="27619" y2="83862"/>
-                        <a14:backgroundMark x1="27619" y1="83862" x2="27619" y2="83573"/>
-                        <a14:backgroundMark x1="27619" y1="83573" x2="27619" y2="83573"/>
-                        <a14:backgroundMark x1="27429" y1="83862" x2="27429" y2="84150"/>
-                        <a14:backgroundMark x1="27429" y1="83573" x2="27429" y2="83862"/>
-                        <a14:backgroundMark x1="27238" y1="84438" x2="27048" y2="85014"/>
-                        <a14:backgroundMark x1="26857" y1="85303" x2="26857" y2="85591"/>
-                        <a14:backgroundMark x1="26857" y1="85591" x2="26857" y2="85591"/>
-                        <a14:backgroundMark x1="27238" y1="84726" x2="27429" y2="83862"/>
-                        <a14:backgroundMark x1="27429" y1="83573" x2="27429" y2="83573"/>
-                        <a14:backgroundMark x1="27429" y1="83573" x2="27429" y2="83573"/>
-                        <a14:backgroundMark x1="27429" y1="83285" x2="27429" y2="83285"/>
-                        <a14:backgroundMark x1="27429" y1="83285" x2="27429" y2="83285"/>
-                        <a14:backgroundMark x1="27429" y1="82997" x2="27810" y2="82997"/>
-                        <a14:backgroundMark x1="28381" y1="82709" x2="28381" y2="82709"/>
-                        <a14:backgroundMark x1="28571" y1="82997" x2="28762" y2="83285"/>
-                        <a14:backgroundMark x1="28190" y1="83862" x2="28190" y2="83862"/>
-                        <a14:backgroundMark x1="28190" y1="83862" x2="28190" y2="83862"/>
-                        <a14:backgroundMark x1="28381" y1="83862" x2="28381" y2="83862"/>
-                        <a14:backgroundMark x1="28190" y1="83573" x2="28190" y2="83573"/>
-                        <a14:backgroundMark x1="28190" y1="83573" x2="27810" y2="83285"/>
-                        <a14:backgroundMark x1="27810" y1="83285" x2="27810" y2="83285"/>
-                        <a14:backgroundMark x1="27810" y1="83285" x2="27810" y2="83285"/>
-                        <a14:backgroundMark x1="28190" y1="83285" x2="29143" y2="83573"/>
-                        <a14:backgroundMark x1="27429" y1="82997" x2="27429" y2="82997"/>
-                        <a14:backgroundMark x1="27048" y1="83285" x2="27048" y2="83285"/>
-                        <a14:backgroundMark x1="27238" y1="82709" x2="27238" y2="82709"/>
-                        <a14:backgroundMark x1="27048" y1="83862" x2="27048" y2="84150"/>
-                        <a14:backgroundMark x1="26857" y1="84438" x2="26857" y2="84438"/>
-                        <a14:backgroundMark x1="26667" y1="84726" x2="26667" y2="84726"/>
-                        <a14:backgroundMark x1="26857" y1="83573" x2="27048" y2="83285"/>
-                        <a14:backgroundMark x1="27048" y1="82709" x2="27048" y2="82709"/>
-                      </a14:backgroundRemoval>
-                    </a14:imgEffect>
-                  </a14:imgLayer>
-                </a14:imgProps>
-              </a:ext>
-            </a:extLst>
-          </a:blip>
-          <a:stretch>
-            <a:fillRect/>
-          </a:stretch>
-        </p:blipFill>
-        <p:spPr>
-          <a:xfrm rot="-240000">
-            <a:off x="2506944" y="2022480"/>
-            <a:ext cx="3957375" cy="2615636"/>
-          </a:xfrm>
-          <a:prstGeom prst="rect">
-            <a:avLst/>
-          </a:prstGeom>
-        </p:spPr>
-      </p:pic>
-      <p:pic>
-        <p:nvPicPr>
-          <p:cNvPr id="19" name="그림 18">
-            <a:extLst>
-              <a:ext uri="{FF2B5EF4-FFF2-40B4-BE49-F238E27FC236}">
-                <a16:creationId xmlns:a16="http://schemas.microsoft.com/office/drawing/2014/main" id="{A683C58F-C680-4800-B219-F8C2D329AF4C}"/>
-              </a:ext>
-            </a:extLst>
-          </p:cNvPr>
-          <p:cNvPicPr>
-            <a:picLocks noChangeAspect="1"/>
-          </p:cNvPicPr>
-          <p:nvPr/>
-        </p:nvPicPr>
-        <p:blipFill>
-          <a:blip r:embed="rId2">
-            <a:extLst>
-              <a:ext uri="{BEBA8EAE-BF5A-486C-A8C5-ECC9F3942E4B}">
-                <a14:imgProps xmlns:a14="http://schemas.microsoft.com/office/drawing/2010/main">
-                  <a14:imgLayer r:embed="rId3">
-                    <a14:imgEffect>
-                      <a14:backgroundRemoval t="8934" b="93084" l="9905" r="89905">
-                        <a14:foregroundMark x1="13905" y1="77233" x2="17649" y2="84230"/>
-                        <a14:foregroundMark x1="24337" y1="81556" x2="26095" y2="78098"/>
-                        <a14:foregroundMark x1="23751" y1="82709" x2="24189" y2="81847"/>
-                        <a14:foregroundMark x1="22291" y1="85581" x2="23751" y2="82709"/>
-                        <a14:foregroundMark x1="26667" y1="82997" x2="26667" y2="83285"/>
-                        <a14:foregroundMark x1="27161" y1="82879" x2="27295" y2="82900"/>
-                        <a14:foregroundMark x1="26094" y1="82709" x2="27057" y2="82862"/>
-                        <a14:foregroundMark x1="24284" y1="82421" x2="26094" y2="82709"/>
-                        <a14:foregroundMark x1="38476" y1="73199" x2="38476" y2="73199"/>
-                        <a14:foregroundMark x1="75619" y1="81844" x2="75619" y2="81844"/>
-                        <a14:foregroundMark x1="78667" y1="82421" x2="78667" y2="82421"/>
-                        <a14:foregroundMark x1="79048" y1="82421" x2="79429" y2="82133"/>
-                        <a14:foregroundMark x1="80952" y1="81268" x2="81143" y2="81268"/>
-                        <a14:foregroundMark x1="81524" y1="80980" x2="81524" y2="80980"/>
-                        <a14:foregroundMark x1="72952" y1="83862" x2="72952" y2="84150"/>
-                        <a14:foregroundMark x1="72571" y1="84150" x2="72571" y2="84150"/>
-                        <a14:foregroundMark x1="72000" y1="82421" x2="72000" y2="82421"/>
-                        <a14:foregroundMark x1="71619" y1="81556" x2="71619" y2="81556"/>
-                        <a14:foregroundMark x1="71429" y1="80980" x2="71429" y2="80980"/>
-                        <a14:foregroundMark x1="26286" y1="83285" x2="26286" y2="83285"/>
-                        <a14:foregroundMark x1="26667" y1="82997" x2="26667" y2="82997"/>
-                        <a14:foregroundMark x1="27048" y1="81556" x2="27048" y2="81844"/>
-                        <a14:foregroundMark x1="26857" y1="82997" x2="26857" y2="82997"/>
-                        <a14:foregroundMark x1="26476" y1="83573" x2="26476" y2="83573"/>
-                        <a14:foregroundMark x1="26667" y1="83573" x2="26667" y2="83573"/>
-                        <a14:foregroundMark x1="26667" y1="82997" x2="26667" y2="82997"/>
-                        <a14:foregroundMark x1="26667" y1="83862" x2="26667" y2="83862"/>
-                        <a14:foregroundMark x1="49905" y1="8934" x2="49905" y2="8934"/>
-                        <a14:foregroundMark x1="49714" y1="41499" x2="49714" y2="41499"/>
-                        <a14:backgroundMark x1="13714" y1="87608" x2="23619" y2="90490"/>
-                        <a14:backgroundMark x1="23619" y1="90490" x2="52571" y2="85303"/>
-                        <a14:backgroundMark x1="52571" y1="85303" x2="62095" y2="87032"/>
-                        <a14:backgroundMark x1="62095" y1="87032" x2="71810" y2="85591"/>
-                        <a14:backgroundMark x1="71810" y1="85591" x2="81524" y2="88184"/>
-                        <a14:backgroundMark x1="81524" y1="88184" x2="72952" y2="96542"/>
-                        <a14:backgroundMark x1="72952" y1="96542" x2="20762" y2="99424"/>
-                        <a14:backgroundMark x1="20762" y1="99424" x2="13143" y2="90778"/>
-                        <a14:backgroundMark x1="13143" y1="90778" x2="13524" y2="88473"/>
-                        <a14:backgroundMark x1="27429" y1="81844" x2="27429" y2="82709"/>
-                        <a14:backgroundMark x1="28190" y1="84150" x2="28190" y2="84150"/>
-                        <a14:backgroundMark x1="31048" y1="85014" x2="31048" y2="85014"/>
-                        <a14:backgroundMark x1="30476" y1="85303" x2="30476" y2="85303"/>
-                        <a14:backgroundMark x1="30476" y1="85303" x2="30667" y2="85879"/>
-                        <a14:backgroundMark x1="30857" y1="85879" x2="31048" y2="85591"/>
-                        <a14:backgroundMark x1="31048" y1="85591" x2="30476" y2="85014"/>
-                        <a14:backgroundMark x1="30286" y1="85014" x2="30095" y2="85014"/>
-                        <a14:backgroundMark x1="30095" y1="85014" x2="30095" y2="85014"/>
-                        <a14:backgroundMark x1="30667" y1="84438" x2="30857" y2="84150"/>
-                        <a14:backgroundMark x1="30191" y1="83862" x2="29905" y2="83573"/>
-                        <a14:backgroundMark x1="30476" y1="84150" x2="30191" y2="83862"/>
-                        <a14:backgroundMark x1="29714" y1="83285" x2="29524" y2="83285"/>
-                        <a14:backgroundMark x1="29333" y1="82997" x2="29333" y2="82997"/>
-                        <a14:backgroundMark x1="29333" y1="82997" x2="28952" y2="83285"/>
-                        <a14:backgroundMark x1="28762" y1="83285" x2="28381" y2="83285"/>
-                        <a14:backgroundMark x1="28381" y1="83285" x2="28381" y2="83573"/>
-                        <a14:backgroundMark x1="28285" y1="83862" x2="28190" y2="84150"/>
-                        <a14:backgroundMark x1="28381" y1="83573" x2="28285" y2="83862"/>
-                        <a14:backgroundMark x1="27810" y1="84726" x2="27429" y2="85303"/>
-                        <a14:backgroundMark x1="27238" y1="85591" x2="27048" y2="86455"/>
-                        <a14:backgroundMark x1="27048" y1="86455" x2="26667" y2="86744"/>
-                        <a14:backgroundMark x1="26667" y1="87032" x2="26667" y2="87032"/>
-                        <a14:backgroundMark x1="27048" y1="86167" x2="27238" y2="85591"/>
-                        <a14:backgroundMark x1="27238" y1="85303" x2="27429" y2="84726"/>
-                        <a14:backgroundMark x1="27619" y1="84438" x2="27619" y2="84150"/>
-                        <a14:backgroundMark x1="27619" y1="83862" x2="27619" y2="83862"/>
-                        <a14:backgroundMark x1="27619" y1="83862" x2="27619" y2="83573"/>
-                        <a14:backgroundMark x1="27619" y1="83573" x2="27619" y2="83573"/>
-                        <a14:backgroundMark x1="27429" y1="83862" x2="27429" y2="84150"/>
-                        <a14:backgroundMark x1="27429" y1="83573" x2="27429" y2="83862"/>
-                        <a14:backgroundMark x1="27238" y1="84438" x2="27048" y2="85014"/>
-                        <a14:backgroundMark x1="26857" y1="85303" x2="26857" y2="85591"/>
-                        <a14:backgroundMark x1="26857" y1="85591" x2="26857" y2="85591"/>
-                        <a14:backgroundMark x1="27238" y1="84726" x2="27429" y2="83862"/>
-                        <a14:backgroundMark x1="27429" y1="83573" x2="27429" y2="83573"/>
-                        <a14:backgroundMark x1="27429" y1="83573" x2="27429" y2="83573"/>
-                        <a14:backgroundMark x1="27429" y1="83285" x2="27429" y2="83285"/>
-                        <a14:backgroundMark x1="27429" y1="83285" x2="27429" y2="83285"/>
-                        <a14:backgroundMark x1="27429" y1="82997" x2="27810" y2="82997"/>
-                        <a14:backgroundMark x1="28381" y1="82709" x2="28381" y2="82709"/>
-                        <a14:backgroundMark x1="28571" y1="82997" x2="28762" y2="83285"/>
-                        <a14:backgroundMark x1="28190" y1="83862" x2="28190" y2="83862"/>
-                        <a14:backgroundMark x1="28190" y1="83862" x2="28190" y2="83862"/>
-                        <a14:backgroundMark x1="28381" y1="83862" x2="28381" y2="83862"/>
-                        <a14:backgroundMark x1="28190" y1="83573" x2="28190" y2="83573"/>
-                        <a14:backgroundMark x1="28190" y1="83573" x2="27810" y2="83285"/>
-                        <a14:backgroundMark x1="27810" y1="83285" x2="27810" y2="83285"/>
-                        <a14:backgroundMark x1="27810" y1="83285" x2="27810" y2="83285"/>
-                        <a14:backgroundMark x1="28190" y1="83285" x2="29143" y2="83573"/>
-                        <a14:backgroundMark x1="27429" y1="82997" x2="27429" y2="82997"/>
-                        <a14:backgroundMark x1="27048" y1="83285" x2="27048" y2="83285"/>
-                        <a14:backgroundMark x1="27238" y1="82709" x2="27238" y2="82709"/>
-                        <a14:backgroundMark x1="27048" y1="83862" x2="27048" y2="84150"/>
-                        <a14:backgroundMark x1="26857" y1="84438" x2="26857" y2="84438"/>
-                        <a14:backgroundMark x1="26667" y1="84726" x2="26667" y2="84726"/>
-                        <a14:backgroundMark x1="26857" y1="83573" x2="27048" y2="83285"/>
-                        <a14:backgroundMark x1="27048" y1="82709" x2="27048" y2="82709"/>
-                      </a14:backgroundRemoval>
-                    </a14:imgEffect>
-                  </a14:imgLayer>
-                </a14:imgProps>
-              </a:ext>
-            </a:extLst>
-          </a:blip>
-          <a:stretch>
-            <a:fillRect/>
-          </a:stretch>
-        </p:blipFill>
-        <p:spPr>
-          <a:xfrm rot="-120000">
-            <a:off x="2506944" y="2022480"/>
-            <a:ext cx="3957375" cy="2615636"/>
-          </a:xfrm>
-          <a:prstGeom prst="rect">
-            <a:avLst/>
-          </a:prstGeom>
-        </p:spPr>
-      </p:pic>
-      <p:pic>
-        <p:nvPicPr>
-          <p:cNvPr id="20" name="그림 19">
-            <a:extLst>
-              <a:ext uri="{FF2B5EF4-FFF2-40B4-BE49-F238E27FC236}">
-                <a16:creationId xmlns:a16="http://schemas.microsoft.com/office/drawing/2014/main" id="{6AFFAAE9-0DA6-4E04-B409-E22D34386547}"/>
-              </a:ext>
-            </a:extLst>
-          </p:cNvPr>
-          <p:cNvPicPr>
-            <a:picLocks noChangeAspect="1"/>
-          </p:cNvPicPr>
-          <p:nvPr/>
-        </p:nvPicPr>
-        <p:blipFill>
-          <a:blip r:embed="rId2">
-            <a:extLst>
-              <a:ext uri="{BEBA8EAE-BF5A-486C-A8C5-ECC9F3942E4B}">
-                <a14:imgProps xmlns:a14="http://schemas.microsoft.com/office/drawing/2010/main">
-                  <a14:imgLayer r:embed="rId3">
-                    <a14:imgEffect>
-                      <a14:backgroundRemoval t="8934" b="93084" l="9905" r="89905">
-                        <a14:foregroundMark x1="13905" y1="77233" x2="17649" y2="84230"/>
-                        <a14:foregroundMark x1="24337" y1="81556" x2="26095" y2="78098"/>
-                        <a14:foregroundMark x1="23751" y1="82709" x2="24189" y2="81847"/>
-                        <a14:foregroundMark x1="22291" y1="85581" x2="23751" y2="82709"/>
-                        <a14:foregroundMark x1="26667" y1="82997" x2="26667" y2="83285"/>
-                        <a14:foregroundMark x1="27161" y1="82879" x2="27295" y2="82900"/>
-                        <a14:foregroundMark x1="26094" y1="82709" x2="27057" y2="82862"/>
-                        <a14:foregroundMark x1="24284" y1="82421" x2="26094" y2="82709"/>
-                        <a14:foregroundMark x1="38476" y1="73199" x2="38476" y2="73199"/>
-                        <a14:foregroundMark x1="75619" y1="81844" x2="75619" y2="81844"/>
-                        <a14:foregroundMark x1="78667" y1="82421" x2="78667" y2="82421"/>
-                        <a14:foregroundMark x1="79048" y1="82421" x2="79429" y2="82133"/>
-                        <a14:foregroundMark x1="80952" y1="81268" x2="81143" y2="81268"/>
-                        <a14:foregroundMark x1="81524" y1="80980" x2="81524" y2="80980"/>
-                        <a14:foregroundMark x1="72952" y1="83862" x2="72952" y2="84150"/>
-                        <a14:foregroundMark x1="72571" y1="84150" x2="72571" y2="84150"/>
-                        <a14:foregroundMark x1="72000" y1="82421" x2="72000" y2="82421"/>
-                        <a14:foregroundMark x1="71619" y1="81556" x2="71619" y2="81556"/>
-                        <a14:foregroundMark x1="71429" y1="80980" x2="71429" y2="80980"/>
-                        <a14:foregroundMark x1="26286" y1="83285" x2="26286" y2="83285"/>
-                        <a14:foregroundMark x1="26667" y1="82997" x2="26667" y2="82997"/>
-                        <a14:foregroundMark x1="27048" y1="81556" x2="27048" y2="81844"/>
-                        <a14:foregroundMark x1="26857" y1="82997" x2="26857" y2="82997"/>
-                        <a14:foregroundMark x1="26476" y1="83573" x2="26476" y2="83573"/>
-                        <a14:foregroundMark x1="26667" y1="83573" x2="26667" y2="83573"/>
-                        <a14:foregroundMark x1="26667" y1="82997" x2="26667" y2="82997"/>
-                        <a14:foregroundMark x1="26667" y1="83862" x2="26667" y2="83862"/>
-                        <a14:foregroundMark x1="49905" y1="8934" x2="49905" y2="8934"/>
-                        <a14:foregroundMark x1="49714" y1="41499" x2="49714" y2="41499"/>
-                        <a14:backgroundMark x1="13714" y1="87608" x2="23619" y2="90490"/>
-                        <a14:backgroundMark x1="23619" y1="90490" x2="52571" y2="85303"/>
-                        <a14:backgroundMark x1="52571" y1="85303" x2="62095" y2="87032"/>
-                        <a14:backgroundMark x1="62095" y1="87032" x2="71810" y2="85591"/>
-                        <a14:backgroundMark x1="71810" y1="85591" x2="81524" y2="88184"/>
-                        <a14:backgroundMark x1="81524" y1="88184" x2="72952" y2="96542"/>
-                        <a14:backgroundMark x1="72952" y1="96542" x2="20762" y2="99424"/>
-                        <a14:backgroundMark x1="20762" y1="99424" x2="13143" y2="90778"/>
-                        <a14:backgroundMark x1="13143" y1="90778" x2="13524" y2="88473"/>
-                        <a14:backgroundMark x1="27429" y1="81844" x2="27429" y2="82709"/>
-                        <a14:backgroundMark x1="28190" y1="84150" x2="28190" y2="84150"/>
-                        <a14:backgroundMark x1="31048" y1="85014" x2="31048" y2="85014"/>
-                        <a14:backgroundMark x1="30476" y1="85303" x2="30476" y2="85303"/>
-                        <a14:backgroundMark x1="30476" y1="85303" x2="30667" y2="85879"/>
-                        <a14:backgroundMark x1="30857" y1="85879" x2="31048" y2="85591"/>
-                        <a14:backgroundMark x1="31048" y1="85591" x2="30476" y2="85014"/>
-                        <a14:backgroundMark x1="30286" y1="85014" x2="30095" y2="85014"/>
-                        <a14:backgroundMark x1="30095" y1="85014" x2="30095" y2="85014"/>
-                        <a14:backgroundMark x1="30667" y1="84438" x2="30857" y2="84150"/>
-                        <a14:backgroundMark x1="30191" y1="83862" x2="29905" y2="83573"/>
-                        <a14:backgroundMark x1="30476" y1="84150" x2="30191" y2="83862"/>
-                        <a14:backgroundMark x1="29714" y1="83285" x2="29524" y2="83285"/>
-                        <a14:backgroundMark x1="29333" y1="82997" x2="29333" y2="82997"/>
-                        <a14:backgroundMark x1="29333" y1="82997" x2="28952" y2="83285"/>
-                        <a14:backgroundMark x1="28762" y1="83285" x2="28381" y2="83285"/>
-                        <a14:backgroundMark x1="28381" y1="83285" x2="28381" y2="83573"/>
-                        <a14:backgroundMark x1="28285" y1="83862" x2="28190" y2="84150"/>
-                        <a14:backgroundMark x1="28381" y1="83573" x2="28285" y2="83862"/>
-                        <a14:backgroundMark x1="27810" y1="84726" x2="27429" y2="85303"/>
-                        <a14:backgroundMark x1="27238" y1="85591" x2="27048" y2="86455"/>
-                        <a14:backgroundMark x1="27048" y1="86455" x2="26667" y2="86744"/>
-                        <a14:backgroundMark x1="26667" y1="87032" x2="26667" y2="87032"/>
-                        <a14:backgroundMark x1="27048" y1="86167" x2="27238" y2="85591"/>
-                        <a14:backgroundMark x1="27238" y1="85303" x2="27429" y2="84726"/>
-                        <a14:backgroundMark x1="27619" y1="84438" x2="27619" y2="84150"/>
-                        <a14:backgroundMark x1="27619" y1="83862" x2="27619" y2="83862"/>
-                        <a14:backgroundMark x1="27619" y1="83862" x2="27619" y2="83573"/>
-                        <a14:backgroundMark x1="27619" y1="83573" x2="27619" y2="83573"/>
-                        <a14:backgroundMark x1="27429" y1="83862" x2="27429" y2="84150"/>
-                        <a14:backgroundMark x1="27429" y1="83573" x2="27429" y2="83862"/>
-                        <a14:backgroundMark x1="27238" y1="84438" x2="27048" y2="85014"/>
-                        <a14:backgroundMark x1="26857" y1="85303" x2="26857" y2="85591"/>
-                        <a14:backgroundMark x1="26857" y1="85591" x2="26857" y2="85591"/>
-                        <a14:backgroundMark x1="27238" y1="84726" x2="27429" y2="83862"/>
-                        <a14:backgroundMark x1="27429" y1="83573" x2="27429" y2="83573"/>
-                        <a14:backgroundMark x1="27429" y1="83573" x2="27429" y2="83573"/>
-                        <a14:backgroundMark x1="27429" y1="83285" x2="27429" y2="83285"/>
-                        <a14:backgroundMark x1="27429" y1="83285" x2="27429" y2="83285"/>
-                        <a14:backgroundMark x1="27429" y1="82997" x2="27810" y2="82997"/>
-                        <a14:backgroundMark x1="28381" y1="82709" x2="28381" y2="82709"/>
-                        <a14:backgroundMark x1="28571" y1="82997" x2="28762" y2="83285"/>
-                        <a14:backgroundMark x1="28190" y1="83862" x2="28190" y2="83862"/>
-                        <a14:backgroundMark x1="28190" y1="83862" x2="28190" y2="83862"/>
-                        <a14:backgroundMark x1="28381" y1="83862" x2="28381" y2="83862"/>
-                        <a14:backgroundMark x1="28190" y1="83573" x2="28190" y2="83573"/>
-                        <a14:backgroundMark x1="28190" y1="83573" x2="27810" y2="83285"/>
-                        <a14:backgroundMark x1="27810" y1="83285" x2="27810" y2="83285"/>
-                        <a14:backgroundMark x1="27810" y1="83285" x2="27810" y2="83285"/>
-                        <a14:backgroundMark x1="28190" y1="83285" x2="29143" y2="83573"/>
-                        <a14:backgroundMark x1="27429" y1="82997" x2="27429" y2="82997"/>
-                        <a14:backgroundMark x1="27048" y1="83285" x2="27048" y2="83285"/>
-                        <a14:backgroundMark x1="27238" y1="82709" x2="27238" y2="82709"/>
-                        <a14:backgroundMark x1="27048" y1="83862" x2="27048" y2="84150"/>
-                        <a14:backgroundMark x1="26857" y1="84438" x2="26857" y2="84438"/>
-                        <a14:backgroundMark x1="26667" y1="84726" x2="26667" y2="84726"/>
-                        <a14:backgroundMark x1="26857" y1="83573" x2="27048" y2="83285"/>
-                        <a14:backgroundMark x1="27048" y1="82709" x2="27048" y2="82709"/>
-                      </a14:backgroundRemoval>
-                    </a14:imgEffect>
-                  </a14:imgLayer>
-                </a14:imgProps>
-              </a:ext>
-            </a:extLst>
-          </a:blip>
-          <a:stretch>
-            <a:fillRect/>
-          </a:stretch>
-        </p:blipFill>
-        <p:spPr>
-          <a:xfrm>
-            <a:off x="2506944" y="2022480"/>
-            <a:ext cx="3957375" cy="2615636"/>
-          </a:xfrm>
-          <a:prstGeom prst="rect">
-            <a:avLst/>
-          </a:prstGeom>
-        </p:spPr>
-      </p:pic>
-      <p:pic>
-        <p:nvPicPr>
-          <p:cNvPr id="21" name="그림 20">
-            <a:extLst>
-              <a:ext uri="{FF2B5EF4-FFF2-40B4-BE49-F238E27FC236}">
-                <a16:creationId xmlns:a16="http://schemas.microsoft.com/office/drawing/2014/main" id="{45871572-57D0-43EC-B42A-297B80B0DEB2}"/>
-              </a:ext>
-            </a:extLst>
-          </p:cNvPr>
-          <p:cNvPicPr>
-            <a:picLocks noChangeAspect="1"/>
-          </p:cNvPicPr>
-          <p:nvPr/>
-        </p:nvPicPr>
-        <p:blipFill>
-          <a:blip r:embed="rId2">
-            <a:extLst>
-              <a:ext uri="{BEBA8EAE-BF5A-486C-A8C5-ECC9F3942E4B}">
-                <a14:imgProps xmlns:a14="http://schemas.microsoft.com/office/drawing/2010/main">
-                  <a14:imgLayer r:embed="rId3">
-                    <a14:imgEffect>
-                      <a14:backgroundRemoval t="8934" b="93084" l="9905" r="89905">
-                        <a14:foregroundMark x1="13905" y1="77233" x2="17649" y2="84230"/>
-                        <a14:foregroundMark x1="24337" y1="81556" x2="26095" y2="78098"/>
-                        <a14:foregroundMark x1="23751" y1="82709" x2="24189" y2="81847"/>
-                        <a14:foregroundMark x1="22291" y1="85581" x2="23751" y2="82709"/>
-                        <a14:foregroundMark x1="26667" y1="82997" x2="26667" y2="83285"/>
-                        <a14:foregroundMark x1="27161" y1="82879" x2="27295" y2="82900"/>
-                        <a14:foregroundMark x1="26094" y1="82709" x2="27057" y2="82862"/>
-                        <a14:foregroundMark x1="24284" y1="82421" x2="26094" y2="82709"/>
-                        <a14:foregroundMark x1="38476" y1="73199" x2="38476" y2="73199"/>
-                        <a14:foregroundMark x1="75619" y1="81844" x2="75619" y2="81844"/>
-                        <a14:foregroundMark x1="78667" y1="82421" x2="78667" y2="82421"/>
-                        <a14:foregroundMark x1="79048" y1="82421" x2="79429" y2="82133"/>
-                        <a14:foregroundMark x1="80952" y1="81268" x2="81143" y2="81268"/>
-                        <a14:foregroundMark x1="81524" y1="80980" x2="81524" y2="80980"/>
-                        <a14:foregroundMark x1="72952" y1="83862" x2="72952" y2="84150"/>
-                        <a14:foregroundMark x1="72571" y1="84150" x2="72571" y2="84150"/>
-                        <a14:foregroundMark x1="72000" y1="82421" x2="72000" y2="82421"/>
-                        <a14:foregroundMark x1="71619" y1="81556" x2="71619" y2="81556"/>
-                        <a14:foregroundMark x1="71429" y1="80980" x2="71429" y2="80980"/>
-                        <a14:foregroundMark x1="26286" y1="83285" x2="26286" y2="83285"/>
-                        <a14:foregroundMark x1="26667" y1="82997" x2="26667" y2="82997"/>
-                        <a14:foregroundMark x1="27048" y1="81556" x2="27048" y2="81844"/>
-                        <a14:foregroundMark x1="26857" y1="82997" x2="26857" y2="82997"/>
-                        <a14:foregroundMark x1="26476" y1="83573" x2="26476" y2="83573"/>
-                        <a14:foregroundMark x1="26667" y1="83573" x2="26667" y2="83573"/>
-                        <a14:foregroundMark x1="26667" y1="82997" x2="26667" y2="82997"/>
-                        <a14:foregroundMark x1="26667" y1="83862" x2="26667" y2="83862"/>
-                        <a14:foregroundMark x1="49905" y1="8934" x2="49905" y2="8934"/>
-                        <a14:foregroundMark x1="49714" y1="41499" x2="49714" y2="41499"/>
-                        <a14:backgroundMark x1="13714" y1="87608" x2="23619" y2="90490"/>
-                        <a14:backgroundMark x1="23619" y1="90490" x2="52571" y2="85303"/>
-                        <a14:backgroundMark x1="52571" y1="85303" x2="62095" y2="87032"/>
-                        <a14:backgroundMark x1="62095" y1="87032" x2="71810" y2="85591"/>
-                        <a14:backgroundMark x1="71810" y1="85591" x2="81524" y2="88184"/>
-                        <a14:backgroundMark x1="81524" y1="88184" x2="72952" y2="96542"/>
-                        <a14:backgroundMark x1="72952" y1="96542" x2="20762" y2="99424"/>
-                        <a14:backgroundMark x1="20762" y1="99424" x2="13143" y2="90778"/>
-                        <a14:backgroundMark x1="13143" y1="90778" x2="13524" y2="88473"/>
-                        <a14:backgroundMark x1="27429" y1="81844" x2="27429" y2="82709"/>
-                        <a14:backgroundMark x1="28190" y1="84150" x2="28190" y2="84150"/>
-                        <a14:backgroundMark x1="31048" y1="85014" x2="31048" y2="85014"/>
-                        <a14:backgroundMark x1="30476" y1="85303" x2="30476" y2="85303"/>
-                        <a14:backgroundMark x1="30476" y1="85303" x2="30667" y2="85879"/>
-                        <a14:backgroundMark x1="30857" y1="85879" x2="31048" y2="85591"/>
-                        <a14:backgroundMark x1="31048" y1="85591" x2="30476" y2="85014"/>
-                        <a14:backgroundMark x1="30286" y1="85014" x2="30095" y2="85014"/>
-                        <a14:backgroundMark x1="30095" y1="85014" x2="30095" y2="85014"/>
-                        <a14:backgroundMark x1="30667" y1="84438" x2="30857" y2="84150"/>
-                        <a14:backgroundMark x1="30191" y1="83862" x2="29905" y2="83573"/>
-                        <a14:backgroundMark x1="30476" y1="84150" x2="30191" y2="83862"/>
-                        <a14:backgroundMark x1="29714" y1="83285" x2="29524" y2="83285"/>
-                        <a14:backgroundMark x1="29333" y1="82997" x2="29333" y2="82997"/>
-                        <a14:backgroundMark x1="29333" y1="82997" x2="28952" y2="83285"/>
-                        <a14:backgroundMark x1="28762" y1="83285" x2="28381" y2="83285"/>
-                        <a14:backgroundMark x1="28381" y1="83285" x2="28381" y2="83573"/>
-                        <a14:backgroundMark x1="28285" y1="83862" x2="28190" y2="84150"/>
-                        <a14:backgroundMark x1="28381" y1="83573" x2="28285" y2="83862"/>
-                        <a14:backgroundMark x1="27810" y1="84726" x2="27429" y2="85303"/>
-                        <a14:backgroundMark x1="27238" y1="85591" x2="27048" y2="86455"/>
-                        <a14:backgroundMark x1="27048" y1="86455" x2="26667" y2="86744"/>
-                        <a14:backgroundMark x1="26667" y1="87032" x2="26667" y2="87032"/>
-                        <a14:backgroundMark x1="27048" y1="86167" x2="27238" y2="85591"/>
-                        <a14:backgroundMark x1="27238" y1="85303" x2="27429" y2="84726"/>
-                        <a14:backgroundMark x1="27619" y1="84438" x2="27619" y2="84150"/>
-                        <a14:backgroundMark x1="27619" y1="83862" x2="27619" y2="83862"/>
-                        <a14:backgroundMark x1="27619" y1="83862" x2="27619" y2="83573"/>
-                        <a14:backgroundMark x1="27619" y1="83573" x2="27619" y2="83573"/>
-                        <a14:backgroundMark x1="27429" y1="83862" x2="27429" y2="84150"/>
-                        <a14:backgroundMark x1="27429" y1="83573" x2="27429" y2="83862"/>
-                        <a14:backgroundMark x1="27238" y1="84438" x2="27048" y2="85014"/>
-                        <a14:backgroundMark x1="26857" y1="85303" x2="26857" y2="85591"/>
-                        <a14:backgroundMark x1="26857" y1="85591" x2="26857" y2="85591"/>
-                        <a14:backgroundMark x1="27238" y1="84726" x2="27429" y2="83862"/>
-                        <a14:backgroundMark x1="27429" y1="83573" x2="27429" y2="83573"/>
-                        <a14:backgroundMark x1="27429" y1="83573" x2="27429" y2="83573"/>
-                        <a14:backgroundMark x1="27429" y1="83285" x2="27429" y2="83285"/>
-                        <a14:backgroundMark x1="27429" y1="83285" x2="27429" y2="83285"/>
-                        <a14:backgroundMark x1="27429" y1="82997" x2="27810" y2="82997"/>
-                        <a14:backgroundMark x1="28381" y1="82709" x2="28381" y2="82709"/>
-                        <a14:backgroundMark x1="28571" y1="82997" x2="28762" y2="83285"/>
-                        <a14:backgroundMark x1="28190" y1="83862" x2="28190" y2="83862"/>
-                        <a14:backgroundMark x1="28190" y1="83862" x2="28190" y2="83862"/>
-                        <a14:backgroundMark x1="28381" y1="83862" x2="28381" y2="83862"/>
-                        <a14:backgroundMark x1="28190" y1="83573" x2="28190" y2="83573"/>
-                        <a14:backgroundMark x1="28190" y1="83573" x2="27810" y2="83285"/>
-                        <a14:backgroundMark x1="27810" y1="83285" x2="27810" y2="83285"/>
-                        <a14:backgroundMark x1="27810" y1="83285" x2="27810" y2="83285"/>
-                        <a14:backgroundMark x1="28190" y1="83285" x2="29143" y2="83573"/>
-                        <a14:backgroundMark x1="27429" y1="82997" x2="27429" y2="82997"/>
-                        <a14:backgroundMark x1="27048" y1="83285" x2="27048" y2="83285"/>
-                        <a14:backgroundMark x1="27238" y1="82709" x2="27238" y2="82709"/>
-                        <a14:backgroundMark x1="27048" y1="83862" x2="27048" y2="84150"/>
-                        <a14:backgroundMark x1="26857" y1="84438" x2="26857" y2="84438"/>
-                        <a14:backgroundMark x1="26667" y1="84726" x2="26667" y2="84726"/>
-                        <a14:backgroundMark x1="26857" y1="83573" x2="27048" y2="83285"/>
-                        <a14:backgroundMark x1="27048" y1="82709" x2="27048" y2="82709"/>
-                      </a14:backgroundRemoval>
-                    </a14:imgEffect>
-                  </a14:imgLayer>
-                </a14:imgProps>
-              </a:ext>
-            </a:extLst>
-          </a:blip>
-          <a:stretch>
-            <a:fillRect/>
-          </a:stretch>
-        </p:blipFill>
-        <p:spPr>
-          <a:xfrm>
-            <a:off x="2506944" y="2022480"/>
-            <a:ext cx="3957375" cy="2615636"/>
-          </a:xfrm>
-          <a:prstGeom prst="rect">
-            <a:avLst/>
-          </a:prstGeom>
-        </p:spPr>
-      </p:pic>
+        <p:txBody>
+          <a:bodyPr wrap="none" rtlCol="0">
+            <a:spAutoFit/>
+          </a:bodyPr>
+          <a:lstStyle/>
+          <a:p>
+            <a:r>
+              <a:rPr lang="en-US" altLang="ko-KR" dirty="0">
+                <a:solidFill>
+                  <a:schemeClr val="bg1"/>
+                </a:solidFill>
+              </a:rPr>
+              <a:t>Y </a:t>
+            </a:r>
+            <a:r>
+              <a:rPr lang="ko-KR" altLang="en-US" dirty="0">
+                <a:solidFill>
+                  <a:schemeClr val="bg1"/>
+                </a:solidFill>
+              </a:rPr>
+              <a:t>축 </a:t>
+            </a:r>
+            <a:r>
+              <a:rPr lang="en-US" altLang="ko-KR" dirty="0">
+                <a:solidFill>
+                  <a:schemeClr val="bg1"/>
+                </a:solidFill>
+              </a:rPr>
+              <a:t>+</a:t>
+            </a:r>
+            <a:r>
+              <a:rPr lang="ko-KR" altLang="en-US" dirty="0">
+                <a:solidFill>
+                  <a:schemeClr val="bg1"/>
+                </a:solidFill>
+              </a:rPr>
+              <a:t> 방향</a:t>
+            </a:r>
+          </a:p>
+        </p:txBody>
+      </p:sp>
     </p:spTree>
     <p:extLst>
       <p:ext uri="{BB962C8B-B14F-4D97-AF65-F5344CB8AC3E}">
@@ -5384,909 +5653,550 @@
   <p:clrMapOvr>
     <a:masterClrMapping/>
   </p:clrMapOvr>
-  <p:timing>
-    <p:tnLst>
-      <p:par>
-        <p:cTn id="1" dur="indefinite" restart="never" nodeType="tmRoot">
-          <p:childTnLst>
-            <p:seq concurrent="1" nextAc="seek">
-              <p:cTn id="2" dur="indefinite" nodeType="mainSeq">
-                <p:childTnLst>
-                  <p:par>
-                    <p:cTn id="3" fill="hold">
-                      <p:stCondLst>
-                        <p:cond delay="indefinite"/>
-                      </p:stCondLst>
-                      <p:childTnLst>
-                        <p:par>
-                          <p:cTn id="4" fill="hold">
-                            <p:stCondLst>
-                              <p:cond delay="0"/>
-                            </p:stCondLst>
-                            <p:childTnLst>
-                              <p:par>
-                                <p:cTn id="5" presetID="1" presetClass="entr" presetSubtype="0" fill="hold" nodeType="clickEffect">
-                                  <p:stCondLst>
-                                    <p:cond delay="0"/>
-                                  </p:stCondLst>
-                                  <p:childTnLst>
-                                    <p:set>
-                                      <p:cBhvr>
-                                        <p:cTn id="6" dur="1" fill="hold">
-                                          <p:stCondLst>
-                                            <p:cond delay="0"/>
-                                          </p:stCondLst>
-                                        </p:cTn>
-                                        <p:tgtEl>
-                                          <p:spTgt spid="6"/>
-                                        </p:tgtEl>
-                                        <p:attrNameLst>
-                                          <p:attrName>style.visibility</p:attrName>
-                                        </p:attrNameLst>
-                                      </p:cBhvr>
-                                      <p:to>
-                                        <p:strVal val="visible"/>
-                                      </p:to>
-                                    </p:set>
-                                  </p:childTnLst>
-                                </p:cTn>
-                              </p:par>
-                            </p:childTnLst>
-                          </p:cTn>
-                        </p:par>
-                        <p:par>
-                          <p:cTn id="7" fill="hold">
-                            <p:stCondLst>
-                              <p:cond delay="0"/>
-                            </p:stCondLst>
-                            <p:childTnLst>
-                              <p:par>
-                                <p:cTn id="8" presetID="1" presetClass="exit" presetSubtype="0" fill="hold" nodeType="afterEffect">
-                                  <p:stCondLst>
-                                    <p:cond delay="100"/>
-                                  </p:stCondLst>
-                                  <p:childTnLst>
-                                    <p:set>
-                                      <p:cBhvr>
-                                        <p:cTn id="9" dur="1" fill="hold">
-                                          <p:stCondLst>
-                                            <p:cond delay="0"/>
-                                          </p:stCondLst>
-                                        </p:cTn>
-                                        <p:tgtEl>
-                                          <p:spTgt spid="6"/>
-                                        </p:tgtEl>
-                                        <p:attrNameLst>
-                                          <p:attrName>style.visibility</p:attrName>
-                                        </p:attrNameLst>
-                                      </p:cBhvr>
-                                      <p:to>
-                                        <p:strVal val="hidden"/>
-                                      </p:to>
-                                    </p:set>
-                                  </p:childTnLst>
-                                </p:cTn>
-                              </p:par>
-                            </p:childTnLst>
-                          </p:cTn>
-                        </p:par>
-                        <p:par>
-                          <p:cTn id="10" fill="hold">
-                            <p:stCondLst>
-                              <p:cond delay="100"/>
-                            </p:stCondLst>
-                            <p:childTnLst>
-                              <p:par>
-                                <p:cTn id="11" presetID="1" presetClass="entr" presetSubtype="0" fill="hold" nodeType="afterEffect">
-                                  <p:stCondLst>
-                                    <p:cond delay="0"/>
-                                  </p:stCondLst>
-                                  <p:childTnLst>
-                                    <p:set>
-                                      <p:cBhvr>
-                                        <p:cTn id="12" dur="1" fill="hold">
-                                          <p:stCondLst>
-                                            <p:cond delay="0"/>
-                                          </p:stCondLst>
-                                        </p:cTn>
-                                        <p:tgtEl>
-                                          <p:spTgt spid="11"/>
-                                        </p:tgtEl>
-                                        <p:attrNameLst>
-                                          <p:attrName>style.visibility</p:attrName>
-                                        </p:attrNameLst>
-                                      </p:cBhvr>
-                                      <p:to>
-                                        <p:strVal val="visible"/>
-                                      </p:to>
-                                    </p:set>
-                                  </p:childTnLst>
-                                </p:cTn>
-                              </p:par>
-                            </p:childTnLst>
-                          </p:cTn>
-                        </p:par>
-                        <p:par>
-                          <p:cTn id="13" fill="hold">
-                            <p:stCondLst>
-                              <p:cond delay="100"/>
-                            </p:stCondLst>
-                            <p:childTnLst>
-                              <p:par>
-                                <p:cTn id="14" presetID="1" presetClass="exit" presetSubtype="0" fill="hold" nodeType="afterEffect">
-                                  <p:stCondLst>
-                                    <p:cond delay="100"/>
-                                  </p:stCondLst>
-                                  <p:childTnLst>
-                                    <p:set>
-                                      <p:cBhvr>
-                                        <p:cTn id="15" dur="1" fill="hold">
-                                          <p:stCondLst>
-                                            <p:cond delay="0"/>
-                                          </p:stCondLst>
-                                        </p:cTn>
-                                        <p:tgtEl>
-                                          <p:spTgt spid="11"/>
-                                        </p:tgtEl>
-                                        <p:attrNameLst>
-                                          <p:attrName>style.visibility</p:attrName>
-                                        </p:attrNameLst>
-                                      </p:cBhvr>
-                                      <p:to>
-                                        <p:strVal val="hidden"/>
-                                      </p:to>
-                                    </p:set>
-                                  </p:childTnLst>
-                                </p:cTn>
-                              </p:par>
-                            </p:childTnLst>
-                          </p:cTn>
-                        </p:par>
-                        <p:par>
-                          <p:cTn id="16" fill="hold">
-                            <p:stCondLst>
-                              <p:cond delay="200"/>
-                            </p:stCondLst>
-                            <p:childTnLst>
-                              <p:par>
-                                <p:cTn id="17" presetID="1" presetClass="entr" presetSubtype="0" fill="hold" nodeType="afterEffect">
-                                  <p:stCondLst>
-                                    <p:cond delay="0"/>
-                                  </p:stCondLst>
-                                  <p:childTnLst>
-                                    <p:set>
-                                      <p:cBhvr>
-                                        <p:cTn id="18" dur="1" fill="hold">
-                                          <p:stCondLst>
-                                            <p:cond delay="0"/>
-                                          </p:stCondLst>
-                                        </p:cTn>
-                                        <p:tgtEl>
-                                          <p:spTgt spid="12"/>
-                                        </p:tgtEl>
-                                        <p:attrNameLst>
-                                          <p:attrName>style.visibility</p:attrName>
-                                        </p:attrNameLst>
-                                      </p:cBhvr>
-                                      <p:to>
-                                        <p:strVal val="visible"/>
-                                      </p:to>
-                                    </p:set>
-                                  </p:childTnLst>
-                                </p:cTn>
-                              </p:par>
-                            </p:childTnLst>
-                          </p:cTn>
-                        </p:par>
-                        <p:par>
-                          <p:cTn id="19" fill="hold">
-                            <p:stCondLst>
-                              <p:cond delay="200"/>
-                            </p:stCondLst>
-                            <p:childTnLst>
-                              <p:par>
-                                <p:cTn id="20" presetID="1" presetClass="exit" presetSubtype="0" fill="hold" nodeType="afterEffect">
-                                  <p:stCondLst>
-                                    <p:cond delay="100"/>
-                                  </p:stCondLst>
-                                  <p:childTnLst>
-                                    <p:set>
-                                      <p:cBhvr>
-                                        <p:cTn id="21" dur="1" fill="hold">
-                                          <p:stCondLst>
-                                            <p:cond delay="0"/>
-                                          </p:stCondLst>
-                                        </p:cTn>
-                                        <p:tgtEl>
-                                          <p:spTgt spid="12"/>
-                                        </p:tgtEl>
-                                        <p:attrNameLst>
-                                          <p:attrName>style.visibility</p:attrName>
-                                        </p:attrNameLst>
-                                      </p:cBhvr>
-                                      <p:to>
-                                        <p:strVal val="hidden"/>
-                                      </p:to>
-                                    </p:set>
-                                  </p:childTnLst>
-                                </p:cTn>
-                              </p:par>
-                            </p:childTnLst>
-                          </p:cTn>
-                        </p:par>
-                        <p:par>
-                          <p:cTn id="22" fill="hold">
-                            <p:stCondLst>
-                              <p:cond delay="300"/>
-                            </p:stCondLst>
-                            <p:childTnLst>
-                              <p:par>
-                                <p:cTn id="23" presetID="1" presetClass="entr" presetSubtype="0" fill="hold" nodeType="afterEffect">
-                                  <p:stCondLst>
-                                    <p:cond delay="0"/>
-                                  </p:stCondLst>
-                                  <p:childTnLst>
-                                    <p:set>
-                                      <p:cBhvr>
-                                        <p:cTn id="24" dur="1" fill="hold">
-                                          <p:stCondLst>
-                                            <p:cond delay="0"/>
-                                          </p:stCondLst>
-                                        </p:cTn>
-                                        <p:tgtEl>
-                                          <p:spTgt spid="13"/>
-                                        </p:tgtEl>
-                                        <p:attrNameLst>
-                                          <p:attrName>style.visibility</p:attrName>
-                                        </p:attrNameLst>
-                                      </p:cBhvr>
-                                      <p:to>
-                                        <p:strVal val="visible"/>
-                                      </p:to>
-                                    </p:set>
-                                  </p:childTnLst>
-                                </p:cTn>
-                              </p:par>
-                            </p:childTnLst>
-                          </p:cTn>
-                        </p:par>
-                        <p:par>
-                          <p:cTn id="25" fill="hold">
-                            <p:stCondLst>
-                              <p:cond delay="300"/>
-                            </p:stCondLst>
-                            <p:childTnLst>
-                              <p:par>
-                                <p:cTn id="26" presetID="1" presetClass="exit" presetSubtype="0" fill="hold" nodeType="afterEffect">
-                                  <p:stCondLst>
-                                    <p:cond delay="100"/>
-                                  </p:stCondLst>
-                                  <p:childTnLst>
-                                    <p:set>
-                                      <p:cBhvr>
-                                        <p:cTn id="27" dur="1" fill="hold">
-                                          <p:stCondLst>
-                                            <p:cond delay="0"/>
-                                          </p:stCondLst>
-                                        </p:cTn>
-                                        <p:tgtEl>
-                                          <p:spTgt spid="13"/>
-                                        </p:tgtEl>
-                                        <p:attrNameLst>
-                                          <p:attrName>style.visibility</p:attrName>
-                                        </p:attrNameLst>
-                                      </p:cBhvr>
-                                      <p:to>
-                                        <p:strVal val="hidden"/>
-                                      </p:to>
-                                    </p:set>
-                                  </p:childTnLst>
-                                </p:cTn>
-                              </p:par>
-                            </p:childTnLst>
-                          </p:cTn>
-                        </p:par>
-                        <p:par>
-                          <p:cTn id="28" fill="hold">
-                            <p:stCondLst>
-                              <p:cond delay="400"/>
-                            </p:stCondLst>
-                            <p:childTnLst>
-                              <p:par>
-                                <p:cTn id="29" presetID="1" presetClass="entr" presetSubtype="0" fill="hold" nodeType="afterEffect">
-                                  <p:stCondLst>
-                                    <p:cond delay="0"/>
-                                  </p:stCondLst>
-                                  <p:childTnLst>
-                                    <p:set>
-                                      <p:cBhvr>
-                                        <p:cTn id="30" dur="1" fill="hold">
-                                          <p:stCondLst>
-                                            <p:cond delay="0"/>
-                                          </p:stCondLst>
-                                        </p:cTn>
-                                        <p:tgtEl>
-                                          <p:spTgt spid="14"/>
-                                        </p:tgtEl>
-                                        <p:attrNameLst>
-                                          <p:attrName>style.visibility</p:attrName>
-                                        </p:attrNameLst>
-                                      </p:cBhvr>
-                                      <p:to>
-                                        <p:strVal val="visible"/>
-                                      </p:to>
-                                    </p:set>
-                                  </p:childTnLst>
-                                </p:cTn>
-                              </p:par>
-                            </p:childTnLst>
-                          </p:cTn>
-                        </p:par>
-                        <p:par>
-                          <p:cTn id="31" fill="hold">
-                            <p:stCondLst>
-                              <p:cond delay="400"/>
-                            </p:stCondLst>
-                            <p:childTnLst>
-                              <p:par>
-                                <p:cTn id="32" presetID="1" presetClass="exit" presetSubtype="0" fill="hold" nodeType="afterEffect">
-                                  <p:stCondLst>
-                                    <p:cond delay="100"/>
-                                  </p:stCondLst>
-                                  <p:childTnLst>
-                                    <p:set>
-                                      <p:cBhvr>
-                                        <p:cTn id="33" dur="1" fill="hold">
-                                          <p:stCondLst>
-                                            <p:cond delay="0"/>
-                                          </p:stCondLst>
-                                        </p:cTn>
-                                        <p:tgtEl>
-                                          <p:spTgt spid="14"/>
-                                        </p:tgtEl>
-                                        <p:attrNameLst>
-                                          <p:attrName>style.visibility</p:attrName>
-                                        </p:attrNameLst>
-                                      </p:cBhvr>
-                                      <p:to>
-                                        <p:strVal val="hidden"/>
-                                      </p:to>
-                                    </p:set>
-                                  </p:childTnLst>
-                                </p:cTn>
-                              </p:par>
-                            </p:childTnLst>
-                          </p:cTn>
-                        </p:par>
-                        <p:par>
-                          <p:cTn id="34" fill="hold">
-                            <p:stCondLst>
-                              <p:cond delay="500"/>
-                            </p:stCondLst>
-                            <p:childTnLst>
-                              <p:par>
-                                <p:cTn id="35" presetID="1" presetClass="entr" presetSubtype="0" fill="hold" nodeType="afterEffect">
-                                  <p:stCondLst>
-                                    <p:cond delay="0"/>
-                                  </p:stCondLst>
-                                  <p:childTnLst>
-                                    <p:set>
-                                      <p:cBhvr>
-                                        <p:cTn id="36" dur="1" fill="hold">
-                                          <p:stCondLst>
-                                            <p:cond delay="0"/>
-                                          </p:stCondLst>
-                                        </p:cTn>
-                                        <p:tgtEl>
-                                          <p:spTgt spid="15"/>
-                                        </p:tgtEl>
-                                        <p:attrNameLst>
-                                          <p:attrName>style.visibility</p:attrName>
-                                        </p:attrNameLst>
-                                      </p:cBhvr>
-                                      <p:to>
-                                        <p:strVal val="visible"/>
-                                      </p:to>
-                                    </p:set>
-                                  </p:childTnLst>
-                                </p:cTn>
-                              </p:par>
-                            </p:childTnLst>
-                          </p:cTn>
-                        </p:par>
-                        <p:par>
-                          <p:cTn id="37" fill="hold">
-                            <p:stCondLst>
-                              <p:cond delay="500"/>
-                            </p:stCondLst>
-                            <p:childTnLst>
-                              <p:par>
-                                <p:cTn id="38" presetID="1" presetClass="exit" presetSubtype="0" fill="hold" nodeType="afterEffect">
-                                  <p:stCondLst>
-                                    <p:cond delay="100"/>
-                                  </p:stCondLst>
-                                  <p:childTnLst>
-                                    <p:set>
-                                      <p:cBhvr>
-                                        <p:cTn id="39" dur="1" fill="hold">
-                                          <p:stCondLst>
-                                            <p:cond delay="0"/>
-                                          </p:stCondLst>
-                                        </p:cTn>
-                                        <p:tgtEl>
-                                          <p:spTgt spid="15"/>
-                                        </p:tgtEl>
-                                        <p:attrNameLst>
-                                          <p:attrName>style.visibility</p:attrName>
-                                        </p:attrNameLst>
-                                      </p:cBhvr>
-                                      <p:to>
-                                        <p:strVal val="hidden"/>
-                                      </p:to>
-                                    </p:set>
-                                  </p:childTnLst>
-                                </p:cTn>
-                              </p:par>
-                            </p:childTnLst>
-                          </p:cTn>
-                        </p:par>
-                        <p:par>
-                          <p:cTn id="40" fill="hold">
-                            <p:stCondLst>
-                              <p:cond delay="600"/>
-                            </p:stCondLst>
-                            <p:childTnLst>
-                              <p:par>
-                                <p:cTn id="41" presetID="1" presetClass="entr" presetSubtype="0" fill="hold" nodeType="afterEffect">
-                                  <p:stCondLst>
-                                    <p:cond delay="0"/>
-                                  </p:stCondLst>
-                                  <p:childTnLst>
-                                    <p:set>
-                                      <p:cBhvr>
-                                        <p:cTn id="42" dur="1" fill="hold">
-                                          <p:stCondLst>
-                                            <p:cond delay="0"/>
-                                          </p:stCondLst>
-                                        </p:cTn>
-                                        <p:tgtEl>
-                                          <p:spTgt spid="16"/>
-                                        </p:tgtEl>
-                                        <p:attrNameLst>
-                                          <p:attrName>style.visibility</p:attrName>
-                                        </p:attrNameLst>
-                                      </p:cBhvr>
-                                      <p:to>
-                                        <p:strVal val="visible"/>
-                                      </p:to>
-                                    </p:set>
-                                  </p:childTnLst>
-                                </p:cTn>
-                              </p:par>
-                            </p:childTnLst>
-                          </p:cTn>
-                        </p:par>
-                        <p:par>
-                          <p:cTn id="43" fill="hold">
-                            <p:stCondLst>
-                              <p:cond delay="600"/>
-                            </p:stCondLst>
-                            <p:childTnLst>
-                              <p:par>
-                                <p:cTn id="44" presetID="1" presetClass="exit" presetSubtype="0" fill="hold" nodeType="afterEffect">
-                                  <p:stCondLst>
-                                    <p:cond delay="100"/>
-                                  </p:stCondLst>
-                                  <p:childTnLst>
-                                    <p:set>
-                                      <p:cBhvr>
-                                        <p:cTn id="45" dur="1" fill="hold">
-                                          <p:stCondLst>
-                                            <p:cond delay="0"/>
-                                          </p:stCondLst>
-                                        </p:cTn>
-                                        <p:tgtEl>
-                                          <p:spTgt spid="16"/>
-                                        </p:tgtEl>
-                                        <p:attrNameLst>
-                                          <p:attrName>style.visibility</p:attrName>
-                                        </p:attrNameLst>
-                                      </p:cBhvr>
-                                      <p:to>
-                                        <p:strVal val="hidden"/>
-                                      </p:to>
-                                    </p:set>
-                                  </p:childTnLst>
-                                </p:cTn>
-                              </p:par>
-                            </p:childTnLst>
-                          </p:cTn>
-                        </p:par>
-                        <p:par>
-                          <p:cTn id="46" fill="hold">
-                            <p:stCondLst>
-                              <p:cond delay="700"/>
-                            </p:stCondLst>
-                            <p:childTnLst>
-                              <p:par>
-                                <p:cTn id="47" presetID="1" presetClass="entr" presetSubtype="0" fill="hold" nodeType="afterEffect">
-                                  <p:stCondLst>
-                                    <p:cond delay="0"/>
-                                  </p:stCondLst>
-                                  <p:childTnLst>
-                                    <p:set>
-                                      <p:cBhvr>
-                                        <p:cTn id="48" dur="1" fill="hold">
-                                          <p:stCondLst>
-                                            <p:cond delay="0"/>
-                                          </p:stCondLst>
-                                        </p:cTn>
-                                        <p:tgtEl>
-                                          <p:spTgt spid="17"/>
-                                        </p:tgtEl>
-                                        <p:attrNameLst>
-                                          <p:attrName>style.visibility</p:attrName>
-                                        </p:attrNameLst>
-                                      </p:cBhvr>
-                                      <p:to>
-                                        <p:strVal val="visible"/>
-                                      </p:to>
-                                    </p:set>
-                                  </p:childTnLst>
-                                </p:cTn>
-                              </p:par>
-                            </p:childTnLst>
-                          </p:cTn>
-                        </p:par>
-                        <p:par>
-                          <p:cTn id="49" fill="hold">
-                            <p:stCondLst>
-                              <p:cond delay="700"/>
-                            </p:stCondLst>
-                            <p:childTnLst>
-                              <p:par>
-                                <p:cTn id="50" presetID="1" presetClass="exit" presetSubtype="0" fill="hold" nodeType="afterEffect">
-                                  <p:stCondLst>
-                                    <p:cond delay="100"/>
-                                  </p:stCondLst>
-                                  <p:childTnLst>
-                                    <p:set>
-                                      <p:cBhvr>
-                                        <p:cTn id="51" dur="1" fill="hold">
-                                          <p:stCondLst>
-                                            <p:cond delay="0"/>
-                                          </p:stCondLst>
-                                        </p:cTn>
-                                        <p:tgtEl>
-                                          <p:spTgt spid="17"/>
-                                        </p:tgtEl>
-                                        <p:attrNameLst>
-                                          <p:attrName>style.visibility</p:attrName>
-                                        </p:attrNameLst>
-                                      </p:cBhvr>
-                                      <p:to>
-                                        <p:strVal val="hidden"/>
-                                      </p:to>
-                                    </p:set>
-                                  </p:childTnLst>
-                                </p:cTn>
-                              </p:par>
-                            </p:childTnLst>
-                          </p:cTn>
-                        </p:par>
-                        <p:par>
-                          <p:cTn id="52" fill="hold">
-                            <p:stCondLst>
-                              <p:cond delay="800"/>
-                            </p:stCondLst>
-                            <p:childTnLst>
-                              <p:par>
-                                <p:cTn id="53" presetID="1" presetClass="entr" presetSubtype="0" fill="hold" nodeType="afterEffect">
-                                  <p:stCondLst>
-                                    <p:cond delay="0"/>
-                                  </p:stCondLst>
-                                  <p:childTnLst>
-                                    <p:set>
-                                      <p:cBhvr>
-                                        <p:cTn id="54" dur="1" fill="hold">
-                                          <p:stCondLst>
-                                            <p:cond delay="0"/>
-                                          </p:stCondLst>
-                                        </p:cTn>
-                                        <p:tgtEl>
-                                          <p:spTgt spid="18"/>
-                                        </p:tgtEl>
-                                        <p:attrNameLst>
-                                          <p:attrName>style.visibility</p:attrName>
-                                        </p:attrNameLst>
-                                      </p:cBhvr>
-                                      <p:to>
-                                        <p:strVal val="visible"/>
-                                      </p:to>
-                                    </p:set>
-                                  </p:childTnLst>
-                                </p:cTn>
-                              </p:par>
-                            </p:childTnLst>
-                          </p:cTn>
-                        </p:par>
-                        <p:par>
-                          <p:cTn id="55" fill="hold">
-                            <p:stCondLst>
-                              <p:cond delay="800"/>
-                            </p:stCondLst>
-                            <p:childTnLst>
-                              <p:par>
-                                <p:cTn id="56" presetID="1" presetClass="exit" presetSubtype="0" fill="hold" nodeType="afterEffect">
-                                  <p:stCondLst>
-                                    <p:cond delay="100"/>
-                                  </p:stCondLst>
-                                  <p:childTnLst>
-                                    <p:set>
-                                      <p:cBhvr>
-                                        <p:cTn id="57" dur="1" fill="hold">
-                                          <p:stCondLst>
-                                            <p:cond delay="0"/>
-                                          </p:stCondLst>
-                                        </p:cTn>
-                                        <p:tgtEl>
-                                          <p:spTgt spid="18"/>
-                                        </p:tgtEl>
-                                        <p:attrNameLst>
-                                          <p:attrName>style.visibility</p:attrName>
-                                        </p:attrNameLst>
-                                      </p:cBhvr>
-                                      <p:to>
-                                        <p:strVal val="hidden"/>
-                                      </p:to>
-                                    </p:set>
-                                  </p:childTnLst>
-                                </p:cTn>
-                              </p:par>
-                            </p:childTnLst>
-                          </p:cTn>
-                        </p:par>
-                        <p:par>
-                          <p:cTn id="58" fill="hold">
-                            <p:stCondLst>
-                              <p:cond delay="900"/>
-                            </p:stCondLst>
-                            <p:childTnLst>
-                              <p:par>
-                                <p:cTn id="59" presetID="1" presetClass="entr" presetSubtype="0" fill="hold" nodeType="afterEffect">
-                                  <p:stCondLst>
-                                    <p:cond delay="0"/>
-                                  </p:stCondLst>
-                                  <p:childTnLst>
-                                    <p:set>
-                                      <p:cBhvr>
-                                        <p:cTn id="60" dur="1" fill="hold">
-                                          <p:stCondLst>
-                                            <p:cond delay="0"/>
-                                          </p:stCondLst>
-                                        </p:cTn>
-                                        <p:tgtEl>
-                                          <p:spTgt spid="19"/>
-                                        </p:tgtEl>
-                                        <p:attrNameLst>
-                                          <p:attrName>style.visibility</p:attrName>
-                                        </p:attrNameLst>
-                                      </p:cBhvr>
-                                      <p:to>
-                                        <p:strVal val="visible"/>
-                                      </p:to>
-                                    </p:set>
-                                  </p:childTnLst>
-                                </p:cTn>
-                              </p:par>
-                            </p:childTnLst>
-                          </p:cTn>
-                        </p:par>
-                        <p:par>
-                          <p:cTn id="61" fill="hold">
-                            <p:stCondLst>
-                              <p:cond delay="900"/>
-                            </p:stCondLst>
-                            <p:childTnLst>
-                              <p:par>
-                                <p:cTn id="62" presetID="1" presetClass="exit" presetSubtype="0" fill="hold" nodeType="afterEffect">
-                                  <p:stCondLst>
-                                    <p:cond delay="100"/>
-                                  </p:stCondLst>
-                                  <p:childTnLst>
-                                    <p:set>
-                                      <p:cBhvr>
-                                        <p:cTn id="63" dur="1" fill="hold">
-                                          <p:stCondLst>
-                                            <p:cond delay="0"/>
-                                          </p:stCondLst>
-                                        </p:cTn>
-                                        <p:tgtEl>
-                                          <p:spTgt spid="19"/>
-                                        </p:tgtEl>
-                                        <p:attrNameLst>
-                                          <p:attrName>style.visibility</p:attrName>
-                                        </p:attrNameLst>
-                                      </p:cBhvr>
-                                      <p:to>
-                                        <p:strVal val="hidden"/>
-                                      </p:to>
-                                    </p:set>
-                                  </p:childTnLst>
-                                </p:cTn>
-                              </p:par>
-                            </p:childTnLst>
-                          </p:cTn>
-                        </p:par>
-                        <p:par>
-                          <p:cTn id="64" fill="hold">
-                            <p:stCondLst>
-                              <p:cond delay="1000"/>
-                            </p:stCondLst>
-                            <p:childTnLst>
-                              <p:par>
-                                <p:cTn id="65" presetID="1" presetClass="entr" presetSubtype="0" fill="hold" nodeType="afterEffect">
-                                  <p:stCondLst>
-                                    <p:cond delay="0"/>
-                                  </p:stCondLst>
-                                  <p:childTnLst>
-                                    <p:set>
-                                      <p:cBhvr>
-                                        <p:cTn id="66" dur="1" fill="hold">
-                                          <p:stCondLst>
-                                            <p:cond delay="0"/>
-                                          </p:stCondLst>
-                                        </p:cTn>
-                                        <p:tgtEl>
-                                          <p:spTgt spid="20"/>
-                                        </p:tgtEl>
-                                        <p:attrNameLst>
-                                          <p:attrName>style.visibility</p:attrName>
-                                        </p:attrNameLst>
-                                      </p:cBhvr>
-                                      <p:to>
-                                        <p:strVal val="visible"/>
-                                      </p:to>
-                                    </p:set>
-                                  </p:childTnLst>
-                                </p:cTn>
-                              </p:par>
-                            </p:childTnLst>
-                          </p:cTn>
-                        </p:par>
-                        <p:par>
-                          <p:cTn id="67" fill="hold">
-                            <p:stCondLst>
-                              <p:cond delay="1000"/>
-                            </p:stCondLst>
-                            <p:childTnLst>
-                              <p:par>
-                                <p:cTn id="68" presetID="1" presetClass="exit" presetSubtype="0" fill="hold" nodeType="afterEffect">
-                                  <p:stCondLst>
-                                    <p:cond delay="200"/>
-                                  </p:stCondLst>
-                                  <p:childTnLst>
-                                    <p:set>
-                                      <p:cBhvr>
-                                        <p:cTn id="69" dur="1" fill="hold">
-                                          <p:stCondLst>
-                                            <p:cond delay="0"/>
-                                          </p:stCondLst>
-                                        </p:cTn>
-                                        <p:tgtEl>
-                                          <p:spTgt spid="20"/>
-                                        </p:tgtEl>
-                                        <p:attrNameLst>
-                                          <p:attrName>style.visibility</p:attrName>
-                                        </p:attrNameLst>
-                                      </p:cBhvr>
-                                      <p:to>
-                                        <p:strVal val="hidden"/>
-                                      </p:to>
-                                    </p:set>
-                                  </p:childTnLst>
-                                </p:cTn>
-                              </p:par>
-                            </p:childTnLst>
-                          </p:cTn>
-                        </p:par>
-                        <p:par>
-                          <p:cTn id="70" fill="hold">
-                            <p:stCondLst>
-                              <p:cond delay="1200"/>
-                            </p:stCondLst>
-                            <p:childTnLst>
-                              <p:par>
-                                <p:cTn id="71" presetID="1" presetClass="entr" presetSubtype="0" fill="hold" nodeType="afterEffect">
-                                  <p:stCondLst>
-                                    <p:cond delay="0"/>
-                                  </p:stCondLst>
-                                  <p:childTnLst>
-                                    <p:set>
-                                      <p:cBhvr>
-                                        <p:cTn id="72" dur="1" fill="hold">
-                                          <p:stCondLst>
-                                            <p:cond delay="0"/>
-                                          </p:stCondLst>
-                                        </p:cTn>
-                                        <p:tgtEl>
-                                          <p:spTgt spid="21"/>
-                                        </p:tgtEl>
-                                        <p:attrNameLst>
-                                          <p:attrName>style.visibility</p:attrName>
-                                        </p:attrNameLst>
-                                      </p:cBhvr>
-                                      <p:to>
-                                        <p:strVal val="visible"/>
-                                      </p:to>
-                                    </p:set>
-                                  </p:childTnLst>
-                                </p:cTn>
-                              </p:par>
-                            </p:childTnLst>
-                          </p:cTn>
-                        </p:par>
-                        <p:par>
-                          <p:cTn id="73" fill="hold">
-                            <p:stCondLst>
-                              <p:cond delay="1200"/>
-                            </p:stCondLst>
-                            <p:childTnLst>
-                              <p:par>
-                                <p:cTn id="74" presetID="1" presetClass="exit" presetSubtype="0" fill="hold" nodeType="afterEffect">
-                                  <p:stCondLst>
-                                    <p:cond delay="200"/>
-                                  </p:stCondLst>
-                                  <p:childTnLst>
-                                    <p:set>
-                                      <p:cBhvr>
-                                        <p:cTn id="75" dur="1" fill="hold">
-                                          <p:stCondLst>
-                                            <p:cond delay="0"/>
-                                          </p:stCondLst>
-                                        </p:cTn>
-                                        <p:tgtEl>
-                                          <p:spTgt spid="21"/>
-                                        </p:tgtEl>
-                                        <p:attrNameLst>
-                                          <p:attrName>style.visibility</p:attrName>
-                                        </p:attrNameLst>
-                                      </p:cBhvr>
-                                      <p:to>
-                                        <p:strVal val="hidden"/>
-                                      </p:to>
-                                    </p:set>
-                                  </p:childTnLst>
-                                </p:cTn>
-                              </p:par>
-                            </p:childTnLst>
-                          </p:cTn>
-                        </p:par>
-                      </p:childTnLst>
-                    </p:cTn>
-                  </p:par>
-                </p:childTnLst>
-              </p:cTn>
-              <p:prevCondLst>
-                <p:cond evt="onPrev" delay="0">
-                  <p:tgtEl>
-                    <p:sldTgt/>
-                  </p:tgtEl>
-                </p:cond>
-              </p:prevCondLst>
-              <p:nextCondLst>
-                <p:cond evt="onNext" delay="0">
-                  <p:tgtEl>
-                    <p:sldTgt/>
-                  </p:tgtEl>
-                </p:cond>
-              </p:nextCondLst>
-            </p:seq>
-          </p:childTnLst>
-        </p:cTn>
-      </p:par>
-    </p:tnLst>
-  </p:timing>
+</p:sld>
+</file>
+
+<file path=ppt/slides/slide3.xml><?xml version="1.0" encoding="utf-8"?>
+<p:sld xmlns:a="http://schemas.openxmlformats.org/drawingml/2006/main" xmlns:r="http://schemas.openxmlformats.org/officeDocument/2006/relationships" xmlns:p="http://schemas.openxmlformats.org/presentationml/2006/main">
+  <p:cSld>
+    <p:spTree>
+      <p:nvGrpSpPr>
+        <p:cNvPr id="1" name=""/>
+        <p:cNvGrpSpPr/>
+        <p:nvPr/>
+      </p:nvGrpSpPr>
+      <p:grpSpPr>
+        <a:xfrm>
+          <a:off x="0" y="0"/>
+          <a:ext cx="0" cy="0"/>
+          <a:chOff x="0" y="0"/>
+          <a:chExt cx="0" cy="0"/>
+        </a:xfrm>
+      </p:grpSpPr>
+      <p:pic>
+        <p:nvPicPr>
+          <p:cNvPr id="4" name="그림 3">
+            <a:extLst>
+              <a:ext uri="{FF2B5EF4-FFF2-40B4-BE49-F238E27FC236}">
+                <a16:creationId xmlns:a16="http://schemas.microsoft.com/office/drawing/2014/main" id="{9700A9CB-3631-4D3B-956E-1FAEDF046F7F}"/>
+              </a:ext>
+            </a:extLst>
+          </p:cNvPr>
+          <p:cNvPicPr>
+            <a:picLocks noChangeAspect="1"/>
+          </p:cNvPicPr>
+          <p:nvPr/>
+        </p:nvPicPr>
+        <p:blipFill>
+          <a:blip r:embed="rId2"/>
+          <a:stretch>
+            <a:fillRect/>
+          </a:stretch>
+        </p:blipFill>
+        <p:spPr>
+          <a:xfrm>
+            <a:off x="1367479" y="2053471"/>
+            <a:ext cx="7171041" cy="2751058"/>
+          </a:xfrm>
+          <a:prstGeom prst="rect">
+            <a:avLst/>
+          </a:prstGeom>
+        </p:spPr>
+      </p:pic>
+      <p:cxnSp>
+        <p:nvCxnSpPr>
+          <p:cNvPr id="5" name="직선 화살표 연결선 4">
+            <a:extLst>
+              <a:ext uri="{FF2B5EF4-FFF2-40B4-BE49-F238E27FC236}">
+                <a16:creationId xmlns:a16="http://schemas.microsoft.com/office/drawing/2014/main" id="{8E1A04DD-D2E0-4839-AF3C-F4B9FAC46DE4}"/>
+              </a:ext>
+            </a:extLst>
+          </p:cNvPr>
+          <p:cNvCxnSpPr/>
+          <p:nvPr/>
+        </p:nvCxnSpPr>
+        <p:spPr>
+          <a:xfrm flipV="1">
+            <a:off x="4883075" y="2246113"/>
+            <a:ext cx="0" cy="1264086"/>
+          </a:xfrm>
+          <a:prstGeom prst="straightConnector1">
+            <a:avLst/>
+          </a:prstGeom>
+          <a:ln w="38100">
+            <a:solidFill>
+              <a:srgbClr val="FF0000"/>
+            </a:solidFill>
+            <a:tailEnd type="triangle"/>
+          </a:ln>
+        </p:spPr>
+        <p:style>
+          <a:lnRef idx="1">
+            <a:schemeClr val="accent1"/>
+          </a:lnRef>
+          <a:fillRef idx="0">
+            <a:schemeClr val="accent1"/>
+          </a:fillRef>
+          <a:effectRef idx="0">
+            <a:schemeClr val="accent1"/>
+          </a:effectRef>
+          <a:fontRef idx="minor">
+            <a:schemeClr val="tx1"/>
+          </a:fontRef>
+        </p:style>
+      </p:cxnSp>
+      <p:cxnSp>
+        <p:nvCxnSpPr>
+          <p:cNvPr id="6" name="직선 화살표 연결선 5">
+            <a:extLst>
+              <a:ext uri="{FF2B5EF4-FFF2-40B4-BE49-F238E27FC236}">
+                <a16:creationId xmlns:a16="http://schemas.microsoft.com/office/drawing/2014/main" id="{C2BEE321-706E-4050-8016-1372FD52EE32}"/>
+              </a:ext>
+            </a:extLst>
+          </p:cNvPr>
+          <p:cNvCxnSpPr>
+            <a:cxnSpLocks/>
+          </p:cNvCxnSpPr>
+          <p:nvPr/>
+        </p:nvCxnSpPr>
+        <p:spPr>
+          <a:xfrm flipH="1">
+            <a:off x="3124200" y="3492128"/>
+            <a:ext cx="1758875" cy="0"/>
+          </a:xfrm>
+          <a:prstGeom prst="straightConnector1">
+            <a:avLst/>
+          </a:prstGeom>
+          <a:ln w="38100">
+            <a:solidFill>
+              <a:srgbClr val="FF0000"/>
+            </a:solidFill>
+            <a:tailEnd type="triangle"/>
+          </a:ln>
+        </p:spPr>
+        <p:style>
+          <a:lnRef idx="1">
+            <a:schemeClr val="accent1"/>
+          </a:lnRef>
+          <a:fillRef idx="0">
+            <a:schemeClr val="accent1"/>
+          </a:fillRef>
+          <a:effectRef idx="0">
+            <a:schemeClr val="accent1"/>
+          </a:effectRef>
+          <a:fontRef idx="minor">
+            <a:schemeClr val="tx1"/>
+          </a:fontRef>
+        </p:style>
+      </p:cxnSp>
+      <p:sp>
+        <p:nvSpPr>
+          <p:cNvPr id="7" name="TextBox 6">
+            <a:extLst>
+              <a:ext uri="{FF2B5EF4-FFF2-40B4-BE49-F238E27FC236}">
+                <a16:creationId xmlns:a16="http://schemas.microsoft.com/office/drawing/2014/main" id="{2F57FC87-CFB8-49DB-AB09-C097399926C5}"/>
+              </a:ext>
+            </a:extLst>
+          </p:cNvPr>
+          <p:cNvSpPr txBox="1"/>
+          <p:nvPr/>
+        </p:nvSpPr>
+        <p:spPr>
+          <a:xfrm>
+            <a:off x="4961061" y="2122051"/>
+            <a:ext cx="1258678" cy="369332"/>
+          </a:xfrm>
+          <a:prstGeom prst="rect">
+            <a:avLst/>
+          </a:prstGeom>
+          <a:noFill/>
+        </p:spPr>
+        <p:txBody>
+          <a:bodyPr wrap="none" rtlCol="0">
+            <a:spAutoFit/>
+          </a:bodyPr>
+          <a:lstStyle/>
+          <a:p>
+            <a:r>
+              <a:rPr lang="en-US" altLang="ko-KR" dirty="0">
+                <a:solidFill>
+                  <a:schemeClr val="bg1"/>
+                </a:solidFill>
+              </a:rPr>
+              <a:t>Z </a:t>
+            </a:r>
+            <a:r>
+              <a:rPr lang="ko-KR" altLang="en-US" dirty="0">
+                <a:solidFill>
+                  <a:schemeClr val="bg1"/>
+                </a:solidFill>
+              </a:rPr>
+              <a:t>축 </a:t>
+            </a:r>
+            <a:r>
+              <a:rPr lang="en-US" altLang="ko-KR" dirty="0">
+                <a:solidFill>
+                  <a:schemeClr val="bg1"/>
+                </a:solidFill>
+              </a:rPr>
+              <a:t>+</a:t>
+            </a:r>
+            <a:r>
+              <a:rPr lang="ko-KR" altLang="en-US" dirty="0">
+                <a:solidFill>
+                  <a:schemeClr val="bg1"/>
+                </a:solidFill>
+              </a:rPr>
+              <a:t> 방향</a:t>
+            </a:r>
+          </a:p>
+        </p:txBody>
+      </p:sp>
+      <p:sp>
+        <p:nvSpPr>
+          <p:cNvPr id="8" name="TextBox 7">
+            <a:extLst>
+              <a:ext uri="{FF2B5EF4-FFF2-40B4-BE49-F238E27FC236}">
+                <a16:creationId xmlns:a16="http://schemas.microsoft.com/office/drawing/2014/main" id="{8E1B7F10-9B86-4868-8E19-766920F0FE23}"/>
+              </a:ext>
+            </a:extLst>
+          </p:cNvPr>
+          <p:cNvSpPr txBox="1"/>
+          <p:nvPr/>
+        </p:nvSpPr>
+        <p:spPr>
+          <a:xfrm>
+            <a:off x="3112422" y="3663339"/>
+            <a:ext cx="1263487" cy="369332"/>
+          </a:xfrm>
+          <a:prstGeom prst="rect">
+            <a:avLst/>
+          </a:prstGeom>
+          <a:noFill/>
+        </p:spPr>
+        <p:txBody>
+          <a:bodyPr wrap="none" rtlCol="0">
+            <a:spAutoFit/>
+          </a:bodyPr>
+          <a:lstStyle/>
+          <a:p>
+            <a:r>
+              <a:rPr lang="en-US" altLang="ko-KR" dirty="0">
+                <a:solidFill>
+                  <a:schemeClr val="bg1"/>
+                </a:solidFill>
+              </a:rPr>
+              <a:t>X </a:t>
+            </a:r>
+            <a:r>
+              <a:rPr lang="ko-KR" altLang="en-US" dirty="0">
+                <a:solidFill>
+                  <a:schemeClr val="bg1"/>
+                </a:solidFill>
+              </a:rPr>
+              <a:t>축 </a:t>
+            </a:r>
+            <a:r>
+              <a:rPr lang="en-US" altLang="ko-KR" dirty="0">
+                <a:solidFill>
+                  <a:schemeClr val="bg1"/>
+                </a:solidFill>
+              </a:rPr>
+              <a:t>+</a:t>
+            </a:r>
+            <a:r>
+              <a:rPr lang="ko-KR" altLang="en-US" dirty="0">
+                <a:solidFill>
+                  <a:schemeClr val="bg1"/>
+                </a:solidFill>
+              </a:rPr>
+              <a:t> 방향</a:t>
+            </a:r>
+          </a:p>
+        </p:txBody>
+      </p:sp>
+    </p:spTree>
+    <p:extLst>
+      <p:ext uri="{BB962C8B-B14F-4D97-AF65-F5344CB8AC3E}">
+        <p14:creationId xmlns:p14="http://schemas.microsoft.com/office/powerpoint/2010/main" val="1063710947"/>
+      </p:ext>
+    </p:extLst>
+  </p:cSld>
+  <p:clrMapOvr>
+    <a:masterClrMapping/>
+  </p:clrMapOvr>
+</p:sld>
+</file>
+
+<file path=ppt/slides/slide4.xml><?xml version="1.0" encoding="utf-8"?>
+<p:sld xmlns:a="http://schemas.openxmlformats.org/drawingml/2006/main" xmlns:r="http://schemas.openxmlformats.org/officeDocument/2006/relationships" xmlns:p="http://schemas.openxmlformats.org/presentationml/2006/main">
+  <p:cSld>
+    <p:spTree>
+      <p:nvGrpSpPr>
+        <p:cNvPr id="1" name=""/>
+        <p:cNvGrpSpPr/>
+        <p:nvPr/>
+      </p:nvGrpSpPr>
+      <p:grpSpPr>
+        <a:xfrm>
+          <a:off x="0" y="0"/>
+          <a:ext cx="0" cy="0"/>
+          <a:chOff x="0" y="0"/>
+          <a:chExt cx="0" cy="0"/>
+        </a:xfrm>
+      </p:grpSpPr>
+      <p:pic>
+        <p:nvPicPr>
+          <p:cNvPr id="4" name="그림 3">
+            <a:extLst>
+              <a:ext uri="{FF2B5EF4-FFF2-40B4-BE49-F238E27FC236}">
+                <a16:creationId xmlns:a16="http://schemas.microsoft.com/office/drawing/2014/main" id="{C8B7546A-D115-4AA0-8306-32E360664E38}"/>
+              </a:ext>
+            </a:extLst>
+          </p:cNvPr>
+          <p:cNvPicPr>
+            <a:picLocks noChangeAspect="1"/>
+          </p:cNvPicPr>
+          <p:nvPr/>
+        </p:nvPicPr>
+        <p:blipFill>
+          <a:blip r:embed="rId2"/>
+          <a:stretch>
+            <a:fillRect/>
+          </a:stretch>
+        </p:blipFill>
+        <p:spPr>
+          <a:xfrm>
+            <a:off x="2964007" y="1043733"/>
+            <a:ext cx="3977985" cy="4770533"/>
+          </a:xfrm>
+          <a:prstGeom prst="rect">
+            <a:avLst/>
+          </a:prstGeom>
+        </p:spPr>
+      </p:pic>
+      <p:cxnSp>
+        <p:nvCxnSpPr>
+          <p:cNvPr id="5" name="직선 화살표 연결선 4">
+            <a:extLst>
+              <a:ext uri="{FF2B5EF4-FFF2-40B4-BE49-F238E27FC236}">
+                <a16:creationId xmlns:a16="http://schemas.microsoft.com/office/drawing/2014/main" id="{147991EE-A56B-4FB4-82F6-92CE7A1E5838}"/>
+              </a:ext>
+            </a:extLst>
+          </p:cNvPr>
+          <p:cNvCxnSpPr/>
+          <p:nvPr/>
+        </p:nvCxnSpPr>
+        <p:spPr>
+          <a:xfrm flipV="1">
+            <a:off x="4890695" y="1948933"/>
+            <a:ext cx="0" cy="1264086"/>
+          </a:xfrm>
+          <a:prstGeom prst="straightConnector1">
+            <a:avLst/>
+          </a:prstGeom>
+          <a:ln w="38100">
+            <a:solidFill>
+              <a:srgbClr val="FF0000"/>
+            </a:solidFill>
+            <a:tailEnd type="triangle"/>
+          </a:ln>
+        </p:spPr>
+        <p:style>
+          <a:lnRef idx="1">
+            <a:schemeClr val="accent1"/>
+          </a:lnRef>
+          <a:fillRef idx="0">
+            <a:schemeClr val="accent1"/>
+          </a:fillRef>
+          <a:effectRef idx="0">
+            <a:schemeClr val="accent1"/>
+          </a:effectRef>
+          <a:fontRef idx="minor">
+            <a:schemeClr val="tx1"/>
+          </a:fontRef>
+        </p:style>
+      </p:cxnSp>
+      <p:cxnSp>
+        <p:nvCxnSpPr>
+          <p:cNvPr id="6" name="직선 화살표 연결선 5">
+            <a:extLst>
+              <a:ext uri="{FF2B5EF4-FFF2-40B4-BE49-F238E27FC236}">
+                <a16:creationId xmlns:a16="http://schemas.microsoft.com/office/drawing/2014/main" id="{7FE41C44-4CB8-48E1-9030-280EADABE2F1}"/>
+              </a:ext>
+            </a:extLst>
+          </p:cNvPr>
+          <p:cNvCxnSpPr>
+            <a:cxnSpLocks/>
+          </p:cNvCxnSpPr>
+          <p:nvPr/>
+        </p:nvCxnSpPr>
+        <p:spPr>
+          <a:xfrm flipH="1">
+            <a:off x="3131820" y="3194948"/>
+            <a:ext cx="1758875" cy="0"/>
+          </a:xfrm>
+          <a:prstGeom prst="straightConnector1">
+            <a:avLst/>
+          </a:prstGeom>
+          <a:ln w="38100">
+            <a:solidFill>
+              <a:srgbClr val="FF0000"/>
+            </a:solidFill>
+            <a:tailEnd type="triangle"/>
+          </a:ln>
+        </p:spPr>
+        <p:style>
+          <a:lnRef idx="1">
+            <a:schemeClr val="accent1"/>
+          </a:lnRef>
+          <a:fillRef idx="0">
+            <a:schemeClr val="accent1"/>
+          </a:fillRef>
+          <a:effectRef idx="0">
+            <a:schemeClr val="accent1"/>
+          </a:effectRef>
+          <a:fontRef idx="minor">
+            <a:schemeClr val="tx1"/>
+          </a:fontRef>
+        </p:style>
+      </p:cxnSp>
+      <p:sp>
+        <p:nvSpPr>
+          <p:cNvPr id="7" name="TextBox 6">
+            <a:extLst>
+              <a:ext uri="{FF2B5EF4-FFF2-40B4-BE49-F238E27FC236}">
+                <a16:creationId xmlns:a16="http://schemas.microsoft.com/office/drawing/2014/main" id="{87BB2494-DFEA-43ED-83B1-B773A804B230}"/>
+              </a:ext>
+            </a:extLst>
+          </p:cNvPr>
+          <p:cNvSpPr txBox="1"/>
+          <p:nvPr/>
+        </p:nvSpPr>
+        <p:spPr>
+          <a:xfrm>
+            <a:off x="4968681" y="1824871"/>
+            <a:ext cx="1271502" cy="369332"/>
+          </a:xfrm>
+          <a:prstGeom prst="rect">
+            <a:avLst/>
+          </a:prstGeom>
+          <a:noFill/>
+        </p:spPr>
+        <p:txBody>
+          <a:bodyPr wrap="none" rtlCol="0">
+            <a:spAutoFit/>
+          </a:bodyPr>
+          <a:lstStyle/>
+          <a:p>
+            <a:r>
+              <a:rPr lang="en-US" altLang="ko-KR" dirty="0">
+                <a:solidFill>
+                  <a:schemeClr val="bg1"/>
+                </a:solidFill>
+              </a:rPr>
+              <a:t>X </a:t>
+            </a:r>
+            <a:r>
+              <a:rPr lang="ko-KR" altLang="en-US" dirty="0">
+                <a:solidFill>
+                  <a:schemeClr val="bg1"/>
+                </a:solidFill>
+              </a:rPr>
+              <a:t>축 </a:t>
+            </a:r>
+            <a:r>
+              <a:rPr lang="en-US" altLang="ko-KR" dirty="0">
+                <a:solidFill>
+                  <a:schemeClr val="bg1"/>
+                </a:solidFill>
+              </a:rPr>
+              <a:t>+</a:t>
+            </a:r>
+            <a:r>
+              <a:rPr lang="ko-KR" altLang="en-US" dirty="0">
+                <a:solidFill>
+                  <a:schemeClr val="bg1"/>
+                </a:solidFill>
+              </a:rPr>
+              <a:t> 방향</a:t>
+            </a:r>
+          </a:p>
+        </p:txBody>
+      </p:sp>
+      <p:sp>
+        <p:nvSpPr>
+          <p:cNvPr id="8" name="TextBox 7">
+            <a:extLst>
+              <a:ext uri="{FF2B5EF4-FFF2-40B4-BE49-F238E27FC236}">
+                <a16:creationId xmlns:a16="http://schemas.microsoft.com/office/drawing/2014/main" id="{ACB51CFB-BFEC-44F9-A726-07E2D5A91D87}"/>
+              </a:ext>
+            </a:extLst>
+          </p:cNvPr>
+          <p:cNvSpPr txBox="1"/>
+          <p:nvPr/>
+        </p:nvSpPr>
+        <p:spPr>
+          <a:xfrm>
+            <a:off x="3120042" y="3366159"/>
+            <a:ext cx="1263487" cy="369332"/>
+          </a:xfrm>
+          <a:prstGeom prst="rect">
+            <a:avLst/>
+          </a:prstGeom>
+          <a:noFill/>
+        </p:spPr>
+        <p:txBody>
+          <a:bodyPr wrap="none" rtlCol="0">
+            <a:spAutoFit/>
+          </a:bodyPr>
+          <a:lstStyle/>
+          <a:p>
+            <a:r>
+              <a:rPr lang="en-US" altLang="ko-KR" dirty="0">
+                <a:solidFill>
+                  <a:schemeClr val="bg1"/>
+                </a:solidFill>
+              </a:rPr>
+              <a:t>Y </a:t>
+            </a:r>
+            <a:r>
+              <a:rPr lang="ko-KR" altLang="en-US" dirty="0">
+                <a:solidFill>
+                  <a:schemeClr val="bg1"/>
+                </a:solidFill>
+              </a:rPr>
+              <a:t>축 </a:t>
+            </a:r>
+            <a:r>
+              <a:rPr lang="en-US" altLang="ko-KR" dirty="0">
+                <a:solidFill>
+                  <a:schemeClr val="bg1"/>
+                </a:solidFill>
+              </a:rPr>
+              <a:t>+</a:t>
+            </a:r>
+            <a:r>
+              <a:rPr lang="ko-KR" altLang="en-US" dirty="0">
+                <a:solidFill>
+                  <a:schemeClr val="bg1"/>
+                </a:solidFill>
+              </a:rPr>
+              <a:t> 방향</a:t>
+            </a:r>
+          </a:p>
+        </p:txBody>
+      </p:sp>
+    </p:spTree>
+    <p:extLst>
+      <p:ext uri="{BB962C8B-B14F-4D97-AF65-F5344CB8AC3E}">
+        <p14:creationId xmlns:p14="http://schemas.microsoft.com/office/powerpoint/2010/main" val="490509509"/>
+      </p:ext>
+    </p:extLst>
+  </p:cSld>
+  <p:clrMapOvr>
+    <a:masterClrMapping/>
+  </p:clrMapOvr>
 </p:sld>
 </file>
 
